--- a/Deeper dive and analysis of Starbucks locations.pptx
+++ b/Deeper dive and analysis of Starbucks locations.pptx
@@ -5,22 +5,23 @@
     <p:sldMasterId id="2147483852" r:id="rId4"/>
   </p:sldMasterIdLst>
   <p:notesMasterIdLst>
-    <p:notesMasterId r:id="rId15"/>
+    <p:notesMasterId r:id="rId16"/>
   </p:notesMasterIdLst>
   <p:handoutMasterIdLst>
-    <p:handoutMasterId r:id="rId16"/>
+    <p:handoutMasterId r:id="rId17"/>
   </p:handoutMasterIdLst>
   <p:sldIdLst>
     <p:sldId id="256" r:id="rId5"/>
     <p:sldId id="262" r:id="rId6"/>
     <p:sldId id="263" r:id="rId7"/>
-    <p:sldId id="258" r:id="rId8"/>
-    <p:sldId id="264" r:id="rId9"/>
-    <p:sldId id="265" r:id="rId10"/>
-    <p:sldId id="266" r:id="rId11"/>
-    <p:sldId id="267" r:id="rId12"/>
-    <p:sldId id="259" r:id="rId13"/>
-    <p:sldId id="260" r:id="rId14"/>
+    <p:sldId id="268" r:id="rId8"/>
+    <p:sldId id="258" r:id="rId9"/>
+    <p:sldId id="264" r:id="rId10"/>
+    <p:sldId id="265" r:id="rId11"/>
+    <p:sldId id="266" r:id="rId12"/>
+    <p:sldId id="267" r:id="rId13"/>
+    <p:sldId id="259" r:id="rId14"/>
+    <p:sldId id="260" r:id="rId15"/>
   </p:sldIdLst>
   <p:sldSz cx="12192000" cy="6858000"/>
   <p:notesSz cx="6858000" cy="9144000"/>
@@ -1169,7 +1170,7 @@
           <a:p>
             <a:fld id="{3E35D1AD-E24C-4E82-BC85-28527A42DCE7}" type="datetimeFigureOut">
               <a:rPr lang="en-US" smtClean="0"/>
-              <a:t>6/19/2020</a:t>
+              <a:t>6/20/2020</a:t>
             </a:fld>
             <a:endParaRPr lang="en-US" dirty="0"/>
           </a:p>
@@ -1346,7 +1347,7 @@
           <a:p>
             <a:fld id="{7255EA34-3951-4B6D-8DDD-B157CE00471C}" type="datetimeFigureOut">
               <a:rPr lang="en-US" smtClean="0"/>
-              <a:t>6/19/2020</a:t>
+              <a:t>6/20/2020</a:t>
             </a:fld>
             <a:endParaRPr lang="en-US" dirty="0"/>
           </a:p>
@@ -1846,7 +1847,7 @@
           <a:p>
             <a:fld id="{4AB3E965-974B-498D-B360-83DD1F9DEB55}" type="slidenum">
               <a:rPr lang="en-US" smtClean="0"/>
-              <a:t>4</a:t>
+              <a:t>5</a:t>
             </a:fld>
             <a:endParaRPr lang="en-US" dirty="0"/>
           </a:p>
@@ -1930,7 +1931,7 @@
           <a:p>
             <a:fld id="{4AB3E965-974B-498D-B360-83DD1F9DEB55}" type="slidenum">
               <a:rPr lang="en-US" smtClean="0"/>
-              <a:t>9</a:t>
+              <a:t>10</a:t>
             </a:fld>
             <a:endParaRPr lang="en-US" dirty="0"/>
           </a:p>
@@ -2014,7 +2015,7 @@
           <a:p>
             <a:fld id="{4AB3E965-974B-498D-B360-83DD1F9DEB55}" type="slidenum">
               <a:rPr lang="en-US" smtClean="0"/>
-              <a:t>10</a:t>
+              <a:t>11</a:t>
             </a:fld>
             <a:endParaRPr lang="en-US" dirty="0"/>
           </a:p>
@@ -2183,7 +2184,7 @@
           <a:p>
             <a:fld id="{9AB3A824-1A51-4B26-AD58-A6D8E14F6C04}" type="datetimeFigureOut">
               <a:rPr lang="en-US" noProof="0" smtClean="0"/>
-              <a:t>6/19/2020</a:t>
+              <a:t>6/20/2020</a:t>
             </a:fld>
             <a:endParaRPr lang="en-US" noProof="0" dirty="0"/>
           </a:p>
@@ -2430,7 +2431,7 @@
           <a:p>
             <a:fld id="{D857E33E-8B18-4087-B112-809917729534}" type="datetimeFigureOut">
               <a:rPr lang="en-US" smtClean="0"/>
-              <a:t>6/19/2020</a:t>
+              <a:t>6/20/2020</a:t>
             </a:fld>
             <a:endParaRPr lang="en-US" dirty="0"/>
           </a:p>
@@ -2614,7 +2615,7 @@
           <a:p>
             <a:fld id="{D3FFE419-2371-464F-8239-3959401C3561}" type="datetimeFigureOut">
               <a:rPr lang="en-US" smtClean="0"/>
-              <a:t>6/19/2020</a:t>
+              <a:t>6/20/2020</a:t>
             </a:fld>
             <a:endParaRPr lang="en-US" dirty="0"/>
           </a:p>
@@ -2821,7 +2822,7 @@
           <a:p>
             <a:fld id="{97D162C4-EDD9-4389-A98B-B87ECEA2A816}" type="datetimeFigureOut">
               <a:rPr lang="en-US" noProof="0" smtClean="0"/>
-              <a:t>6/19/2020</a:t>
+              <a:t>6/20/2020</a:t>
             </a:fld>
             <a:endParaRPr lang="en-US" noProof="0" dirty="0"/>
           </a:p>
@@ -3081,7 +3082,7 @@
           <a:p>
             <a:fld id="{3E5059C3-6A89-4494-99FF-5A4D6FFD50EB}" type="datetimeFigureOut">
               <a:rPr lang="en-US" noProof="0" smtClean="0"/>
-              <a:t>6/19/2020</a:t>
+              <a:t>6/20/2020</a:t>
             </a:fld>
             <a:endParaRPr lang="en-US" noProof="0" dirty="0"/>
           </a:p>
@@ -3429,7 +3430,7 @@
           <a:p>
             <a:fld id="{CA954B2F-12DE-47F5-8894-472B206D2E1E}" type="datetimeFigureOut">
               <a:rPr lang="en-US" noProof="0" smtClean="0"/>
-              <a:t>6/19/2020</a:t>
+              <a:t>6/20/2020</a:t>
             </a:fld>
             <a:endParaRPr lang="en-US" noProof="0" dirty="0"/>
           </a:p>
@@ -3835,7 +3836,7 @@
           <a:p>
             <a:fld id="{3F30E46F-7819-4ACF-B48B-48222C2ACC88}" type="datetimeFigureOut">
               <a:rPr lang="en-US" smtClean="0"/>
-              <a:t>6/19/2020</a:t>
+              <a:t>6/20/2020</a:t>
             </a:fld>
             <a:endParaRPr lang="en-US" dirty="0"/>
           </a:p>
@@ -3957,7 +3958,7 @@
           <a:p>
             <a:fld id="{1FAF3416-4057-4DAA-829D-4CA07428D088}" type="datetimeFigureOut">
               <a:rPr lang="en-US" smtClean="0"/>
-              <a:t>6/19/2020</a:t>
+              <a:t>6/20/2020</a:t>
             </a:fld>
             <a:endParaRPr lang="en-US" dirty="0"/>
           </a:p>
@@ -4056,7 +4057,7 @@
           <a:p>
             <a:fld id="{921D9284-D300-4297-87F7-E791DCC15DB1}" type="datetimeFigureOut">
               <a:rPr lang="en-US" smtClean="0"/>
-              <a:t>6/19/2020</a:t>
+              <a:t>6/20/2020</a:t>
             </a:fld>
             <a:endParaRPr lang="en-US" dirty="0"/>
           </a:p>
@@ -4350,7 +4351,7 @@
           <a:p>
             <a:fld id="{37D525BB-DA17-4BA0-B3C8-3AC3ABC827E6}" type="datetimeFigureOut">
               <a:rPr lang="en-US" smtClean="0"/>
-              <a:t>6/19/2020</a:t>
+              <a:t>6/20/2020</a:t>
             </a:fld>
             <a:endParaRPr lang="en-US" dirty="0"/>
           </a:p>
@@ -4634,7 +4635,7 @@
           <a:p>
             <a:fld id="{B16C4C9A-3960-41CF-A4E9-2A8FB932454B}" type="datetimeFigureOut">
               <a:rPr lang="en-US" smtClean="0"/>
-              <a:t>6/19/2020</a:t>
+              <a:t>6/20/2020</a:t>
             </a:fld>
             <a:endParaRPr lang="en-US" dirty="0"/>
           </a:p>
@@ -4886,7 +4887,7 @@
           <a:p>
             <a:fld id="{3CBC1C18-307B-4F68-A007-B5B542270E8D}" type="datetimeFigureOut">
               <a:rPr lang="en-US" noProof="0" smtClean="0"/>
-              <a:t>6/19/2020</a:t>
+              <a:t>6/20/2020</a:t>
             </a:fld>
             <a:endParaRPr lang="en-US" noProof="0" dirty="0"/>
           </a:p>
@@ -5694,6 +5695,148 @@
       </p:grpSpPr>
       <p:sp>
         <p:nvSpPr>
+          <p:cNvPr id="2" name="Title 1">
+            <a:extLst>
+              <a:ext uri="{FF2B5EF4-FFF2-40B4-BE49-F238E27FC236}">
+                <a16:creationId xmlns:a16="http://schemas.microsoft.com/office/drawing/2014/main" id="{44DFCA76-5DF3-4D71-A543-CF57216D5E4E}"/>
+              </a:ext>
+            </a:extLst>
+          </p:cNvPr>
+          <p:cNvSpPr>
+            <a:spLocks noGrp="1"/>
+          </p:cNvSpPr>
+          <p:nvPr>
+            <p:ph type="title"/>
+          </p:nvPr>
+        </p:nvSpPr>
+        <p:spPr>
+          <a:xfrm>
+            <a:off x="1024129" y="585216"/>
+            <a:ext cx="4431792" cy="1499616"/>
+          </a:xfrm>
+        </p:spPr>
+        <p:txBody>
+          <a:bodyPr>
+            <a:normAutofit/>
+          </a:bodyPr>
+          <a:lstStyle/>
+          <a:p>
+            <a:r>
+              <a:rPr lang="en-US" b="1"/>
+              <a:t>Summary conclusion</a:t>
+            </a:r>
+            <a:endParaRPr lang="en-US" b="1" dirty="0"/>
+          </a:p>
+        </p:txBody>
+      </p:sp>
+      <p:sp>
+        <p:nvSpPr>
+          <p:cNvPr id="15" name="Content Placeholder 13">
+            <a:extLst>
+              <a:ext uri="{FF2B5EF4-FFF2-40B4-BE49-F238E27FC236}">
+                <a16:creationId xmlns:a16="http://schemas.microsoft.com/office/drawing/2014/main" id="{54D618EC-A394-405F-8159-7F791421F5F7}"/>
+              </a:ext>
+            </a:extLst>
+          </p:cNvPr>
+          <p:cNvSpPr>
+            <a:spLocks noGrp="1"/>
+          </p:cNvSpPr>
+          <p:nvPr>
+            <p:ph idx="1"/>
+          </p:nvPr>
+        </p:nvSpPr>
+        <p:spPr>
+          <a:xfrm>
+            <a:off x="1024128" y="2286000"/>
+            <a:ext cx="7933398" cy="3931920"/>
+          </a:xfrm>
+        </p:spPr>
+        <p:txBody>
+          <a:bodyPr>
+            <a:normAutofit/>
+          </a:bodyPr>
+          <a:lstStyle/>
+          <a:p>
+            <a:endParaRPr lang="en-US" dirty="0"/>
+          </a:p>
+        </p:txBody>
+      </p:sp>
+      <p:pic>
+        <p:nvPicPr>
+          <p:cNvPr id="8" name="Content Placeholder 7" descr="A picture containing clock, plate&#10;&#10;Description automatically generated">
+            <a:extLst>
+              <a:ext uri="{FF2B5EF4-FFF2-40B4-BE49-F238E27FC236}">
+                <a16:creationId xmlns:a16="http://schemas.microsoft.com/office/drawing/2014/main" id="{4EE46EB8-A0BC-455F-BEE4-5A9F8EECB718}"/>
+              </a:ext>
+            </a:extLst>
+          </p:cNvPr>
+          <p:cNvPicPr>
+            <a:picLocks noChangeAspect="1"/>
+          </p:cNvPicPr>
+          <p:nvPr/>
+        </p:nvPicPr>
+        <p:blipFill>
+          <a:blip r:embed="rId3">
+            <a:extLst>
+              <a:ext uri="{837473B0-CC2E-450A-ABE3-18F120FF3D39}">
+                <a1611:picAttrSrcUrl xmlns:a1611="http://schemas.microsoft.com/office/drawing/2016/11/main" r:id="rId4"/>
+              </a:ext>
+            </a:extLst>
+          </a:blip>
+          <a:stretch>
+            <a:fillRect/>
+          </a:stretch>
+        </p:blipFill>
+        <p:spPr>
+          <a:xfrm>
+            <a:off x="8957526" y="692007"/>
+            <a:ext cx="2594395" cy="2602986"/>
+          </a:xfrm>
+          <a:prstGeom prst="rect">
+            <a:avLst/>
+          </a:prstGeom>
+        </p:spPr>
+      </p:pic>
+    </p:spTree>
+    <p:extLst>
+      <p:ext uri="{BB962C8B-B14F-4D97-AF65-F5344CB8AC3E}">
+        <p14:creationId xmlns:p14="http://schemas.microsoft.com/office/powerpoint/2010/main" val="816733363"/>
+      </p:ext>
+    </p:extLst>
+  </p:cSld>
+  <p:clrMapOvr>
+    <a:masterClrMapping/>
+  </p:clrMapOvr>
+</p:sld>
+</file>
+
+<file path=ppt/slides/slide11.xml><?xml version="1.0" encoding="utf-8"?>
+<p:sld xmlns:a="http://schemas.openxmlformats.org/drawingml/2006/main" xmlns:r="http://schemas.openxmlformats.org/officeDocument/2006/relationships" xmlns:p="http://schemas.openxmlformats.org/presentationml/2006/main">
+  <p:cSld>
+    <p:bg>
+      <p:bgPr>
+        <a:solidFill>
+          <a:schemeClr val="bg1"/>
+        </a:solidFill>
+        <a:effectLst/>
+      </p:bgPr>
+    </p:bg>
+    <p:spTree>
+      <p:nvGrpSpPr>
+        <p:cNvPr id="1" name=""/>
+        <p:cNvGrpSpPr/>
+        <p:nvPr/>
+      </p:nvGrpSpPr>
+      <p:grpSpPr>
+        <a:xfrm>
+          <a:off x="0" y="0"/>
+          <a:ext cx="0" cy="0"/>
+          <a:chOff x="0" y="0"/>
+          <a:chExt cx="0" cy="0"/>
+        </a:xfrm>
+      </p:grpSpPr>
+      <p:sp>
+        <p:nvSpPr>
           <p:cNvPr id="10" name="Rectangle 9">
             <a:extLst>
               <a:ext uri="{FF2B5EF4-FFF2-40B4-BE49-F238E27FC236}">
@@ -6581,6 +6724,175 @@
 <file path=ppt/slides/slide4.xml><?xml version="1.0" encoding="utf-8"?>
 <p:sld xmlns:a="http://schemas.openxmlformats.org/drawingml/2006/main" xmlns:r="http://schemas.openxmlformats.org/officeDocument/2006/relationships" xmlns:p="http://schemas.openxmlformats.org/presentationml/2006/main">
   <p:cSld>
+    <p:spTree>
+      <p:nvGrpSpPr>
+        <p:cNvPr id="1" name=""/>
+        <p:cNvGrpSpPr/>
+        <p:nvPr/>
+      </p:nvGrpSpPr>
+      <p:grpSpPr>
+        <a:xfrm>
+          <a:off x="0" y="0"/>
+          <a:ext cx="0" cy="0"/>
+          <a:chOff x="0" y="0"/>
+          <a:chExt cx="0" cy="0"/>
+        </a:xfrm>
+      </p:grpSpPr>
+      <p:sp>
+        <p:nvSpPr>
+          <p:cNvPr id="2" name="Title 1">
+            <a:extLst>
+              <a:ext uri="{FF2B5EF4-FFF2-40B4-BE49-F238E27FC236}">
+                <a16:creationId xmlns:a16="http://schemas.microsoft.com/office/drawing/2014/main" id="{3D246605-DDB3-4444-B701-5E106A636DFD}"/>
+              </a:ext>
+            </a:extLst>
+          </p:cNvPr>
+          <p:cNvSpPr>
+            <a:spLocks noGrp="1"/>
+          </p:cNvSpPr>
+          <p:nvPr>
+            <p:ph type="title"/>
+          </p:nvPr>
+        </p:nvSpPr>
+        <p:spPr>
+          <a:xfrm>
+            <a:off x="1024129" y="585216"/>
+            <a:ext cx="7398418" cy="1499616"/>
+          </a:xfrm>
+        </p:spPr>
+        <p:txBody>
+          <a:bodyPr>
+            <a:normAutofit/>
+          </a:bodyPr>
+          <a:lstStyle/>
+          <a:p>
+            <a:r>
+              <a:rPr lang="en-US" dirty="0"/>
+              <a:t>Data gathering process</a:t>
+            </a:r>
+          </a:p>
+        </p:txBody>
+      </p:sp>
+      <p:sp>
+        <p:nvSpPr>
+          <p:cNvPr id="12" name="Content Placeholder 9">
+            <a:extLst>
+              <a:ext uri="{FF2B5EF4-FFF2-40B4-BE49-F238E27FC236}">
+                <a16:creationId xmlns:a16="http://schemas.microsoft.com/office/drawing/2014/main" id="{F180B9CE-34A6-4178-BCCF-6708F56A57BD}"/>
+              </a:ext>
+            </a:extLst>
+          </p:cNvPr>
+          <p:cNvSpPr>
+            <a:spLocks noGrp="1"/>
+          </p:cNvSpPr>
+          <p:nvPr>
+            <p:ph idx="1"/>
+          </p:nvPr>
+        </p:nvSpPr>
+        <p:spPr>
+          <a:xfrm>
+            <a:off x="1024128" y="2084832"/>
+            <a:ext cx="10301010" cy="4773168"/>
+          </a:xfrm>
+        </p:spPr>
+        <p:txBody>
+          <a:bodyPr>
+            <a:normAutofit/>
+          </a:bodyPr>
+          <a:lstStyle/>
+          <a:p>
+            <a:pPr lvl="1"/>
+            <a:r>
+              <a:rPr lang="en-US" sz="2400" dirty="0"/>
+              <a:t>Three data sets:  </a:t>
+            </a:r>
+          </a:p>
+          <a:p>
+            <a:pPr lvl="4"/>
+            <a:r>
+              <a:rPr lang="en-US" sz="2000" dirty="0"/>
+              <a:t>1) Starbucks store location – Directory of stores</a:t>
+            </a:r>
+          </a:p>
+          <a:p>
+            <a:pPr lvl="4"/>
+            <a:r>
+              <a:rPr lang="en-US" sz="2000" dirty="0"/>
+              <a:t>2) US Census Demographics – County by County demographics data</a:t>
+            </a:r>
+          </a:p>
+          <a:p>
+            <a:pPr lvl="4"/>
+            <a:r>
+              <a:rPr lang="en-US" sz="2000" dirty="0"/>
+              <a:t>3) Zip codes – Complete list of Zip codes</a:t>
+            </a:r>
+          </a:p>
+          <a:p>
+            <a:pPr lvl="1"/>
+            <a:r>
+              <a:rPr lang="en-US" sz="2400" dirty="0"/>
+              <a:t>Leveraged Pandas and </a:t>
+            </a:r>
+            <a:r>
+              <a:rPr lang="en-US" sz="2400" dirty="0" err="1"/>
+              <a:t>Jupyter</a:t>
+            </a:r>
+            <a:endParaRPr lang="en-US" sz="2400" dirty="0"/>
+          </a:p>
+          <a:p>
+            <a:pPr lvl="1"/>
+            <a:r>
+              <a:rPr lang="en-US" sz="2400" dirty="0"/>
+              <a:t>Data Cleanup</a:t>
+            </a:r>
+          </a:p>
+          <a:p>
+            <a:pPr lvl="4"/>
+            <a:r>
+              <a:rPr lang="en-US" sz="2000" dirty="0"/>
+              <a:t>1) Removed unnecessary fields, Grouped columns, </a:t>
+            </a:r>
+          </a:p>
+          <a:p>
+            <a:pPr lvl="4"/>
+            <a:r>
+              <a:rPr lang="en-US" sz="2000" dirty="0"/>
+              <a:t>3) Counts, averages, sums, and percentages</a:t>
+            </a:r>
+          </a:p>
+          <a:p>
+            <a:pPr lvl="1"/>
+            <a:r>
+              <a:rPr lang="en-US" sz="2400" dirty="0"/>
+              <a:t>Created a join key to consolidate all of the data in to a final data frame</a:t>
+            </a:r>
+          </a:p>
+          <a:p>
+            <a:pPr lvl="1"/>
+            <a:r>
+              <a:rPr lang="en-US" sz="2400" dirty="0"/>
+              <a:t>Once the final data frame was created, we focused on understanding what story the data was telling.</a:t>
+            </a:r>
+          </a:p>
+        </p:txBody>
+      </p:sp>
+    </p:spTree>
+    <p:extLst>
+      <p:ext uri="{BB962C8B-B14F-4D97-AF65-F5344CB8AC3E}">
+        <p14:creationId xmlns:p14="http://schemas.microsoft.com/office/powerpoint/2010/main" val="1885580808"/>
+      </p:ext>
+    </p:extLst>
+  </p:cSld>
+  <p:clrMapOvr>
+    <a:masterClrMapping/>
+  </p:clrMapOvr>
+</p:sld>
+</file>
+
+<file path=ppt/slides/slide5.xml><?xml version="1.0" encoding="utf-8"?>
+<p:sld xmlns:a="http://schemas.openxmlformats.org/drawingml/2006/main" xmlns:r="http://schemas.openxmlformats.org/officeDocument/2006/relationships" xmlns:p="http://schemas.openxmlformats.org/presentationml/2006/main">
+  <p:cSld>
     <p:bg>
       <p:bgPr>
         <a:solidFill>
@@ -6673,89 +6985,6 @@
     <p:extLst>
       <p:ext uri="{BB962C8B-B14F-4D97-AF65-F5344CB8AC3E}">
         <p14:creationId xmlns:p14="http://schemas.microsoft.com/office/powerpoint/2010/main" val="3357200886"/>
-      </p:ext>
-    </p:extLst>
-  </p:cSld>
-  <p:clrMapOvr>
-    <a:masterClrMapping/>
-  </p:clrMapOvr>
-</p:sld>
-</file>
-
-<file path=ppt/slides/slide5.xml><?xml version="1.0" encoding="utf-8"?>
-<p:sld xmlns:a="http://schemas.openxmlformats.org/drawingml/2006/main" xmlns:r="http://schemas.openxmlformats.org/officeDocument/2006/relationships" xmlns:p="http://schemas.openxmlformats.org/presentationml/2006/main">
-  <p:cSld>
-    <p:spTree>
-      <p:nvGrpSpPr>
-        <p:cNvPr id="1" name=""/>
-        <p:cNvGrpSpPr/>
-        <p:nvPr/>
-      </p:nvGrpSpPr>
-      <p:grpSpPr>
-        <a:xfrm>
-          <a:off x="0" y="0"/>
-          <a:ext cx="0" cy="0"/>
-          <a:chOff x="0" y="0"/>
-          <a:chExt cx="0" cy="0"/>
-        </a:xfrm>
-      </p:grpSpPr>
-      <p:sp>
-        <p:nvSpPr>
-          <p:cNvPr id="2" name="Title 1">
-            <a:extLst>
-              <a:ext uri="{FF2B5EF4-FFF2-40B4-BE49-F238E27FC236}">
-                <a16:creationId xmlns:a16="http://schemas.microsoft.com/office/drawing/2014/main" id="{AF914BDC-A786-4A80-99A2-934A1E7267A3}"/>
-              </a:ext>
-            </a:extLst>
-          </p:cNvPr>
-          <p:cNvSpPr>
-            <a:spLocks noGrp="1"/>
-          </p:cNvSpPr>
-          <p:nvPr>
-            <p:ph type="title"/>
-          </p:nvPr>
-        </p:nvSpPr>
-        <p:spPr/>
-        <p:txBody>
-          <a:bodyPr/>
-          <a:lstStyle/>
-          <a:p>
-            <a:r>
-              <a:rPr lang="en-US" dirty="0"/>
-              <a:t>Scatter Plot Charts</a:t>
-            </a:r>
-          </a:p>
-        </p:txBody>
-      </p:sp>
-      <p:sp>
-        <p:nvSpPr>
-          <p:cNvPr id="3" name="Content Placeholder 2">
-            <a:extLst>
-              <a:ext uri="{FF2B5EF4-FFF2-40B4-BE49-F238E27FC236}">
-                <a16:creationId xmlns:a16="http://schemas.microsoft.com/office/drawing/2014/main" id="{52756F33-6D5E-428F-9F09-5DF4EA1A2140}"/>
-              </a:ext>
-            </a:extLst>
-          </p:cNvPr>
-          <p:cNvSpPr>
-            <a:spLocks noGrp="1"/>
-          </p:cNvSpPr>
-          <p:nvPr>
-            <p:ph idx="1"/>
-          </p:nvPr>
-        </p:nvSpPr>
-        <p:spPr/>
-        <p:txBody>
-          <a:bodyPr/>
-          <a:lstStyle/>
-          <a:p>
-            <a:endParaRPr lang="en-US"/>
-          </a:p>
-        </p:txBody>
-      </p:sp>
-    </p:spTree>
-    <p:extLst>
-      <p:ext uri="{BB962C8B-B14F-4D97-AF65-F5344CB8AC3E}">
-        <p14:creationId xmlns:p14="http://schemas.microsoft.com/office/powerpoint/2010/main" val="2358015017"/>
       </p:ext>
     </p:extLst>
   </p:cSld>
@@ -6787,7 +7016,7 @@
           <p:cNvPr id="2" name="Title 1">
             <a:extLst>
               <a:ext uri="{FF2B5EF4-FFF2-40B4-BE49-F238E27FC236}">
-                <a16:creationId xmlns:a16="http://schemas.microsoft.com/office/drawing/2014/main" id="{16079B17-E0C3-4C21-A981-E4ACA0A7412B}"/>
+                <a16:creationId xmlns:a16="http://schemas.microsoft.com/office/drawing/2014/main" id="{AF914BDC-A786-4A80-99A2-934A1E7267A3}"/>
               </a:ext>
             </a:extLst>
           </p:cNvPr>
@@ -6805,7 +7034,7 @@
           <a:p>
             <a:r>
               <a:rPr lang="en-US" dirty="0"/>
-              <a:t>Pie Charts???</a:t>
+              <a:t>Scatter Plot Charts</a:t>
             </a:r>
           </a:p>
         </p:txBody>
@@ -6815,7 +7044,7 @@
           <p:cNvPr id="3" name="Content Placeholder 2">
             <a:extLst>
               <a:ext uri="{FF2B5EF4-FFF2-40B4-BE49-F238E27FC236}">
-                <a16:creationId xmlns:a16="http://schemas.microsoft.com/office/drawing/2014/main" id="{DD1DC79E-C3F2-48A1-B913-027D46554C11}"/>
+                <a16:creationId xmlns:a16="http://schemas.microsoft.com/office/drawing/2014/main" id="{52756F33-6D5E-428F-9F09-5DF4EA1A2140}"/>
               </a:ext>
             </a:extLst>
           </p:cNvPr>
@@ -6838,7 +7067,7 @@
     </p:spTree>
     <p:extLst>
       <p:ext uri="{BB962C8B-B14F-4D97-AF65-F5344CB8AC3E}">
-        <p14:creationId xmlns:p14="http://schemas.microsoft.com/office/powerpoint/2010/main" val="2947838600"/>
+        <p14:creationId xmlns:p14="http://schemas.microsoft.com/office/powerpoint/2010/main" val="2358015017"/>
       </p:ext>
     </p:extLst>
   </p:cSld>
@@ -6870,7 +7099,7 @@
           <p:cNvPr id="2" name="Title 1">
             <a:extLst>
               <a:ext uri="{FF2B5EF4-FFF2-40B4-BE49-F238E27FC236}">
-                <a16:creationId xmlns:a16="http://schemas.microsoft.com/office/drawing/2014/main" id="{DFEF73C5-79B5-4B1C-AA88-3C8CB61C2DA8}"/>
+                <a16:creationId xmlns:a16="http://schemas.microsoft.com/office/drawing/2014/main" id="{16079B17-E0C3-4C21-A981-E4ACA0A7412B}"/>
               </a:ext>
             </a:extLst>
           </p:cNvPr>
@@ -6888,7 +7117,7 @@
           <a:p>
             <a:r>
               <a:rPr lang="en-US" dirty="0"/>
-              <a:t>Correlation charts</a:t>
+              <a:t>Pie Charts???</a:t>
             </a:r>
           </a:p>
         </p:txBody>
@@ -6898,7 +7127,7 @@
           <p:cNvPr id="3" name="Content Placeholder 2">
             <a:extLst>
               <a:ext uri="{FF2B5EF4-FFF2-40B4-BE49-F238E27FC236}">
-                <a16:creationId xmlns:a16="http://schemas.microsoft.com/office/drawing/2014/main" id="{6A709681-0FEF-44FA-A3F4-12885CB3D58B}"/>
+                <a16:creationId xmlns:a16="http://schemas.microsoft.com/office/drawing/2014/main" id="{DD1DC79E-C3F2-48A1-B913-027D46554C11}"/>
               </a:ext>
             </a:extLst>
           </p:cNvPr>
@@ -6921,7 +7150,7 @@
     </p:spTree>
     <p:extLst>
       <p:ext uri="{BB962C8B-B14F-4D97-AF65-F5344CB8AC3E}">
-        <p14:creationId xmlns:p14="http://schemas.microsoft.com/office/powerpoint/2010/main" val="576569707"/>
+        <p14:creationId xmlns:p14="http://schemas.microsoft.com/office/powerpoint/2010/main" val="2947838600"/>
       </p:ext>
     </p:extLst>
   </p:cSld>
@@ -6953,7 +7182,7 @@
           <p:cNvPr id="2" name="Title 1">
             <a:extLst>
               <a:ext uri="{FF2B5EF4-FFF2-40B4-BE49-F238E27FC236}">
-                <a16:creationId xmlns:a16="http://schemas.microsoft.com/office/drawing/2014/main" id="{E58C9774-41DF-42DC-82F0-5987EF0208E5}"/>
+                <a16:creationId xmlns:a16="http://schemas.microsoft.com/office/drawing/2014/main" id="{DFEF73C5-79B5-4B1C-AA88-3C8CB61C2DA8}"/>
               </a:ext>
             </a:extLst>
           </p:cNvPr>
@@ -6971,7 +7200,7 @@
           <a:p>
             <a:r>
               <a:rPr lang="en-US" dirty="0"/>
-              <a:t>Heat map</a:t>
+              <a:t>Correlation charts</a:t>
             </a:r>
           </a:p>
         </p:txBody>
@@ -6981,7 +7210,7 @@
           <p:cNvPr id="3" name="Content Placeholder 2">
             <a:extLst>
               <a:ext uri="{FF2B5EF4-FFF2-40B4-BE49-F238E27FC236}">
-                <a16:creationId xmlns:a16="http://schemas.microsoft.com/office/drawing/2014/main" id="{5E07E533-B478-4C43-81B0-E8BD124B9924}"/>
+                <a16:creationId xmlns:a16="http://schemas.microsoft.com/office/drawing/2014/main" id="{6A709681-0FEF-44FA-A3F4-12885CB3D58B}"/>
               </a:ext>
             </a:extLst>
           </p:cNvPr>
@@ -7004,7 +7233,7 @@
     </p:spTree>
     <p:extLst>
       <p:ext uri="{BB962C8B-B14F-4D97-AF65-F5344CB8AC3E}">
-        <p14:creationId xmlns:p14="http://schemas.microsoft.com/office/powerpoint/2010/main" val="427240729"/>
+        <p14:creationId xmlns:p14="http://schemas.microsoft.com/office/powerpoint/2010/main" val="576569707"/>
       </p:ext>
     </p:extLst>
   </p:cSld>
@@ -7017,14 +7246,6 @@
 <file path=ppt/slides/slide9.xml><?xml version="1.0" encoding="utf-8"?>
 <p:sld xmlns:a="http://schemas.openxmlformats.org/drawingml/2006/main" xmlns:r="http://schemas.openxmlformats.org/officeDocument/2006/relationships" xmlns:p="http://schemas.openxmlformats.org/presentationml/2006/main">
   <p:cSld>
-    <p:bg>
-      <p:bgPr>
-        <a:solidFill>
-          <a:schemeClr val="bg1"/>
-        </a:solidFill>
-        <a:effectLst/>
-      </p:bgPr>
-    </p:bg>
     <p:spTree>
       <p:nvGrpSpPr>
         <p:cNvPr id="1" name=""/>
@@ -7044,7 +7265,7 @@
           <p:cNvPr id="2" name="Title 1">
             <a:extLst>
               <a:ext uri="{FF2B5EF4-FFF2-40B4-BE49-F238E27FC236}">
-                <a16:creationId xmlns:a16="http://schemas.microsoft.com/office/drawing/2014/main" id="{44DFCA76-5DF3-4D71-A543-CF57216D5E4E}"/>
+                <a16:creationId xmlns:a16="http://schemas.microsoft.com/office/drawing/2014/main" id="{E58C9774-41DF-42DC-82F0-5987EF0208E5}"/>
               </a:ext>
             </a:extLst>
           </p:cNvPr>
@@ -7055,32 +7276,24 @@
             <p:ph type="title"/>
           </p:nvPr>
         </p:nvSpPr>
-        <p:spPr>
-          <a:xfrm>
-            <a:off x="1024129" y="585216"/>
-            <a:ext cx="4431792" cy="1499616"/>
-          </a:xfrm>
-        </p:spPr>
-        <p:txBody>
-          <a:bodyPr>
-            <a:normAutofit/>
-          </a:bodyPr>
-          <a:lstStyle/>
-          <a:p>
-            <a:r>
-              <a:rPr lang="en-US" b="1"/>
-              <a:t>Summary conclusion</a:t>
-            </a:r>
-            <a:endParaRPr lang="en-US" b="1" dirty="0"/>
-          </a:p>
-        </p:txBody>
-      </p:sp>
-      <p:sp>
-        <p:nvSpPr>
-          <p:cNvPr id="15" name="Content Placeholder 13">
+        <p:spPr/>
+        <p:txBody>
+          <a:bodyPr/>
+          <a:lstStyle/>
+          <a:p>
+            <a:r>
+              <a:rPr lang="en-US" dirty="0"/>
+              <a:t>Heat map</a:t>
+            </a:r>
+          </a:p>
+        </p:txBody>
+      </p:sp>
+      <p:sp>
+        <p:nvSpPr>
+          <p:cNvPr id="3" name="Content Placeholder 2">
             <a:extLst>
               <a:ext uri="{FF2B5EF4-FFF2-40B4-BE49-F238E27FC236}">
-                <a16:creationId xmlns:a16="http://schemas.microsoft.com/office/drawing/2014/main" id="{54D618EC-A394-405F-8159-7F791421F5F7}"/>
+                <a16:creationId xmlns:a16="http://schemas.microsoft.com/office/drawing/2014/main" id="{5E07E533-B478-4C43-81B0-E8BD124B9924}"/>
               </a:ext>
             </a:extLst>
           </p:cNvPr>
@@ -7091,62 +7304,19 @@
             <p:ph idx="1"/>
           </p:nvPr>
         </p:nvSpPr>
-        <p:spPr>
-          <a:xfrm>
-            <a:off x="1024128" y="2286000"/>
-            <a:ext cx="7933398" cy="3931920"/>
-          </a:xfrm>
-        </p:spPr>
-        <p:txBody>
-          <a:bodyPr>
-            <a:normAutofit/>
-          </a:bodyPr>
-          <a:lstStyle/>
-          <a:p>
-            <a:endParaRPr lang="en-US" dirty="0"/>
-          </a:p>
-        </p:txBody>
-      </p:sp>
-      <p:pic>
-        <p:nvPicPr>
-          <p:cNvPr id="8" name="Content Placeholder 7" descr="A picture containing clock, plate&#10;&#10;Description automatically generated">
-            <a:extLst>
-              <a:ext uri="{FF2B5EF4-FFF2-40B4-BE49-F238E27FC236}">
-                <a16:creationId xmlns:a16="http://schemas.microsoft.com/office/drawing/2014/main" id="{4EE46EB8-A0BC-455F-BEE4-5A9F8EECB718}"/>
-              </a:ext>
-            </a:extLst>
-          </p:cNvPr>
-          <p:cNvPicPr>
-            <a:picLocks noChangeAspect="1"/>
-          </p:cNvPicPr>
-          <p:nvPr/>
-        </p:nvPicPr>
-        <p:blipFill>
-          <a:blip r:embed="rId3">
-            <a:extLst>
-              <a:ext uri="{837473B0-CC2E-450A-ABE3-18F120FF3D39}">
-                <a1611:picAttrSrcUrl xmlns:a1611="http://schemas.microsoft.com/office/drawing/2016/11/main" r:id="rId4"/>
-              </a:ext>
-            </a:extLst>
-          </a:blip>
-          <a:stretch>
-            <a:fillRect/>
-          </a:stretch>
-        </p:blipFill>
-        <p:spPr>
-          <a:xfrm>
-            <a:off x="8957526" y="692007"/>
-            <a:ext cx="2594395" cy="2602986"/>
-          </a:xfrm>
-          <a:prstGeom prst="rect">
-            <a:avLst/>
-          </a:prstGeom>
-        </p:spPr>
-      </p:pic>
+        <p:spPr/>
+        <p:txBody>
+          <a:bodyPr/>
+          <a:lstStyle/>
+          <a:p>
+            <a:endParaRPr lang="en-US"/>
+          </a:p>
+        </p:txBody>
+      </p:sp>
     </p:spTree>
     <p:extLst>
       <p:ext uri="{BB962C8B-B14F-4D97-AF65-F5344CB8AC3E}">
-        <p14:creationId xmlns:p14="http://schemas.microsoft.com/office/powerpoint/2010/main" val="816733363"/>
+        <p14:creationId xmlns:p14="http://schemas.microsoft.com/office/powerpoint/2010/main" val="427240729"/>
       </p:ext>
     </p:extLst>
   </p:cSld>
@@ -8024,6 +8194,15 @@
 </file>
 
 <file path=customXml/item2.xml><?xml version="1.0" encoding="utf-8"?>
+<p:properties xmlns:p="http://schemas.microsoft.com/office/2006/metadata/properties" xmlns:xsi="http://www.w3.org/2001/XMLSchema-instance" xmlns:pc="http://schemas.microsoft.com/office/infopath/2007/PartnerControls">
+  <documentManagement>
+    <Status xmlns="71af3243-3dd4-4a8d-8c0d-dd76da1f02a5">Not started</Status>
+    <MediaServiceKeyPoints xmlns="71af3243-3dd4-4a8d-8c0d-dd76da1f02a5" xsi:nil="true"/>
+  </documentManagement>
+</p:properties>
+</file>
+
+<file path=customXml/item3.xml><?xml version="1.0" encoding="utf-8"?>
 <ct:contentTypeSchema xmlns:ct="http://schemas.microsoft.com/office/2006/metadata/contentType" xmlns:ma="http://schemas.microsoft.com/office/2006/metadata/properties/metaAttributes" ct:_="" ma:_="" ma:contentTypeName="Document" ma:contentTypeID="0x01010079F111ED35F8CC479449609E8A0923A6" ma:contentTypeVersion="12" ma:contentTypeDescription="Create a new document." ma:contentTypeScope="" ma:versionID="93813dd7ca6ad654711aa0ab317e03a3">
   <xsd:schema xmlns:xsd="http://www.w3.org/2001/XMLSchema" xmlns:xs="http://www.w3.org/2001/XMLSchema" xmlns:p="http://schemas.microsoft.com/office/2006/metadata/properties" xmlns:ns2="71af3243-3dd4-4a8d-8c0d-dd76da1f02a5" xmlns:ns3="16c05727-aa75-4e4a-9b5f-8a80a1165891" targetNamespace="http://schemas.microsoft.com/office/2006/metadata/properties" ma:root="true" ma:fieldsID="f11dc0ce689dd3925e84e4e35398c6e7" ns2:_="" ns3:_="">
     <xsd:import namespace="71af3243-3dd4-4a8d-8c0d-dd76da1f02a5"/>
@@ -8244,15 +8423,6 @@
 </ct:contentTypeSchema>
 </file>
 
-<file path=customXml/item3.xml><?xml version="1.0" encoding="utf-8"?>
-<p:properties xmlns:p="http://schemas.microsoft.com/office/2006/metadata/properties" xmlns:xsi="http://www.w3.org/2001/XMLSchema-instance" xmlns:pc="http://schemas.microsoft.com/office/infopath/2007/PartnerControls">
-  <documentManagement>
-    <Status xmlns="71af3243-3dd4-4a8d-8c0d-dd76da1f02a5">Not started</Status>
-    <MediaServiceKeyPoints xmlns="71af3243-3dd4-4a8d-8c0d-dd76da1f02a5" xsi:nil="true"/>
-  </documentManagement>
-</p:properties>
-</file>
-
 <file path=customXml/itemProps1.xml><?xml version="1.0" encoding="utf-8"?>
 <ds:datastoreItem xmlns:ds="http://schemas.openxmlformats.org/officeDocument/2006/customXml" ds:itemID="{07A7C301-87CC-4EB1-AF40-15075522FC58}">
   <ds:schemaRefs>
@@ -8262,6 +8432,16 @@
 </file>
 
 <file path=customXml/itemProps2.xml><?xml version="1.0" encoding="utf-8"?>
+<ds:datastoreItem xmlns:ds="http://schemas.openxmlformats.org/officeDocument/2006/customXml" ds:itemID="{45231547-F69E-41A9-93A9-B70B5E3064F1}">
+  <ds:schemaRefs>
+    <ds:schemaRef ds:uri="http://schemas.microsoft.com/office/2006/metadata/properties"/>
+    <ds:schemaRef ds:uri="http://schemas.microsoft.com/office/infopath/2007/PartnerControls"/>
+    <ds:schemaRef ds:uri="71af3243-3dd4-4a8d-8c0d-dd76da1f02a5"/>
+  </ds:schemaRefs>
+</ds:datastoreItem>
+</file>
+
+<file path=customXml/itemProps3.xml><?xml version="1.0" encoding="utf-8"?>
 <ds:datastoreItem xmlns:ds="http://schemas.openxmlformats.org/officeDocument/2006/customXml" ds:itemID="{6EA402E5-52EF-430B-8CCB-B4AAA8C467AD}">
   <ds:schemaRefs>
     <ds:schemaRef ds:uri="http://schemas.microsoft.com/office/2006/metadata/contentType"/>
@@ -8278,14 +8458,4 @@
     <ds:schemaRef ds:uri="http://schemas.microsoft.com/internal/obd"/>
   </ds:schemaRefs>
 </ds:datastoreItem>
-</file>
-
-<file path=customXml/itemProps3.xml><?xml version="1.0" encoding="utf-8"?>
-<ds:datastoreItem xmlns:ds="http://schemas.openxmlformats.org/officeDocument/2006/customXml" ds:itemID="{45231547-F69E-41A9-93A9-B70B5E3064F1}">
-  <ds:schemaRefs>
-    <ds:schemaRef ds:uri="http://schemas.microsoft.com/office/2006/metadata/properties"/>
-    <ds:schemaRef ds:uri="http://schemas.microsoft.com/office/infopath/2007/PartnerControls"/>
-    <ds:schemaRef ds:uri="71af3243-3dd4-4a8d-8c0d-dd76da1f02a5"/>
-  </ds:schemaRefs>
-</ds:datastoreItem>
 </file>
--- a/Deeper dive and analysis of Starbucks locations.pptx
+++ b/Deeper dive and analysis of Starbucks locations.pptx
@@ -5,10 +5,10 @@
     <p:sldMasterId id="2147483852" r:id="rId4"/>
   </p:sldMasterIdLst>
   <p:notesMasterIdLst>
-    <p:notesMasterId r:id="rId16"/>
+    <p:notesMasterId r:id="rId17"/>
   </p:notesMasterIdLst>
   <p:handoutMasterIdLst>
-    <p:handoutMasterId r:id="rId17"/>
+    <p:handoutMasterId r:id="rId18"/>
   </p:handoutMasterIdLst>
   <p:sldIdLst>
     <p:sldId id="256" r:id="rId5"/>
@@ -16,12 +16,13 @@
     <p:sldId id="263" r:id="rId7"/>
     <p:sldId id="268" r:id="rId8"/>
     <p:sldId id="258" r:id="rId9"/>
-    <p:sldId id="264" r:id="rId10"/>
-    <p:sldId id="265" r:id="rId11"/>
-    <p:sldId id="266" r:id="rId12"/>
-    <p:sldId id="267" r:id="rId13"/>
-    <p:sldId id="259" r:id="rId14"/>
-    <p:sldId id="260" r:id="rId15"/>
+    <p:sldId id="269" r:id="rId10"/>
+    <p:sldId id="264" r:id="rId11"/>
+    <p:sldId id="265" r:id="rId12"/>
+    <p:sldId id="266" r:id="rId13"/>
+    <p:sldId id="267" r:id="rId14"/>
+    <p:sldId id="259" r:id="rId15"/>
+    <p:sldId id="260" r:id="rId16"/>
   </p:sldIdLst>
   <p:sldSz cx="12192000" cy="6858000"/>
   <p:notesSz cx="6858000" cy="9144000"/>
@@ -133,947 +134,22 @@
 
 <file path=ppt/commentAuthors.xml><?xml version="1.0" encoding="utf-8"?>
 <p:cmAuthorLst xmlns:a="http://schemas.openxmlformats.org/drawingml/2006/main" xmlns:r="http://schemas.openxmlformats.org/officeDocument/2006/relationships" xmlns:p="http://schemas.openxmlformats.org/presentationml/2006/main">
-  <p:cmAuthor id="2" name="Author" initials="A" lastIdx="0" clrIdx="1"/>
+  <p:cmAuthor id="2" name="Author" initials="A" lastIdx="1" clrIdx="1"/>
 </p:cmAuthorLst>
 </file>
 
-<file path=ppt/charts/chart1.xml><?xml version="1.0" encoding="utf-8"?>
-<c:chartSpace xmlns:c="http://schemas.openxmlformats.org/drawingml/2006/chart" xmlns:a="http://schemas.openxmlformats.org/drawingml/2006/main" xmlns:r="http://schemas.openxmlformats.org/officeDocument/2006/relationships" xmlns:c16r2="http://schemas.microsoft.com/office/drawing/2015/06/chart">
-  <c:date1904 val="0"/>
-  <c:lang val="en-US"/>
-  <c:roundedCorners val="0"/>
-  <mc:AlternateContent xmlns:mc="http://schemas.openxmlformats.org/markup-compatibility/2006">
-    <mc:Choice xmlns:c14="http://schemas.microsoft.com/office/drawing/2007/8/2/chart" Requires="c14">
-      <c14:style val="101"/>
-    </mc:Choice>
-    <mc:Fallback>
-      <c:style val="1"/>
-    </mc:Fallback>
-  </mc:AlternateContent>
-  <c:chart>
-    <c:title>
-      <c:overlay val="0"/>
-      <c:spPr>
-        <a:noFill/>
-        <a:ln>
-          <a:noFill/>
-        </a:ln>
-        <a:effectLst/>
-      </c:spPr>
-      <c:txPr>
-        <a:bodyPr rot="0" spcFirstLastPara="1" vertOverflow="ellipsis" vert="horz" wrap="square" anchor="ctr" anchorCtr="1"/>
-        <a:lstStyle/>
-        <a:p>
-          <a:pPr>
-            <a:defRPr sz="1862" b="0" i="0" u="none" strike="noStrike" kern="1200" spc="0" baseline="0">
-              <a:solidFill>
-                <a:schemeClr val="tx1">
-                  <a:lumMod val="65000"/>
-                  <a:lumOff val="35000"/>
-                </a:schemeClr>
-              </a:solidFill>
-              <a:latin typeface="+mn-lt"/>
-              <a:ea typeface="+mn-ea"/>
-              <a:cs typeface="+mn-cs"/>
-            </a:defRPr>
-          </a:pPr>
-          <a:endParaRPr lang="en-US"/>
-        </a:p>
-      </c:txPr>
-    </c:title>
-    <c:autoTitleDeleted val="0"/>
-    <c:plotArea>
-      <c:layout/>
-      <c:bubbleChart>
-        <c:varyColors val="0"/>
-        <c:ser>
-          <c:idx val="0"/>
-          <c:order val="0"/>
-          <c:tx>
-            <c:strRef>
-              <c:f>Sheet1!$B$1</c:f>
-              <c:strCache>
-                <c:ptCount val="1"/>
-                <c:pt idx="0">
-                  <c:v>Coffee Sales</c:v>
-                </c:pt>
-              </c:strCache>
-            </c:strRef>
-          </c:tx>
-          <c:spPr>
-            <a:solidFill>
-              <a:schemeClr val="accent2"/>
-            </a:solidFill>
-            <a:ln>
-              <a:noFill/>
-            </a:ln>
-            <a:effectLst/>
-          </c:spPr>
-          <c:invertIfNegative val="0"/>
-          <c:dPt>
-            <c:idx val="1"/>
-            <c:invertIfNegative val="0"/>
-            <c:bubble3D val="0"/>
-            <c:spPr>
-              <a:solidFill>
-                <a:schemeClr val="accent1"/>
-              </a:solidFill>
-              <a:ln>
-                <a:noFill/>
-              </a:ln>
-              <a:effectLst/>
-            </c:spPr>
-            <c:extLst>
-              <c:ext xmlns:c16="http://schemas.microsoft.com/office/drawing/2014/chart" uri="{C3380CC4-5D6E-409C-BE32-E72D297353CC}">
-                <c16:uniqueId val="{00000008-F8D5-4AAF-A10D-5CB8E6BE75A7}"/>
-              </c:ext>
-            </c:extLst>
-          </c:dPt>
-          <c:dPt>
-            <c:idx val="2"/>
-            <c:invertIfNegative val="0"/>
-            <c:bubble3D val="0"/>
-            <c:spPr>
-              <a:solidFill>
-                <a:schemeClr val="accent3"/>
-              </a:solidFill>
-              <a:ln>
-                <a:noFill/>
-              </a:ln>
-              <a:effectLst/>
-            </c:spPr>
-            <c:extLst>
-              <c:ext xmlns:c16="http://schemas.microsoft.com/office/drawing/2014/chart" uri="{C3380CC4-5D6E-409C-BE32-E72D297353CC}">
-                <c16:uniqueId val="{00000009-F8D5-4AAF-A10D-5CB8E6BE75A7}"/>
-              </c:ext>
-            </c:extLst>
-          </c:dPt>
-          <c:xVal>
-            <c:strRef>
-              <c:f>Sheet1!$A$2:$A$4</c:f>
-              <c:strCache>
-                <c:ptCount val="3"/>
-                <c:pt idx="0">
-                  <c:v>Iced</c:v>
-                </c:pt>
-                <c:pt idx="1">
-                  <c:v>Espresso</c:v>
-                </c:pt>
-                <c:pt idx="2">
-                  <c:v>Drip</c:v>
-                </c:pt>
-              </c:strCache>
-            </c:strRef>
-          </c:xVal>
-          <c:yVal>
-            <c:numRef>
-              <c:f>Sheet1!$B$2:$B$4</c:f>
-              <c:numCache>
-                <c:formatCode>General</c:formatCode>
-                <c:ptCount val="3"/>
-                <c:pt idx="0">
-                  <c:v>2.7</c:v>
-                </c:pt>
-                <c:pt idx="1">
-                  <c:v>3.2</c:v>
-                </c:pt>
-                <c:pt idx="2">
-                  <c:v>0.8</c:v>
-                </c:pt>
-              </c:numCache>
-            </c:numRef>
-          </c:yVal>
-          <c:bubbleSize>
-            <c:numRef>
-              <c:f>Sheet1!$C$2:$C$4</c:f>
-              <c:numCache>
-                <c:formatCode>General</c:formatCode>
-                <c:ptCount val="3"/>
-                <c:pt idx="0">
-                  <c:v>10</c:v>
-                </c:pt>
-                <c:pt idx="1">
-                  <c:v>4</c:v>
-                </c:pt>
-                <c:pt idx="2">
-                  <c:v>8</c:v>
-                </c:pt>
-              </c:numCache>
-            </c:numRef>
-          </c:bubbleSize>
-          <c:bubble3D val="0"/>
-          <c:extLst>
-            <c:ext xmlns:c16="http://schemas.microsoft.com/office/drawing/2014/chart" uri="{C3380CC4-5D6E-409C-BE32-E72D297353CC}">
-              <c16:uniqueId val="{00000000-CCDC-4722-9E76-0353043A646D}"/>
-            </c:ext>
-          </c:extLst>
-        </c:ser>
-        <c:dLbls>
-          <c:showLegendKey val="0"/>
-          <c:showVal val="0"/>
-          <c:showCatName val="0"/>
-          <c:showSerName val="0"/>
-          <c:showPercent val="0"/>
-          <c:showBubbleSize val="0"/>
-        </c:dLbls>
-        <c:bubbleScale val="100"/>
-        <c:showNegBubbles val="0"/>
-        <c:axId val="479632056"/>
-        <c:axId val="479627464"/>
-      </c:bubbleChart>
-      <c:valAx>
-        <c:axId val="479632056"/>
-        <c:scaling>
-          <c:orientation val="minMax"/>
-        </c:scaling>
-        <c:delete val="0"/>
-        <c:axPos val="b"/>
-        <c:majorGridlines>
-          <c:spPr>
-            <a:ln w="9525" cap="flat" cmpd="sng" algn="ctr">
-              <a:solidFill>
-                <a:schemeClr val="tx1">
-                  <a:lumMod val="15000"/>
-                  <a:lumOff val="85000"/>
-                </a:schemeClr>
-              </a:solidFill>
-              <a:round/>
-            </a:ln>
-            <a:effectLst/>
-          </c:spPr>
-        </c:majorGridlines>
-        <c:numFmt formatCode="General" sourceLinked="1"/>
-        <c:majorTickMark val="none"/>
-        <c:minorTickMark val="none"/>
-        <c:tickLblPos val="nextTo"/>
-        <c:spPr>
-          <a:noFill/>
-          <a:ln w="9525" cap="flat" cmpd="sng" algn="ctr">
-            <a:solidFill>
-              <a:schemeClr val="tx1">
-                <a:lumMod val="25000"/>
-                <a:lumOff val="75000"/>
-              </a:schemeClr>
-            </a:solidFill>
-            <a:round/>
-          </a:ln>
-          <a:effectLst/>
-        </c:spPr>
-        <c:txPr>
-          <a:bodyPr rot="-60000000" spcFirstLastPara="1" vertOverflow="ellipsis" vert="horz" wrap="square" anchor="ctr" anchorCtr="1"/>
-          <a:lstStyle/>
-          <a:p>
-            <a:pPr>
-              <a:defRPr sz="1197" b="0" i="0" u="none" strike="noStrike" kern="1200" baseline="0">
-                <a:solidFill>
-                  <a:schemeClr val="tx1">
-                    <a:lumMod val="65000"/>
-                    <a:lumOff val="35000"/>
-                  </a:schemeClr>
-                </a:solidFill>
-                <a:latin typeface="+mn-lt"/>
-                <a:ea typeface="+mn-ea"/>
-                <a:cs typeface="+mn-cs"/>
-              </a:defRPr>
-            </a:pPr>
-            <a:endParaRPr lang="en-US"/>
-          </a:p>
-        </c:txPr>
-        <c:crossAx val="479627464"/>
-        <c:crosses val="autoZero"/>
-        <c:crossBetween val="midCat"/>
-      </c:valAx>
-      <c:valAx>
-        <c:axId val="479627464"/>
-        <c:scaling>
-          <c:orientation val="minMax"/>
-        </c:scaling>
-        <c:delete val="0"/>
-        <c:axPos val="l"/>
-        <c:majorGridlines>
-          <c:spPr>
-            <a:ln w="9525" cap="flat" cmpd="sng" algn="ctr">
-              <a:solidFill>
-                <a:schemeClr val="tx1">
-                  <a:lumMod val="15000"/>
-                  <a:lumOff val="85000"/>
-                </a:schemeClr>
-              </a:solidFill>
-              <a:round/>
-            </a:ln>
-            <a:effectLst/>
-          </c:spPr>
-        </c:majorGridlines>
-        <c:numFmt formatCode="General" sourceLinked="1"/>
-        <c:majorTickMark val="none"/>
-        <c:minorTickMark val="none"/>
-        <c:tickLblPos val="nextTo"/>
-        <c:spPr>
-          <a:noFill/>
-          <a:ln w="9525" cap="flat" cmpd="sng" algn="ctr">
-            <a:solidFill>
-              <a:schemeClr val="tx1">
-                <a:lumMod val="25000"/>
-                <a:lumOff val="75000"/>
-              </a:schemeClr>
-            </a:solidFill>
-            <a:round/>
-          </a:ln>
-          <a:effectLst/>
-        </c:spPr>
-        <c:txPr>
-          <a:bodyPr rot="-60000000" spcFirstLastPara="1" vertOverflow="ellipsis" vert="horz" wrap="square" anchor="ctr" anchorCtr="1"/>
-          <a:lstStyle/>
-          <a:p>
-            <a:pPr>
-              <a:defRPr sz="1197" b="0" i="0" u="none" strike="noStrike" kern="1200" baseline="0">
-                <a:solidFill>
-                  <a:schemeClr val="tx1">
-                    <a:lumMod val="65000"/>
-                    <a:lumOff val="35000"/>
-                  </a:schemeClr>
-                </a:solidFill>
-                <a:latin typeface="+mn-lt"/>
-                <a:ea typeface="+mn-ea"/>
-                <a:cs typeface="+mn-cs"/>
-              </a:defRPr>
-            </a:pPr>
-            <a:endParaRPr lang="en-US"/>
-          </a:p>
-        </c:txPr>
-        <c:crossAx val="479632056"/>
-        <c:crosses val="autoZero"/>
-        <c:crossBetween val="midCat"/>
-      </c:valAx>
-      <c:spPr>
-        <a:noFill/>
-        <a:ln>
-          <a:noFill/>
-        </a:ln>
-        <a:effectLst/>
-      </c:spPr>
-    </c:plotArea>
-    <c:legend>
-      <c:legendPos val="b"/>
-      <c:overlay val="0"/>
-      <c:spPr>
-        <a:noFill/>
-        <a:ln>
-          <a:noFill/>
-        </a:ln>
-        <a:effectLst/>
-      </c:spPr>
-      <c:txPr>
-        <a:bodyPr rot="0" spcFirstLastPara="1" vertOverflow="ellipsis" vert="horz" wrap="square" anchor="ctr" anchorCtr="1"/>
-        <a:lstStyle/>
-        <a:p>
-          <a:pPr>
-            <a:defRPr sz="1197" b="0" i="0" u="none" strike="noStrike" kern="1200" baseline="0">
-              <a:solidFill>
-                <a:schemeClr val="tx1">
-                  <a:lumMod val="65000"/>
-                  <a:lumOff val="35000"/>
-                </a:schemeClr>
-              </a:solidFill>
-              <a:latin typeface="+mn-lt"/>
-              <a:ea typeface="+mn-ea"/>
-              <a:cs typeface="+mn-cs"/>
-            </a:defRPr>
-          </a:pPr>
-          <a:endParaRPr lang="en-US"/>
-        </a:p>
-      </c:txPr>
-    </c:legend>
-    <c:plotVisOnly val="1"/>
-    <c:dispBlanksAs val="gap"/>
-    <c:extLst>
-      <c:ext xmlns:c16r3="http://schemas.microsoft.com/office/drawing/2017/03/chart" uri="{56B9EC1D-385E-4148-901F-78D8002777C0}">
-        <c16r3:dataDisplayOptions16>
-          <c16r3:dispNaAsBlank val="1"/>
-        </c16r3:dataDisplayOptions16>
-      </c:ext>
-    </c:extLst>
-    <c:showDLblsOverMax val="0"/>
-  </c:chart>
-  <c:spPr>
-    <a:noFill/>
-    <a:ln>
-      <a:noFill/>
-    </a:ln>
-    <a:effectLst/>
-  </c:spPr>
-  <c:txPr>
-    <a:bodyPr/>
-    <a:lstStyle/>
-    <a:p>
-      <a:pPr>
-        <a:defRPr/>
-      </a:pPr>
-      <a:endParaRPr lang="en-US"/>
-    </a:p>
-  </c:txPr>
-  <c:externalData r:id="rId3">
-    <c:autoUpdate val="0"/>
-  </c:externalData>
-</c:chartSpace>
-</file>
-
-<file path=ppt/charts/colors1.xml><?xml version="1.0" encoding="utf-8"?>
-<cs:colorStyle xmlns:cs="http://schemas.microsoft.com/office/drawing/2012/chartStyle" xmlns:a="http://schemas.openxmlformats.org/drawingml/2006/main" meth="acrossLinear" id="1">
-  <a:schemeClr val="dk1">
-    <a:tint val="88000"/>
-  </a:schemeClr>
-  <a:schemeClr val="dk1">
-    <a:tint val="55000"/>
-  </a:schemeClr>
-  <a:schemeClr val="dk1">
-    <a:tint val="78000"/>
-  </a:schemeClr>
-  <a:schemeClr val="dk1">
-    <a:tint val="92000"/>
-  </a:schemeClr>
-  <a:schemeClr val="dk1">
-    <a:tint val="70000"/>
-  </a:schemeClr>
-  <a:schemeClr val="dk1">
-    <a:tint val="30000"/>
-  </a:schemeClr>
-</cs:colorStyle>
-</file>
-
-<file path=ppt/charts/style1.xml><?xml version="1.0" encoding="utf-8"?>
-<cs:chartStyle xmlns:cs="http://schemas.microsoft.com/office/drawing/2012/chartStyle" xmlns:a="http://schemas.openxmlformats.org/drawingml/2006/main" id="269">
-  <cs:axisTitle>
-    <cs:lnRef idx="0"/>
-    <cs:fillRef idx="0"/>
-    <cs:effectRef idx="0"/>
-    <cs:fontRef idx="minor">
-      <a:schemeClr val="tx1">
-        <a:lumMod val="65000"/>
-        <a:lumOff val="35000"/>
-      </a:schemeClr>
-    </cs:fontRef>
-    <cs:defRPr sz="1330" kern="1200"/>
-  </cs:axisTitle>
-  <cs:categoryAxis>
-    <cs:lnRef idx="0"/>
-    <cs:fillRef idx="0"/>
-    <cs:effectRef idx="0"/>
-    <cs:fontRef idx="minor">
-      <a:schemeClr val="tx1">
-        <a:lumMod val="65000"/>
-        <a:lumOff val="35000"/>
-      </a:schemeClr>
-    </cs:fontRef>
-    <cs:spPr>
-      <a:ln w="9525" cap="flat" cmpd="sng" algn="ctr">
-        <a:solidFill>
-          <a:schemeClr val="tx1">
-            <a:lumMod val="25000"/>
-            <a:lumOff val="75000"/>
-          </a:schemeClr>
-        </a:solidFill>
-        <a:round/>
-      </a:ln>
-    </cs:spPr>
-    <cs:defRPr sz="1197" kern="1200"/>
-  </cs:categoryAxis>
-  <cs:chartArea mods="allowNoFillOverride allowNoLineOverride">
-    <cs:lnRef idx="0"/>
-    <cs:fillRef idx="0"/>
-    <cs:effectRef idx="0"/>
-    <cs:fontRef idx="minor">
-      <a:schemeClr val="tx1"/>
-    </cs:fontRef>
-    <cs:spPr>
-      <a:solidFill>
-        <a:schemeClr val="bg1"/>
-      </a:solidFill>
-      <a:ln w="9525" cap="flat" cmpd="sng" algn="ctr">
-        <a:solidFill>
-          <a:schemeClr val="tx1">
-            <a:lumMod val="15000"/>
-            <a:lumOff val="85000"/>
-          </a:schemeClr>
-        </a:solidFill>
-        <a:round/>
-      </a:ln>
-    </cs:spPr>
-    <cs:defRPr sz="1330" kern="1200"/>
-  </cs:chartArea>
-  <cs:dataLabel>
-    <cs:lnRef idx="0"/>
-    <cs:fillRef idx="0"/>
-    <cs:effectRef idx="0"/>
-    <cs:fontRef idx="minor">
-      <a:schemeClr val="tx1">
-        <a:lumMod val="75000"/>
-        <a:lumOff val="25000"/>
-      </a:schemeClr>
-    </cs:fontRef>
-    <cs:defRPr sz="1197" kern="1200"/>
-  </cs:dataLabel>
-  <cs:dataLabelCallout>
-    <cs:lnRef idx="0"/>
-    <cs:fillRef idx="0"/>
-    <cs:effectRef idx="0"/>
-    <cs:fontRef idx="minor">
-      <a:schemeClr val="dk1">
-        <a:lumMod val="65000"/>
-        <a:lumOff val="35000"/>
-      </a:schemeClr>
-    </cs:fontRef>
-    <cs:spPr>
-      <a:solidFill>
-        <a:schemeClr val="lt1"/>
-      </a:solidFill>
-      <a:ln>
-        <a:solidFill>
-          <a:schemeClr val="dk1">
-            <a:lumMod val="25000"/>
-            <a:lumOff val="75000"/>
-          </a:schemeClr>
-        </a:solidFill>
-      </a:ln>
-    </cs:spPr>
-    <cs:defRPr sz="1197" kern="1200"/>
-    <cs:bodyPr rot="0" spcFirstLastPara="1" vertOverflow="clip" horzOverflow="clip" vert="horz" wrap="square" lIns="36576" tIns="18288" rIns="36576" bIns="18288" anchor="ctr" anchorCtr="1">
-      <a:spAutoFit/>
-    </cs:bodyPr>
-  </cs:dataLabelCallout>
-  <cs:dataPoint>
-    <cs:lnRef idx="0"/>
-    <cs:fillRef idx="1">
-      <cs:styleClr val="auto"/>
-    </cs:fillRef>
-    <cs:effectRef idx="0"/>
-    <cs:fontRef idx="minor">
-      <a:schemeClr val="tx1"/>
-    </cs:fontRef>
-    <cs:spPr>
-      <a:solidFill>
-        <a:schemeClr val="phClr">
-          <a:alpha val="75000"/>
-        </a:schemeClr>
-      </a:solidFill>
-    </cs:spPr>
-  </cs:dataPoint>
-  <cs:dataPoint3D>
-    <cs:lnRef idx="0"/>
-    <cs:fillRef idx="1">
-      <cs:styleClr val="auto"/>
-    </cs:fillRef>
-    <cs:effectRef idx="0"/>
-    <cs:fontRef idx="minor">
-      <a:schemeClr val="tx1"/>
-    </cs:fontRef>
-    <cs:spPr>
-      <a:solidFill>
-        <a:schemeClr val="phClr">
-          <a:alpha val="75000"/>
-        </a:schemeClr>
-      </a:solidFill>
-    </cs:spPr>
-  </cs:dataPoint3D>
-  <cs:dataPointLine>
-    <cs:lnRef idx="0">
-      <cs:styleClr val="auto"/>
-    </cs:lnRef>
-    <cs:fillRef idx="1"/>
-    <cs:effectRef idx="0"/>
-    <cs:fontRef idx="minor">
-      <a:schemeClr val="tx1"/>
-    </cs:fontRef>
-    <cs:spPr>
-      <a:ln w="19050" cap="rnd">
-        <a:solidFill>
-          <a:schemeClr val="phClr">
-            <a:alpha val="50000"/>
-          </a:schemeClr>
-        </a:solidFill>
-        <a:round/>
-      </a:ln>
-    </cs:spPr>
-  </cs:dataPointLine>
-  <cs:dataPointMarker>
-    <cs:lnRef idx="0">
-      <cs:styleClr val="auto"/>
-    </cs:lnRef>
-    <cs:fillRef idx="1">
-      <cs:styleClr val="auto"/>
-    </cs:fillRef>
-    <cs:effectRef idx="0"/>
-    <cs:fontRef idx="minor">
-      <a:schemeClr val="tx1"/>
-    </cs:fontRef>
-    <cs:spPr>
-      <a:solidFill>
-        <a:schemeClr val="phClr"/>
-      </a:solidFill>
-      <a:ln w="9525">
-        <a:solidFill>
-          <a:schemeClr val="phClr"/>
-        </a:solidFill>
-      </a:ln>
-    </cs:spPr>
-  </cs:dataPointMarker>
-  <cs:dataPointMarkerLayout symbol="circle" size="5"/>
-  <cs:dataPointWireframe>
-    <cs:lnRef idx="0">
-      <cs:styleClr val="auto"/>
-    </cs:lnRef>
-    <cs:fillRef idx="0"/>
-    <cs:effectRef idx="0"/>
-    <cs:fontRef idx="minor">
-      <a:schemeClr val="dk1"/>
-    </cs:fontRef>
-    <cs:spPr>
-      <a:ln w="9525" cap="rnd">
-        <a:solidFill>
-          <a:schemeClr val="phClr"/>
-        </a:solidFill>
-        <a:round/>
-      </a:ln>
-    </cs:spPr>
-  </cs:dataPointWireframe>
-  <cs:dataTable>
-    <cs:lnRef idx="0"/>
-    <cs:fillRef idx="0"/>
-    <cs:effectRef idx="0"/>
-    <cs:fontRef idx="minor">
-      <a:schemeClr val="tx1">
-        <a:lumMod val="65000"/>
-        <a:lumOff val="35000"/>
-      </a:schemeClr>
-    </cs:fontRef>
-    <cs:spPr>
-      <a:noFill/>
-      <a:ln w="9525" cap="flat" cmpd="sng" algn="ctr">
-        <a:solidFill>
-          <a:schemeClr val="tx1">
-            <a:lumMod val="15000"/>
-            <a:lumOff val="85000"/>
-          </a:schemeClr>
-        </a:solidFill>
-        <a:round/>
-      </a:ln>
-    </cs:spPr>
-    <cs:defRPr sz="1197" kern="1200"/>
-  </cs:dataTable>
-  <cs:downBar>
-    <cs:lnRef idx="0"/>
-    <cs:fillRef idx="0"/>
-    <cs:effectRef idx="0"/>
-    <cs:fontRef idx="minor">
-      <a:schemeClr val="tx1"/>
-    </cs:fontRef>
-    <cs:spPr>
-      <a:solidFill>
-        <a:schemeClr val="dk1">
-          <a:lumMod val="75000"/>
-          <a:lumOff val="25000"/>
-        </a:schemeClr>
-      </a:solidFill>
-      <a:ln w="9525" cap="flat" cmpd="sng" algn="ctr">
-        <a:solidFill>
-          <a:schemeClr val="tx1">
-            <a:lumMod val="65000"/>
-            <a:lumOff val="35000"/>
-          </a:schemeClr>
-        </a:solidFill>
-        <a:round/>
-      </a:ln>
-    </cs:spPr>
-  </cs:downBar>
-  <cs:dropLine>
-    <cs:lnRef idx="0"/>
-    <cs:fillRef idx="0"/>
-    <cs:effectRef idx="0"/>
-    <cs:fontRef idx="minor">
-      <a:schemeClr val="tx1"/>
-    </cs:fontRef>
-    <cs:spPr>
-      <a:ln w="9525" cap="flat" cmpd="sng" algn="ctr">
-        <a:solidFill>
-          <a:schemeClr val="tx1">
-            <a:lumMod val="35000"/>
-            <a:lumOff val="65000"/>
-          </a:schemeClr>
-        </a:solidFill>
-        <a:round/>
-      </a:ln>
-    </cs:spPr>
-  </cs:dropLine>
-  <cs:errorBar>
-    <cs:lnRef idx="0"/>
-    <cs:fillRef idx="0"/>
-    <cs:effectRef idx="0"/>
-    <cs:fontRef idx="minor">
-      <a:schemeClr val="tx1"/>
-    </cs:fontRef>
-    <cs:spPr>
-      <a:ln w="9525" cap="flat" cmpd="sng" algn="ctr">
-        <a:solidFill>
-          <a:schemeClr val="tx1">
-            <a:lumMod val="65000"/>
-            <a:lumOff val="35000"/>
-          </a:schemeClr>
-        </a:solidFill>
-        <a:round/>
-      </a:ln>
-    </cs:spPr>
-  </cs:errorBar>
-  <cs:floor>
-    <cs:lnRef idx="0"/>
-    <cs:fillRef idx="0"/>
-    <cs:effectRef idx="0"/>
-    <cs:fontRef idx="minor">
-      <a:schemeClr val="tx1"/>
-    </cs:fontRef>
-    <cs:spPr>
-      <a:noFill/>
-      <a:ln>
-        <a:noFill/>
-      </a:ln>
-    </cs:spPr>
-  </cs:floor>
-  <cs:gridlineMajor>
-    <cs:lnRef idx="0"/>
-    <cs:fillRef idx="0"/>
-    <cs:effectRef idx="0"/>
-    <cs:fontRef idx="minor">
-      <a:schemeClr val="tx1"/>
-    </cs:fontRef>
-    <cs:spPr>
-      <a:ln w="9525" cap="flat" cmpd="sng" algn="ctr">
-        <a:solidFill>
-          <a:schemeClr val="tx1">
-            <a:lumMod val="15000"/>
-            <a:lumOff val="85000"/>
-          </a:schemeClr>
-        </a:solidFill>
-        <a:round/>
-      </a:ln>
-    </cs:spPr>
-  </cs:gridlineMajor>
-  <cs:gridlineMinor>
-    <cs:lnRef idx="0"/>
-    <cs:fillRef idx="0"/>
-    <cs:effectRef idx="0"/>
-    <cs:fontRef idx="minor">
-      <a:schemeClr val="tx1"/>
-    </cs:fontRef>
-    <cs:spPr>
-      <a:ln w="9525" cap="flat" cmpd="sng" algn="ctr">
-        <a:solidFill>
-          <a:schemeClr val="tx1">
-            <a:lumMod val="5000"/>
-            <a:lumOff val="95000"/>
-          </a:schemeClr>
-        </a:solidFill>
-        <a:round/>
-      </a:ln>
-    </cs:spPr>
-  </cs:gridlineMinor>
-  <cs:hiLoLine>
-    <cs:lnRef idx="0"/>
-    <cs:fillRef idx="0"/>
-    <cs:effectRef idx="0"/>
-    <cs:fontRef idx="minor">
-      <a:schemeClr val="tx1"/>
-    </cs:fontRef>
-    <cs:spPr>
-      <a:ln w="9525" cap="flat" cmpd="sng" algn="ctr">
-        <a:solidFill>
-          <a:schemeClr val="tx1">
-            <a:lumMod val="50000"/>
-            <a:lumOff val="50000"/>
-          </a:schemeClr>
-        </a:solidFill>
-        <a:round/>
-      </a:ln>
-    </cs:spPr>
-  </cs:hiLoLine>
-  <cs:leaderLine>
-    <cs:lnRef idx="0"/>
-    <cs:fillRef idx="0"/>
-    <cs:effectRef idx="0"/>
-    <cs:fontRef idx="minor">
-      <a:schemeClr val="tx1"/>
-    </cs:fontRef>
-    <cs:spPr>
-      <a:ln w="9525" cap="flat" cmpd="sng" algn="ctr">
-        <a:solidFill>
-          <a:schemeClr val="tx1">
-            <a:lumMod val="35000"/>
-            <a:lumOff val="65000"/>
-          </a:schemeClr>
-        </a:solidFill>
-        <a:round/>
-      </a:ln>
-    </cs:spPr>
-  </cs:leaderLine>
-  <cs:legend>
-    <cs:lnRef idx="0"/>
-    <cs:fillRef idx="0"/>
-    <cs:effectRef idx="0"/>
-    <cs:fontRef idx="minor">
-      <a:schemeClr val="tx1">
-        <a:lumMod val="65000"/>
-        <a:lumOff val="35000"/>
-      </a:schemeClr>
-    </cs:fontRef>
-    <cs:defRPr sz="1197" kern="1200"/>
-  </cs:legend>
-  <cs:plotArea mods="allowNoFillOverride allowNoLineOverride">
-    <cs:lnRef idx="0"/>
-    <cs:fillRef idx="0"/>
-    <cs:effectRef idx="0"/>
-    <cs:fontRef idx="minor">
-      <a:schemeClr val="tx1"/>
-    </cs:fontRef>
-  </cs:plotArea>
-  <cs:plotArea3D mods="allowNoFillOverride allowNoLineOverride">
-    <cs:lnRef idx="0"/>
-    <cs:fillRef idx="0"/>
-    <cs:effectRef idx="0"/>
-    <cs:fontRef idx="minor">
-      <a:schemeClr val="tx1"/>
-    </cs:fontRef>
-  </cs:plotArea3D>
-  <cs:seriesAxis>
-    <cs:lnRef idx="0"/>
-    <cs:fillRef idx="0"/>
-    <cs:effectRef idx="0"/>
-    <cs:fontRef idx="minor">
-      <a:schemeClr val="tx1">
-        <a:lumMod val="65000"/>
-        <a:lumOff val="35000"/>
-      </a:schemeClr>
-    </cs:fontRef>
-    <cs:defRPr sz="1197" kern="1200"/>
-  </cs:seriesAxis>
-  <cs:seriesLine>
-    <cs:lnRef idx="0"/>
-    <cs:fillRef idx="0"/>
-    <cs:effectRef idx="0"/>
-    <cs:fontRef idx="minor">
-      <a:schemeClr val="tx1"/>
-    </cs:fontRef>
-    <cs:spPr>
-      <a:ln w="9525" cap="flat" cmpd="sng" algn="ctr">
-        <a:solidFill>
-          <a:schemeClr val="tx1">
-            <a:lumMod val="35000"/>
-            <a:lumOff val="65000"/>
-          </a:schemeClr>
-        </a:solidFill>
-        <a:round/>
-      </a:ln>
-    </cs:spPr>
-  </cs:seriesLine>
-  <cs:title>
-    <cs:lnRef idx="0"/>
-    <cs:fillRef idx="0"/>
-    <cs:effectRef idx="0"/>
-    <cs:fontRef idx="minor">
-      <a:schemeClr val="tx1">
-        <a:lumMod val="65000"/>
-        <a:lumOff val="35000"/>
-      </a:schemeClr>
-    </cs:fontRef>
-    <cs:defRPr sz="1862" b="0" kern="1200" spc="0" baseline="0"/>
-  </cs:title>
-  <cs:trendline>
-    <cs:lnRef idx="0">
-      <cs:styleClr val="auto"/>
-    </cs:lnRef>
-    <cs:fillRef idx="0"/>
-    <cs:effectRef idx="0"/>
-    <cs:fontRef idx="minor">
-      <a:schemeClr val="tx1"/>
-    </cs:fontRef>
-    <cs:spPr>
-      <a:ln w="19050" cap="rnd">
-        <a:solidFill>
-          <a:schemeClr val="phClr"/>
-        </a:solidFill>
-        <a:prstDash val="sysDot"/>
-      </a:ln>
-    </cs:spPr>
-  </cs:trendline>
-  <cs:trendlineLabel>
-    <cs:lnRef idx="0"/>
-    <cs:fillRef idx="0"/>
-    <cs:effectRef idx="0"/>
-    <cs:fontRef idx="minor">
-      <a:schemeClr val="tx1">
-        <a:lumMod val="65000"/>
-        <a:lumOff val="35000"/>
-      </a:schemeClr>
-    </cs:fontRef>
-    <cs:defRPr sz="1197" kern="1200"/>
-  </cs:trendlineLabel>
-  <cs:upBar>
-    <cs:lnRef idx="0"/>
-    <cs:fillRef idx="0"/>
-    <cs:effectRef idx="0"/>
-    <cs:fontRef idx="minor">
-      <a:schemeClr val="tx1"/>
-    </cs:fontRef>
-    <cs:spPr>
-      <a:solidFill>
-        <a:schemeClr val="lt1"/>
-      </a:solidFill>
-      <a:ln w="9525" cap="flat" cmpd="sng" algn="ctr">
-        <a:solidFill>
-          <a:schemeClr val="tx1">
-            <a:lumMod val="65000"/>
-            <a:lumOff val="35000"/>
-          </a:schemeClr>
-        </a:solidFill>
-        <a:round/>
-      </a:ln>
-    </cs:spPr>
-  </cs:upBar>
-  <cs:valueAxis>
-    <cs:lnRef idx="0"/>
-    <cs:fillRef idx="0"/>
-    <cs:effectRef idx="0"/>
-    <cs:fontRef idx="minor">
-      <a:schemeClr val="tx1">
-        <a:lumMod val="65000"/>
-        <a:lumOff val="35000"/>
-      </a:schemeClr>
-    </cs:fontRef>
-    <cs:spPr>
-      <a:ln w="9525" cap="flat" cmpd="sng" algn="ctr">
-        <a:solidFill>
-          <a:schemeClr val="tx1">
-            <a:lumMod val="25000"/>
-            <a:lumOff val="75000"/>
-          </a:schemeClr>
-        </a:solidFill>
-        <a:round/>
-      </a:ln>
-    </cs:spPr>
-    <cs:defRPr sz="1197" kern="1200"/>
-  </cs:valueAxis>
-  <cs:wall>
-    <cs:lnRef idx="0"/>
-    <cs:fillRef idx="0"/>
-    <cs:effectRef idx="0"/>
-    <cs:fontRef idx="minor">
-      <a:schemeClr val="tx1"/>
-    </cs:fontRef>
-    <cs:spPr>
-      <a:noFill/>
-      <a:ln>
-        <a:noFill/>
-      </a:ln>
-    </cs:spPr>
-  </cs:wall>
-</cs:chartStyle>
+<file path=ppt/comments/comment1.xml><?xml version="1.0" encoding="utf-8"?>
+<p:cmLst xmlns:a="http://schemas.openxmlformats.org/drawingml/2006/main" xmlns:r="http://schemas.openxmlformats.org/officeDocument/2006/relationships" xmlns:p="http://schemas.openxmlformats.org/presentationml/2006/main">
+  <p:cm authorId="2" dt="2020-06-21T21:11:50.196" idx="1">
+    <p:pos x="10" y="10"/>
+    <p:text/>
+    <p:extLst>
+      <p:ext uri="{C676402C-5697-4E1C-873F-D02D1690AC5C}">
+        <p15:threadingInfo xmlns:p15="http://schemas.microsoft.com/office/powerpoint/2012/main" timeZoneBias="300"/>
+      </p:ext>
+    </p:extLst>
+  </p:cm>
+</p:cmLst>
 </file>
 
 <file path=ppt/handoutMasters/handoutMaster1.xml><?xml version="1.0" encoding="utf-8"?>
@@ -1170,7 +246,7 @@
           <a:p>
             <a:fld id="{3E35D1AD-E24C-4E82-BC85-28527A42DCE7}" type="datetimeFigureOut">
               <a:rPr lang="en-US" smtClean="0"/>
-              <a:t>6/20/2020</a:t>
+              <a:t>6/21/2020</a:t>
             </a:fld>
             <a:endParaRPr lang="en-US" dirty="0"/>
           </a:p>
@@ -1347,7 +423,7 @@
           <a:p>
             <a:fld id="{7255EA34-3951-4B6D-8DDD-B157CE00471C}" type="datetimeFigureOut">
               <a:rPr lang="en-US" smtClean="0"/>
-              <a:t>6/20/2020</a:t>
+              <a:t>6/21/2020</a:t>
             </a:fld>
             <a:endParaRPr lang="en-US" dirty="0"/>
           </a:p>
@@ -1931,7 +1007,7 @@
           <a:p>
             <a:fld id="{4AB3E965-974B-498D-B360-83DD1F9DEB55}" type="slidenum">
               <a:rPr lang="en-US" smtClean="0"/>
-              <a:t>10</a:t>
+              <a:t>11</a:t>
             </a:fld>
             <a:endParaRPr lang="en-US" dirty="0"/>
           </a:p>
@@ -2015,7 +1091,7 @@
           <a:p>
             <a:fld id="{4AB3E965-974B-498D-B360-83DD1F9DEB55}" type="slidenum">
               <a:rPr lang="en-US" smtClean="0"/>
-              <a:t>11</a:t>
+              <a:t>12</a:t>
             </a:fld>
             <a:endParaRPr lang="en-US" dirty="0"/>
           </a:p>
@@ -2184,7 +1260,7 @@
           <a:p>
             <a:fld id="{9AB3A824-1A51-4B26-AD58-A6D8E14F6C04}" type="datetimeFigureOut">
               <a:rPr lang="en-US" noProof="0" smtClean="0"/>
-              <a:t>6/20/2020</a:t>
+              <a:t>6/21/2020</a:t>
             </a:fld>
             <a:endParaRPr lang="en-US" noProof="0" dirty="0"/>
           </a:p>
@@ -2431,7 +1507,7 @@
           <a:p>
             <a:fld id="{D857E33E-8B18-4087-B112-809917729534}" type="datetimeFigureOut">
               <a:rPr lang="en-US" smtClean="0"/>
-              <a:t>6/20/2020</a:t>
+              <a:t>6/21/2020</a:t>
             </a:fld>
             <a:endParaRPr lang="en-US" dirty="0"/>
           </a:p>
@@ -2615,7 +1691,7 @@
           <a:p>
             <a:fld id="{D3FFE419-2371-464F-8239-3959401C3561}" type="datetimeFigureOut">
               <a:rPr lang="en-US" smtClean="0"/>
-              <a:t>6/20/2020</a:t>
+              <a:t>6/21/2020</a:t>
             </a:fld>
             <a:endParaRPr lang="en-US" dirty="0"/>
           </a:p>
@@ -2822,7 +1898,7 @@
           <a:p>
             <a:fld id="{97D162C4-EDD9-4389-A98B-B87ECEA2A816}" type="datetimeFigureOut">
               <a:rPr lang="en-US" noProof="0" smtClean="0"/>
-              <a:t>6/20/2020</a:t>
+              <a:t>6/21/2020</a:t>
             </a:fld>
             <a:endParaRPr lang="en-US" noProof="0" dirty="0"/>
           </a:p>
@@ -3082,7 +2158,7 @@
           <a:p>
             <a:fld id="{3E5059C3-6A89-4494-99FF-5A4D6FFD50EB}" type="datetimeFigureOut">
               <a:rPr lang="en-US" noProof="0" smtClean="0"/>
-              <a:t>6/20/2020</a:t>
+              <a:t>6/21/2020</a:t>
             </a:fld>
             <a:endParaRPr lang="en-US" noProof="0" dirty="0"/>
           </a:p>
@@ -3430,7 +2506,7 @@
           <a:p>
             <a:fld id="{CA954B2F-12DE-47F5-8894-472B206D2E1E}" type="datetimeFigureOut">
               <a:rPr lang="en-US" noProof="0" smtClean="0"/>
-              <a:t>6/20/2020</a:t>
+              <a:t>6/21/2020</a:t>
             </a:fld>
             <a:endParaRPr lang="en-US" noProof="0" dirty="0"/>
           </a:p>
@@ -3836,7 +2912,7 @@
           <a:p>
             <a:fld id="{3F30E46F-7819-4ACF-B48B-48222C2ACC88}" type="datetimeFigureOut">
               <a:rPr lang="en-US" smtClean="0"/>
-              <a:t>6/20/2020</a:t>
+              <a:t>6/21/2020</a:t>
             </a:fld>
             <a:endParaRPr lang="en-US" dirty="0"/>
           </a:p>
@@ -3958,7 +3034,7 @@
           <a:p>
             <a:fld id="{1FAF3416-4057-4DAA-829D-4CA07428D088}" type="datetimeFigureOut">
               <a:rPr lang="en-US" smtClean="0"/>
-              <a:t>6/20/2020</a:t>
+              <a:t>6/21/2020</a:t>
             </a:fld>
             <a:endParaRPr lang="en-US" dirty="0"/>
           </a:p>
@@ -4057,7 +3133,7 @@
           <a:p>
             <a:fld id="{921D9284-D300-4297-87F7-E791DCC15DB1}" type="datetimeFigureOut">
               <a:rPr lang="en-US" smtClean="0"/>
-              <a:t>6/20/2020</a:t>
+              <a:t>6/21/2020</a:t>
             </a:fld>
             <a:endParaRPr lang="en-US" dirty="0"/>
           </a:p>
@@ -4351,7 +3427,7 @@
           <a:p>
             <a:fld id="{37D525BB-DA17-4BA0-B3C8-3AC3ABC827E6}" type="datetimeFigureOut">
               <a:rPr lang="en-US" smtClean="0"/>
-              <a:t>6/20/2020</a:t>
+              <a:t>6/21/2020</a:t>
             </a:fld>
             <a:endParaRPr lang="en-US" dirty="0"/>
           </a:p>
@@ -4635,7 +3711,7 @@
           <a:p>
             <a:fld id="{B16C4C9A-3960-41CF-A4E9-2A8FB932454B}" type="datetimeFigureOut">
               <a:rPr lang="en-US" smtClean="0"/>
-              <a:t>6/20/2020</a:t>
+              <a:t>6/21/2020</a:t>
             </a:fld>
             <a:endParaRPr lang="en-US" dirty="0"/>
           </a:p>
@@ -4887,7 +3963,7 @@
           <a:p>
             <a:fld id="{3CBC1C18-307B-4F68-A007-B5B542270E8D}" type="datetimeFigureOut">
               <a:rPr lang="en-US" noProof="0" smtClean="0"/>
-              <a:t>6/20/2020</a:t>
+              <a:t>6/21/2020</a:t>
             </a:fld>
             <a:endParaRPr lang="en-US" noProof="0" dirty="0"/>
           </a:p>
@@ -5671,6 +4747,89 @@
 <file path=ppt/slides/slide10.xml><?xml version="1.0" encoding="utf-8"?>
 <p:sld xmlns:a="http://schemas.openxmlformats.org/drawingml/2006/main" xmlns:r="http://schemas.openxmlformats.org/officeDocument/2006/relationships" xmlns:p="http://schemas.openxmlformats.org/presentationml/2006/main">
   <p:cSld>
+    <p:spTree>
+      <p:nvGrpSpPr>
+        <p:cNvPr id="1" name=""/>
+        <p:cNvGrpSpPr/>
+        <p:nvPr/>
+      </p:nvGrpSpPr>
+      <p:grpSpPr>
+        <a:xfrm>
+          <a:off x="0" y="0"/>
+          <a:ext cx="0" cy="0"/>
+          <a:chOff x="0" y="0"/>
+          <a:chExt cx="0" cy="0"/>
+        </a:xfrm>
+      </p:grpSpPr>
+      <p:sp>
+        <p:nvSpPr>
+          <p:cNvPr id="2" name="Title 1">
+            <a:extLst>
+              <a:ext uri="{FF2B5EF4-FFF2-40B4-BE49-F238E27FC236}">
+                <a16:creationId xmlns:a16="http://schemas.microsoft.com/office/drawing/2014/main" id="{E58C9774-41DF-42DC-82F0-5987EF0208E5}"/>
+              </a:ext>
+            </a:extLst>
+          </p:cNvPr>
+          <p:cNvSpPr>
+            <a:spLocks noGrp="1"/>
+          </p:cNvSpPr>
+          <p:nvPr>
+            <p:ph type="title"/>
+          </p:nvPr>
+        </p:nvSpPr>
+        <p:spPr/>
+        <p:txBody>
+          <a:bodyPr/>
+          <a:lstStyle/>
+          <a:p>
+            <a:r>
+              <a:rPr lang="en-US" dirty="0"/>
+              <a:t>Heat map</a:t>
+            </a:r>
+          </a:p>
+        </p:txBody>
+      </p:sp>
+      <p:sp>
+        <p:nvSpPr>
+          <p:cNvPr id="3" name="Content Placeholder 2">
+            <a:extLst>
+              <a:ext uri="{FF2B5EF4-FFF2-40B4-BE49-F238E27FC236}">
+                <a16:creationId xmlns:a16="http://schemas.microsoft.com/office/drawing/2014/main" id="{5E07E533-B478-4C43-81B0-E8BD124B9924}"/>
+              </a:ext>
+            </a:extLst>
+          </p:cNvPr>
+          <p:cNvSpPr>
+            <a:spLocks noGrp="1"/>
+          </p:cNvSpPr>
+          <p:nvPr>
+            <p:ph idx="1"/>
+          </p:nvPr>
+        </p:nvSpPr>
+        <p:spPr/>
+        <p:txBody>
+          <a:bodyPr/>
+          <a:lstStyle/>
+          <a:p>
+            <a:endParaRPr lang="en-US"/>
+          </a:p>
+        </p:txBody>
+      </p:sp>
+    </p:spTree>
+    <p:extLst>
+      <p:ext uri="{BB962C8B-B14F-4D97-AF65-F5344CB8AC3E}">
+        <p14:creationId xmlns:p14="http://schemas.microsoft.com/office/powerpoint/2010/main" val="427240729"/>
+      </p:ext>
+    </p:extLst>
+  </p:cSld>
+  <p:clrMapOvr>
+    <a:masterClrMapping/>
+  </p:clrMapOvr>
+</p:sld>
+</file>
+
+<file path=ppt/slides/slide11.xml><?xml version="1.0" encoding="utf-8"?>
+<p:sld xmlns:a="http://schemas.openxmlformats.org/drawingml/2006/main" xmlns:r="http://schemas.openxmlformats.org/officeDocument/2006/relationships" xmlns:p="http://schemas.openxmlformats.org/presentationml/2006/main">
+  <p:cSld>
     <p:bg>
       <p:bgPr>
         <a:solidFill>
@@ -5810,7 +4969,7 @@
 </p:sld>
 </file>
 
-<file path=ppt/slides/slide11.xml><?xml version="1.0" encoding="utf-8"?>
+<file path=ppt/slides/slide12.xml><?xml version="1.0" encoding="utf-8"?>
 <p:sld xmlns:a="http://schemas.openxmlformats.org/drawingml/2006/main" xmlns:r="http://schemas.openxmlformats.org/officeDocument/2006/relationships" xmlns:p="http://schemas.openxmlformats.org/presentationml/2006/main">
   <p:cSld>
     <p:bg>
@@ -6934,7 +6093,7 @@
         <p:spPr>
           <a:xfrm>
             <a:off x="1024128" y="585216"/>
-            <a:ext cx="9720072" cy="1499616"/>
+            <a:ext cx="3133581" cy="1499616"/>
           </a:xfrm>
         </p:spPr>
         <p:txBody>
@@ -6944,43 +6103,83 @@
           <a:lstStyle/>
           <a:p>
             <a:r>
-              <a:rPr lang="en-US" b="1" dirty="0"/>
+              <a:rPr lang="en-US" sz="4000" b="1" dirty="0"/>
               <a:t>Bar Charts</a:t>
             </a:r>
           </a:p>
         </p:txBody>
       </p:sp>
-      <p:graphicFrame>
-        <p:nvGraphicFramePr>
-          <p:cNvPr id="6" name="Content Placeholder 5" descr="Sales Chart">
+      <p:pic>
+        <p:nvPicPr>
+          <p:cNvPr id="7" name="Content Placeholder 6" descr="A close up of a logo&#10;&#10;Description automatically generated">
             <a:extLst>
               <a:ext uri="{FF2B5EF4-FFF2-40B4-BE49-F238E27FC236}">
-                <a16:creationId xmlns:a16="http://schemas.microsoft.com/office/drawing/2014/main" id="{BB6DF01B-E433-497E-A00A-3DC7A751168F}"/>
+                <a16:creationId xmlns:a16="http://schemas.microsoft.com/office/drawing/2014/main" id="{5E7C13AF-CFC2-4451-8113-7F8388FEF91B}"/>
               </a:ext>
             </a:extLst>
           </p:cNvPr>
-          <p:cNvGraphicFramePr>
-            <a:graphicFrameLocks noGrp="1"/>
-          </p:cNvGraphicFramePr>
-          <p:nvPr>
-            <p:ph idx="1"/>
-            <p:extLst>
-              <p:ext uri="{D42A27DB-BD31-4B8C-83A1-F6EECF244321}">
-                <p14:modId xmlns:p14="http://schemas.microsoft.com/office/powerpoint/2010/main" val="692699189"/>
-              </p:ext>
-            </p:extLst>
-          </p:nvPr>
-        </p:nvGraphicFramePr>
-        <p:xfrm>
-          <a:off x="1023938" y="2286000"/>
-          <a:ext cx="9720262" cy="4022725"/>
-        </p:xfrm>
-        <a:graphic>
-          <a:graphicData uri="http://schemas.openxmlformats.org/drawingml/2006/chart">
-            <c:chart xmlns:c="http://schemas.openxmlformats.org/drawingml/2006/chart" xmlns:r="http://schemas.openxmlformats.org/officeDocument/2006/relationships" r:id="rId3"/>
-          </a:graphicData>
-        </a:graphic>
-      </p:graphicFrame>
+          <p:cNvPicPr>
+            <a:picLocks noChangeAspect="1"/>
+          </p:cNvPicPr>
+          <p:nvPr/>
+        </p:nvPicPr>
+        <p:blipFill>
+          <a:blip r:embed="rId3"/>
+          <a:stretch>
+            <a:fillRect/>
+          </a:stretch>
+        </p:blipFill>
+        <p:spPr>
+          <a:xfrm>
+            <a:off x="755679" y="1930400"/>
+            <a:ext cx="10757163" cy="3500581"/>
+          </a:xfrm>
+          <a:prstGeom prst="rect">
+            <a:avLst/>
+          </a:prstGeom>
+        </p:spPr>
+      </p:pic>
+      <p:sp>
+        <p:nvSpPr>
+          <p:cNvPr id="13" name="TextBox 12">
+            <a:extLst>
+              <a:ext uri="{FF2B5EF4-FFF2-40B4-BE49-F238E27FC236}">
+                <a16:creationId xmlns:a16="http://schemas.microsoft.com/office/drawing/2014/main" id="{1F5E4327-7566-4A6B-A7CC-5352DAAB247F}"/>
+              </a:ext>
+            </a:extLst>
+          </p:cNvPr>
+          <p:cNvSpPr txBox="1"/>
+          <p:nvPr/>
+        </p:nvSpPr>
+        <p:spPr>
+          <a:xfrm>
+            <a:off x="872455" y="5805182"/>
+            <a:ext cx="10402349" cy="646331"/>
+          </a:xfrm>
+          <a:prstGeom prst="rect">
+            <a:avLst/>
+          </a:prstGeom>
+          <a:noFill/>
+        </p:spPr>
+        <p:txBody>
+          <a:bodyPr wrap="square" rtlCol="0">
+            <a:spAutoFit/>
+          </a:bodyPr>
+          <a:lstStyle/>
+          <a:p>
+            <a:r>
+              <a:rPr lang="en-US" dirty="0"/>
+              <a:t>Key Takeaway</a:t>
+            </a:r>
+          </a:p>
+          <a:p>
+            <a:r>
+              <a:rPr lang="en-US" dirty="0"/>
+              <a:t>California, Texas and Washington have the most Starbucks stores per state in the US. </a:t>
+            </a:r>
+          </a:p>
+        </p:txBody>
+      </p:sp>
     </p:spTree>
     <p:extLst>
       <p:ext uri="{BB962C8B-B14F-4D97-AF65-F5344CB8AC3E}">
@@ -7016,7 +6215,7 @@
           <p:cNvPr id="2" name="Title 1">
             <a:extLst>
               <a:ext uri="{FF2B5EF4-FFF2-40B4-BE49-F238E27FC236}">
-                <a16:creationId xmlns:a16="http://schemas.microsoft.com/office/drawing/2014/main" id="{AF914BDC-A786-4A80-99A2-934A1E7267A3}"/>
+                <a16:creationId xmlns:a16="http://schemas.microsoft.com/office/drawing/2014/main" id="{48F69B07-44C5-4B34-BD52-DA40822B6E8D}"/>
               </a:ext>
             </a:extLst>
           </p:cNvPr>
@@ -7033,41 +6232,98 @@
           <a:lstStyle/>
           <a:p>
             <a:r>
-              <a:rPr lang="en-US" dirty="0"/>
-              <a:t>Scatter Plot Charts</a:t>
-            </a:r>
-          </a:p>
-        </p:txBody>
-      </p:sp>
-      <p:sp>
-        <p:nvSpPr>
-          <p:cNvPr id="3" name="Content Placeholder 2">
+              <a:rPr lang="en-US" sz="5400" b="1" dirty="0"/>
+              <a:t>Bar Charts</a:t>
+            </a:r>
+            <a:endParaRPr lang="en-US" dirty="0"/>
+          </a:p>
+        </p:txBody>
+      </p:sp>
+      <p:pic>
+        <p:nvPicPr>
+          <p:cNvPr id="4" name="Content Placeholder 3">
             <a:extLst>
               <a:ext uri="{FF2B5EF4-FFF2-40B4-BE49-F238E27FC236}">
-                <a16:creationId xmlns:a16="http://schemas.microsoft.com/office/drawing/2014/main" id="{52756F33-6D5E-428F-9F09-5DF4EA1A2140}"/>
+                <a16:creationId xmlns:a16="http://schemas.microsoft.com/office/drawing/2014/main" id="{FE97A69A-329F-4C8F-A071-D48DE1B663B4}"/>
               </a:ext>
             </a:extLst>
           </p:cNvPr>
-          <p:cNvSpPr>
-            <a:spLocks noGrp="1"/>
-          </p:cNvSpPr>
+          <p:cNvPicPr>
+            <a:picLocks noGrp="1" noChangeAspect="1"/>
+          </p:cNvPicPr>
           <p:nvPr>
             <p:ph idx="1"/>
           </p:nvPr>
-        </p:nvSpPr>
-        <p:spPr/>
-        <p:txBody>
-          <a:bodyPr/>
-          <a:lstStyle/>
-          <a:p>
-            <a:endParaRPr lang="en-US"/>
+        </p:nvPicPr>
+        <p:blipFill>
+          <a:blip r:embed="rId2"/>
+          <a:stretch>
+            <a:fillRect/>
+          </a:stretch>
+        </p:blipFill>
+        <p:spPr>
+          <a:xfrm>
+            <a:off x="673513" y="1967345"/>
+            <a:ext cx="11066672" cy="3362037"/>
+          </a:xfrm>
+          <a:prstGeom prst="rect">
+            <a:avLst/>
+          </a:prstGeom>
+        </p:spPr>
+      </p:pic>
+      <p:sp>
+        <p:nvSpPr>
+          <p:cNvPr id="5" name="TextBox 4">
+            <a:extLst>
+              <a:ext uri="{FF2B5EF4-FFF2-40B4-BE49-F238E27FC236}">
+                <a16:creationId xmlns:a16="http://schemas.microsoft.com/office/drawing/2014/main" id="{D44B2B74-5F9B-4DCE-9183-D9713DB752F1}"/>
+              </a:ext>
+            </a:extLst>
+          </p:cNvPr>
+          <p:cNvSpPr txBox="1"/>
+          <p:nvPr/>
+        </p:nvSpPr>
+        <p:spPr>
+          <a:xfrm>
+            <a:off x="813732" y="5595457"/>
+            <a:ext cx="10402349" cy="954107"/>
+          </a:xfrm>
+          <a:prstGeom prst="rect">
+            <a:avLst/>
+          </a:prstGeom>
+          <a:noFill/>
+        </p:spPr>
+        <p:txBody>
+          <a:bodyPr wrap="square" rtlCol="0">
+            <a:spAutoFit/>
+          </a:bodyPr>
+          <a:lstStyle/>
+          <a:p>
+            <a:r>
+              <a:rPr lang="en-US" sz="1400" dirty="0"/>
+              <a:t>Key Takeaway</a:t>
+            </a:r>
+          </a:p>
+          <a:p>
+            <a:r>
+              <a:rPr lang="en-US" sz="1400" dirty="0"/>
+              <a:t>Total number of population per state doesn’t necessarily relate to number of Starbucks stores per state. This is maybe due to space limitations. For example, New York has the fourth largest population in the US but Washington has more Starbucks stores (13</a:t>
+            </a:r>
+            <a:r>
+              <a:rPr lang="en-US" sz="1400" baseline="30000" dirty="0"/>
+              <a:t>th</a:t>
+            </a:r>
+            <a:r>
+              <a:rPr lang="en-US" sz="1400" dirty="0"/>
+              <a:t> largest population in the US).  However, California and Texas have the highest number of Starbucks stores and total population. </a:t>
+            </a:r>
           </a:p>
         </p:txBody>
       </p:sp>
     </p:spTree>
     <p:extLst>
       <p:ext uri="{BB962C8B-B14F-4D97-AF65-F5344CB8AC3E}">
-        <p14:creationId xmlns:p14="http://schemas.microsoft.com/office/powerpoint/2010/main" val="2358015017"/>
+        <p14:creationId xmlns:p14="http://schemas.microsoft.com/office/powerpoint/2010/main" val="3542723280"/>
       </p:ext>
     </p:extLst>
   </p:cSld>
@@ -7099,7 +6355,7 @@
           <p:cNvPr id="2" name="Title 1">
             <a:extLst>
               <a:ext uri="{FF2B5EF4-FFF2-40B4-BE49-F238E27FC236}">
-                <a16:creationId xmlns:a16="http://schemas.microsoft.com/office/drawing/2014/main" id="{16079B17-E0C3-4C21-A981-E4ACA0A7412B}"/>
+                <a16:creationId xmlns:a16="http://schemas.microsoft.com/office/drawing/2014/main" id="{AF914BDC-A786-4A80-99A2-934A1E7267A3}"/>
               </a:ext>
             </a:extLst>
           </p:cNvPr>
@@ -7117,7 +6373,7 @@
           <a:p>
             <a:r>
               <a:rPr lang="en-US" dirty="0"/>
-              <a:t>Pie Charts???</a:t>
+              <a:t>Scatter Plot Charts</a:t>
             </a:r>
           </a:p>
         </p:txBody>
@@ -7127,7 +6383,7 @@
           <p:cNvPr id="3" name="Content Placeholder 2">
             <a:extLst>
               <a:ext uri="{FF2B5EF4-FFF2-40B4-BE49-F238E27FC236}">
-                <a16:creationId xmlns:a16="http://schemas.microsoft.com/office/drawing/2014/main" id="{DD1DC79E-C3F2-48A1-B913-027D46554C11}"/>
+                <a16:creationId xmlns:a16="http://schemas.microsoft.com/office/drawing/2014/main" id="{52756F33-6D5E-428F-9F09-5DF4EA1A2140}"/>
               </a:ext>
             </a:extLst>
           </p:cNvPr>
@@ -7150,7 +6406,7 @@
     </p:spTree>
     <p:extLst>
       <p:ext uri="{BB962C8B-B14F-4D97-AF65-F5344CB8AC3E}">
-        <p14:creationId xmlns:p14="http://schemas.microsoft.com/office/powerpoint/2010/main" val="2947838600"/>
+        <p14:creationId xmlns:p14="http://schemas.microsoft.com/office/powerpoint/2010/main" val="2358015017"/>
       </p:ext>
     </p:extLst>
   </p:cSld>
@@ -7182,7 +6438,7 @@
           <p:cNvPr id="2" name="Title 1">
             <a:extLst>
               <a:ext uri="{FF2B5EF4-FFF2-40B4-BE49-F238E27FC236}">
-                <a16:creationId xmlns:a16="http://schemas.microsoft.com/office/drawing/2014/main" id="{DFEF73C5-79B5-4B1C-AA88-3C8CB61C2DA8}"/>
+                <a16:creationId xmlns:a16="http://schemas.microsoft.com/office/drawing/2014/main" id="{16079B17-E0C3-4C21-A981-E4ACA0A7412B}"/>
               </a:ext>
             </a:extLst>
           </p:cNvPr>
@@ -7200,7 +6456,7 @@
           <a:p>
             <a:r>
               <a:rPr lang="en-US" dirty="0"/>
-              <a:t>Correlation charts</a:t>
+              <a:t>Pie Charts???</a:t>
             </a:r>
           </a:p>
         </p:txBody>
@@ -7210,7 +6466,7 @@
           <p:cNvPr id="3" name="Content Placeholder 2">
             <a:extLst>
               <a:ext uri="{FF2B5EF4-FFF2-40B4-BE49-F238E27FC236}">
-                <a16:creationId xmlns:a16="http://schemas.microsoft.com/office/drawing/2014/main" id="{6A709681-0FEF-44FA-A3F4-12885CB3D58B}"/>
+                <a16:creationId xmlns:a16="http://schemas.microsoft.com/office/drawing/2014/main" id="{DD1DC79E-C3F2-48A1-B913-027D46554C11}"/>
               </a:ext>
             </a:extLst>
           </p:cNvPr>
@@ -7233,7 +6489,7 @@
     </p:spTree>
     <p:extLst>
       <p:ext uri="{BB962C8B-B14F-4D97-AF65-F5344CB8AC3E}">
-        <p14:creationId xmlns:p14="http://schemas.microsoft.com/office/powerpoint/2010/main" val="576569707"/>
+        <p14:creationId xmlns:p14="http://schemas.microsoft.com/office/powerpoint/2010/main" val="2947838600"/>
       </p:ext>
     </p:extLst>
   </p:cSld>
@@ -7265,7 +6521,7 @@
           <p:cNvPr id="2" name="Title 1">
             <a:extLst>
               <a:ext uri="{FF2B5EF4-FFF2-40B4-BE49-F238E27FC236}">
-                <a16:creationId xmlns:a16="http://schemas.microsoft.com/office/drawing/2014/main" id="{E58C9774-41DF-42DC-82F0-5987EF0208E5}"/>
+                <a16:creationId xmlns:a16="http://schemas.microsoft.com/office/drawing/2014/main" id="{DFEF73C5-79B5-4B1C-AA88-3C8CB61C2DA8}"/>
               </a:ext>
             </a:extLst>
           </p:cNvPr>
@@ -7283,7 +6539,7 @@
           <a:p>
             <a:r>
               <a:rPr lang="en-US" dirty="0"/>
-              <a:t>Heat map</a:t>
+              <a:t>Correlation charts</a:t>
             </a:r>
           </a:p>
         </p:txBody>
@@ -7293,7 +6549,7 @@
           <p:cNvPr id="3" name="Content Placeholder 2">
             <a:extLst>
               <a:ext uri="{FF2B5EF4-FFF2-40B4-BE49-F238E27FC236}">
-                <a16:creationId xmlns:a16="http://schemas.microsoft.com/office/drawing/2014/main" id="{5E07E533-B478-4C43-81B0-E8BD124B9924}"/>
+                <a16:creationId xmlns:a16="http://schemas.microsoft.com/office/drawing/2014/main" id="{6A709681-0FEF-44FA-A3F4-12885CB3D58B}"/>
               </a:ext>
             </a:extLst>
           </p:cNvPr>
@@ -7316,7 +6572,7 @@
     </p:spTree>
     <p:extLst>
       <p:ext uri="{BB962C8B-B14F-4D97-AF65-F5344CB8AC3E}">
-        <p14:creationId xmlns:p14="http://schemas.microsoft.com/office/powerpoint/2010/main" val="427240729"/>
+        <p14:creationId xmlns:p14="http://schemas.microsoft.com/office/powerpoint/2010/main" val="576569707"/>
       </p:ext>
     </p:extLst>
   </p:cSld>
@@ -8194,15 +7450,6 @@
 </file>
 
 <file path=customXml/item2.xml><?xml version="1.0" encoding="utf-8"?>
-<p:properties xmlns:p="http://schemas.microsoft.com/office/2006/metadata/properties" xmlns:xsi="http://www.w3.org/2001/XMLSchema-instance" xmlns:pc="http://schemas.microsoft.com/office/infopath/2007/PartnerControls">
-  <documentManagement>
-    <Status xmlns="71af3243-3dd4-4a8d-8c0d-dd76da1f02a5">Not started</Status>
-    <MediaServiceKeyPoints xmlns="71af3243-3dd4-4a8d-8c0d-dd76da1f02a5" xsi:nil="true"/>
-  </documentManagement>
-</p:properties>
-</file>
-
-<file path=customXml/item3.xml><?xml version="1.0" encoding="utf-8"?>
 <ct:contentTypeSchema xmlns:ct="http://schemas.microsoft.com/office/2006/metadata/contentType" xmlns:ma="http://schemas.microsoft.com/office/2006/metadata/properties/metaAttributes" ct:_="" ma:_="" ma:contentTypeName="Document" ma:contentTypeID="0x01010079F111ED35F8CC479449609E8A0923A6" ma:contentTypeVersion="12" ma:contentTypeDescription="Create a new document." ma:contentTypeScope="" ma:versionID="93813dd7ca6ad654711aa0ab317e03a3">
   <xsd:schema xmlns:xsd="http://www.w3.org/2001/XMLSchema" xmlns:xs="http://www.w3.org/2001/XMLSchema" xmlns:p="http://schemas.microsoft.com/office/2006/metadata/properties" xmlns:ns2="71af3243-3dd4-4a8d-8c0d-dd76da1f02a5" xmlns:ns3="16c05727-aa75-4e4a-9b5f-8a80a1165891" targetNamespace="http://schemas.microsoft.com/office/2006/metadata/properties" ma:root="true" ma:fieldsID="f11dc0ce689dd3925e84e4e35398c6e7" ns2:_="" ns3:_="">
     <xsd:import namespace="71af3243-3dd4-4a8d-8c0d-dd76da1f02a5"/>
@@ -8423,6 +7670,15 @@
 </ct:contentTypeSchema>
 </file>
 
+<file path=customXml/item3.xml><?xml version="1.0" encoding="utf-8"?>
+<p:properties xmlns:p="http://schemas.microsoft.com/office/2006/metadata/properties" xmlns:xsi="http://www.w3.org/2001/XMLSchema-instance" xmlns:pc="http://schemas.microsoft.com/office/infopath/2007/PartnerControls">
+  <documentManagement>
+    <Status xmlns="71af3243-3dd4-4a8d-8c0d-dd76da1f02a5">Not started</Status>
+    <MediaServiceKeyPoints xmlns="71af3243-3dd4-4a8d-8c0d-dd76da1f02a5" xsi:nil="true"/>
+  </documentManagement>
+</p:properties>
+</file>
+
 <file path=customXml/itemProps1.xml><?xml version="1.0" encoding="utf-8"?>
 <ds:datastoreItem xmlns:ds="http://schemas.openxmlformats.org/officeDocument/2006/customXml" ds:itemID="{07A7C301-87CC-4EB1-AF40-15075522FC58}">
   <ds:schemaRefs>
@@ -8432,16 +7688,6 @@
 </file>
 
 <file path=customXml/itemProps2.xml><?xml version="1.0" encoding="utf-8"?>
-<ds:datastoreItem xmlns:ds="http://schemas.openxmlformats.org/officeDocument/2006/customXml" ds:itemID="{45231547-F69E-41A9-93A9-B70B5E3064F1}">
-  <ds:schemaRefs>
-    <ds:schemaRef ds:uri="http://schemas.microsoft.com/office/2006/metadata/properties"/>
-    <ds:schemaRef ds:uri="http://schemas.microsoft.com/office/infopath/2007/PartnerControls"/>
-    <ds:schemaRef ds:uri="71af3243-3dd4-4a8d-8c0d-dd76da1f02a5"/>
-  </ds:schemaRefs>
-</ds:datastoreItem>
-</file>
-
-<file path=customXml/itemProps3.xml><?xml version="1.0" encoding="utf-8"?>
 <ds:datastoreItem xmlns:ds="http://schemas.openxmlformats.org/officeDocument/2006/customXml" ds:itemID="{6EA402E5-52EF-430B-8CCB-B4AAA8C467AD}">
   <ds:schemaRefs>
     <ds:schemaRef ds:uri="http://schemas.microsoft.com/office/2006/metadata/contentType"/>
@@ -8458,4 +7704,14 @@
     <ds:schemaRef ds:uri="http://schemas.microsoft.com/internal/obd"/>
   </ds:schemaRefs>
 </ds:datastoreItem>
+</file>
+
+<file path=customXml/itemProps3.xml><?xml version="1.0" encoding="utf-8"?>
+<ds:datastoreItem xmlns:ds="http://schemas.openxmlformats.org/officeDocument/2006/customXml" ds:itemID="{45231547-F69E-41A9-93A9-B70B5E3064F1}">
+  <ds:schemaRefs>
+    <ds:schemaRef ds:uri="http://schemas.microsoft.com/office/2006/metadata/properties"/>
+    <ds:schemaRef ds:uri="http://schemas.microsoft.com/office/infopath/2007/PartnerControls"/>
+    <ds:schemaRef ds:uri="71af3243-3dd4-4a8d-8c0d-dd76da1f02a5"/>
+  </ds:schemaRefs>
+</ds:datastoreItem>
 </file>
--- a/Deeper dive and analysis of Starbucks locations.pptx
+++ b/Deeper dive and analysis of Starbucks locations.pptx
@@ -5,10 +5,10 @@
     <p:sldMasterId id="2147483852" r:id="rId4"/>
   </p:sldMasterIdLst>
   <p:notesMasterIdLst>
-    <p:notesMasterId r:id="rId17"/>
+    <p:notesMasterId r:id="rId19"/>
   </p:notesMasterIdLst>
   <p:handoutMasterIdLst>
-    <p:handoutMasterId r:id="rId18"/>
+    <p:handoutMasterId r:id="rId20"/>
   </p:handoutMasterIdLst>
   <p:sldIdLst>
     <p:sldId id="256" r:id="rId5"/>
@@ -17,12 +17,14 @@
     <p:sldId id="268" r:id="rId8"/>
     <p:sldId id="258" r:id="rId9"/>
     <p:sldId id="269" r:id="rId10"/>
-    <p:sldId id="264" r:id="rId11"/>
-    <p:sldId id="265" r:id="rId12"/>
-    <p:sldId id="266" r:id="rId13"/>
-    <p:sldId id="267" r:id="rId14"/>
-    <p:sldId id="259" r:id="rId15"/>
-    <p:sldId id="260" r:id="rId16"/>
+    <p:sldId id="272" r:id="rId11"/>
+    <p:sldId id="270" r:id="rId12"/>
+    <p:sldId id="271" r:id="rId13"/>
+    <p:sldId id="265" r:id="rId14"/>
+    <p:sldId id="266" r:id="rId15"/>
+    <p:sldId id="267" r:id="rId16"/>
+    <p:sldId id="259" r:id="rId17"/>
+    <p:sldId id="260" r:id="rId18"/>
   </p:sldIdLst>
   <p:sldSz cx="12192000" cy="6858000"/>
   <p:notesSz cx="6858000" cy="9144000"/>
@@ -246,7 +248,7 @@
           <a:p>
             <a:fld id="{3E35D1AD-E24C-4E82-BC85-28527A42DCE7}" type="datetimeFigureOut">
               <a:rPr lang="en-US" smtClean="0"/>
-              <a:t>6/21/2020</a:t>
+              <a:t>6/22/2020</a:t>
             </a:fld>
             <a:endParaRPr lang="en-US" dirty="0"/>
           </a:p>
@@ -423,7 +425,7 @@
           <a:p>
             <a:fld id="{7255EA34-3951-4B6D-8DDD-B157CE00471C}" type="datetimeFigureOut">
               <a:rPr lang="en-US" smtClean="0"/>
-              <a:t>6/21/2020</a:t>
+              <a:t>6/22/2020</a:t>
             </a:fld>
             <a:endParaRPr lang="en-US" dirty="0"/>
           </a:p>
@@ -1007,7 +1009,7 @@
           <a:p>
             <a:fld id="{4AB3E965-974B-498D-B360-83DD1F9DEB55}" type="slidenum">
               <a:rPr lang="en-US" smtClean="0"/>
-              <a:t>11</a:t>
+              <a:t>13</a:t>
             </a:fld>
             <a:endParaRPr lang="en-US" dirty="0"/>
           </a:p>
@@ -1091,7 +1093,7 @@
           <a:p>
             <a:fld id="{4AB3E965-974B-498D-B360-83DD1F9DEB55}" type="slidenum">
               <a:rPr lang="en-US" smtClean="0"/>
-              <a:t>12</a:t>
+              <a:t>14</a:t>
             </a:fld>
             <a:endParaRPr lang="en-US" dirty="0"/>
           </a:p>
@@ -1260,7 +1262,7 @@
           <a:p>
             <a:fld id="{9AB3A824-1A51-4B26-AD58-A6D8E14F6C04}" type="datetimeFigureOut">
               <a:rPr lang="en-US" noProof="0" smtClean="0"/>
-              <a:t>6/21/2020</a:t>
+              <a:t>6/22/2020</a:t>
             </a:fld>
             <a:endParaRPr lang="en-US" noProof="0" dirty="0"/>
           </a:p>
@@ -1507,7 +1509,7 @@
           <a:p>
             <a:fld id="{D857E33E-8B18-4087-B112-809917729534}" type="datetimeFigureOut">
               <a:rPr lang="en-US" smtClean="0"/>
-              <a:t>6/21/2020</a:t>
+              <a:t>6/22/2020</a:t>
             </a:fld>
             <a:endParaRPr lang="en-US" dirty="0"/>
           </a:p>
@@ -1691,7 +1693,7 @@
           <a:p>
             <a:fld id="{D3FFE419-2371-464F-8239-3959401C3561}" type="datetimeFigureOut">
               <a:rPr lang="en-US" smtClean="0"/>
-              <a:t>6/21/2020</a:t>
+              <a:t>6/22/2020</a:t>
             </a:fld>
             <a:endParaRPr lang="en-US" dirty="0"/>
           </a:p>
@@ -1898,7 +1900,7 @@
           <a:p>
             <a:fld id="{97D162C4-EDD9-4389-A98B-B87ECEA2A816}" type="datetimeFigureOut">
               <a:rPr lang="en-US" noProof="0" smtClean="0"/>
-              <a:t>6/21/2020</a:t>
+              <a:t>6/22/2020</a:t>
             </a:fld>
             <a:endParaRPr lang="en-US" noProof="0" dirty="0"/>
           </a:p>
@@ -2158,7 +2160,7 @@
           <a:p>
             <a:fld id="{3E5059C3-6A89-4494-99FF-5A4D6FFD50EB}" type="datetimeFigureOut">
               <a:rPr lang="en-US" noProof="0" smtClean="0"/>
-              <a:t>6/21/2020</a:t>
+              <a:t>6/22/2020</a:t>
             </a:fld>
             <a:endParaRPr lang="en-US" noProof="0" dirty="0"/>
           </a:p>
@@ -2506,7 +2508,7 @@
           <a:p>
             <a:fld id="{CA954B2F-12DE-47F5-8894-472B206D2E1E}" type="datetimeFigureOut">
               <a:rPr lang="en-US" noProof="0" smtClean="0"/>
-              <a:t>6/21/2020</a:t>
+              <a:t>6/22/2020</a:t>
             </a:fld>
             <a:endParaRPr lang="en-US" noProof="0" dirty="0"/>
           </a:p>
@@ -2912,7 +2914,7 @@
           <a:p>
             <a:fld id="{3F30E46F-7819-4ACF-B48B-48222C2ACC88}" type="datetimeFigureOut">
               <a:rPr lang="en-US" smtClean="0"/>
-              <a:t>6/21/2020</a:t>
+              <a:t>6/22/2020</a:t>
             </a:fld>
             <a:endParaRPr lang="en-US" dirty="0"/>
           </a:p>
@@ -3034,7 +3036,7 @@
           <a:p>
             <a:fld id="{1FAF3416-4057-4DAA-829D-4CA07428D088}" type="datetimeFigureOut">
               <a:rPr lang="en-US" smtClean="0"/>
-              <a:t>6/21/2020</a:t>
+              <a:t>6/22/2020</a:t>
             </a:fld>
             <a:endParaRPr lang="en-US" dirty="0"/>
           </a:p>
@@ -3133,7 +3135,7 @@
           <a:p>
             <a:fld id="{921D9284-D300-4297-87F7-E791DCC15DB1}" type="datetimeFigureOut">
               <a:rPr lang="en-US" smtClean="0"/>
-              <a:t>6/21/2020</a:t>
+              <a:t>6/22/2020</a:t>
             </a:fld>
             <a:endParaRPr lang="en-US" dirty="0"/>
           </a:p>
@@ -3427,7 +3429,7 @@
           <a:p>
             <a:fld id="{37D525BB-DA17-4BA0-B3C8-3AC3ABC827E6}" type="datetimeFigureOut">
               <a:rPr lang="en-US" smtClean="0"/>
-              <a:t>6/21/2020</a:t>
+              <a:t>6/22/2020</a:t>
             </a:fld>
             <a:endParaRPr lang="en-US" dirty="0"/>
           </a:p>
@@ -3711,7 +3713,7 @@
           <a:p>
             <a:fld id="{B16C4C9A-3960-41CF-A4E9-2A8FB932454B}" type="datetimeFigureOut">
               <a:rPr lang="en-US" smtClean="0"/>
-              <a:t>6/21/2020</a:t>
+              <a:t>6/22/2020</a:t>
             </a:fld>
             <a:endParaRPr lang="en-US" dirty="0"/>
           </a:p>
@@ -3963,7 +3965,7 @@
           <a:p>
             <a:fld id="{3CBC1C18-307B-4F68-A007-B5B542270E8D}" type="datetimeFigureOut">
               <a:rPr lang="en-US" noProof="0" smtClean="0"/>
-              <a:t>6/21/2020</a:t>
+              <a:t>6/22/2020</a:t>
             </a:fld>
             <a:endParaRPr lang="en-US" noProof="0" dirty="0"/>
           </a:p>
@@ -4766,6 +4768,172 @@
           <p:cNvPr id="2" name="Title 1">
             <a:extLst>
               <a:ext uri="{FF2B5EF4-FFF2-40B4-BE49-F238E27FC236}">
+                <a16:creationId xmlns:a16="http://schemas.microsoft.com/office/drawing/2014/main" id="{16079B17-E0C3-4C21-A981-E4ACA0A7412B}"/>
+              </a:ext>
+            </a:extLst>
+          </p:cNvPr>
+          <p:cNvSpPr>
+            <a:spLocks noGrp="1"/>
+          </p:cNvSpPr>
+          <p:nvPr>
+            <p:ph type="title"/>
+          </p:nvPr>
+        </p:nvSpPr>
+        <p:spPr/>
+        <p:txBody>
+          <a:bodyPr/>
+          <a:lstStyle/>
+          <a:p>
+            <a:r>
+              <a:rPr lang="en-US" dirty="0"/>
+              <a:t>Pie Charts???</a:t>
+            </a:r>
+          </a:p>
+        </p:txBody>
+      </p:sp>
+      <p:sp>
+        <p:nvSpPr>
+          <p:cNvPr id="3" name="Content Placeholder 2">
+            <a:extLst>
+              <a:ext uri="{FF2B5EF4-FFF2-40B4-BE49-F238E27FC236}">
+                <a16:creationId xmlns:a16="http://schemas.microsoft.com/office/drawing/2014/main" id="{DD1DC79E-C3F2-48A1-B913-027D46554C11}"/>
+              </a:ext>
+            </a:extLst>
+          </p:cNvPr>
+          <p:cNvSpPr>
+            <a:spLocks noGrp="1"/>
+          </p:cNvSpPr>
+          <p:nvPr>
+            <p:ph idx="1"/>
+          </p:nvPr>
+        </p:nvSpPr>
+        <p:spPr/>
+        <p:txBody>
+          <a:bodyPr/>
+          <a:lstStyle/>
+          <a:p>
+            <a:endParaRPr lang="en-US"/>
+          </a:p>
+        </p:txBody>
+      </p:sp>
+    </p:spTree>
+    <p:extLst>
+      <p:ext uri="{BB962C8B-B14F-4D97-AF65-F5344CB8AC3E}">
+        <p14:creationId xmlns:p14="http://schemas.microsoft.com/office/powerpoint/2010/main" val="2947838600"/>
+      </p:ext>
+    </p:extLst>
+  </p:cSld>
+  <p:clrMapOvr>
+    <a:masterClrMapping/>
+  </p:clrMapOvr>
+</p:sld>
+</file>
+
+<file path=ppt/slides/slide11.xml><?xml version="1.0" encoding="utf-8"?>
+<p:sld xmlns:a="http://schemas.openxmlformats.org/drawingml/2006/main" xmlns:r="http://schemas.openxmlformats.org/officeDocument/2006/relationships" xmlns:p="http://schemas.openxmlformats.org/presentationml/2006/main">
+  <p:cSld>
+    <p:spTree>
+      <p:nvGrpSpPr>
+        <p:cNvPr id="1" name=""/>
+        <p:cNvGrpSpPr/>
+        <p:nvPr/>
+      </p:nvGrpSpPr>
+      <p:grpSpPr>
+        <a:xfrm>
+          <a:off x="0" y="0"/>
+          <a:ext cx="0" cy="0"/>
+          <a:chOff x="0" y="0"/>
+          <a:chExt cx="0" cy="0"/>
+        </a:xfrm>
+      </p:grpSpPr>
+      <p:sp>
+        <p:nvSpPr>
+          <p:cNvPr id="2" name="Title 1">
+            <a:extLst>
+              <a:ext uri="{FF2B5EF4-FFF2-40B4-BE49-F238E27FC236}">
+                <a16:creationId xmlns:a16="http://schemas.microsoft.com/office/drawing/2014/main" id="{DFEF73C5-79B5-4B1C-AA88-3C8CB61C2DA8}"/>
+              </a:ext>
+            </a:extLst>
+          </p:cNvPr>
+          <p:cNvSpPr>
+            <a:spLocks noGrp="1"/>
+          </p:cNvSpPr>
+          <p:nvPr>
+            <p:ph type="title"/>
+          </p:nvPr>
+        </p:nvSpPr>
+        <p:spPr/>
+        <p:txBody>
+          <a:bodyPr/>
+          <a:lstStyle/>
+          <a:p>
+            <a:r>
+              <a:rPr lang="en-US" dirty="0"/>
+              <a:t>Correlation charts</a:t>
+            </a:r>
+          </a:p>
+        </p:txBody>
+      </p:sp>
+      <p:sp>
+        <p:nvSpPr>
+          <p:cNvPr id="3" name="Content Placeholder 2">
+            <a:extLst>
+              <a:ext uri="{FF2B5EF4-FFF2-40B4-BE49-F238E27FC236}">
+                <a16:creationId xmlns:a16="http://schemas.microsoft.com/office/drawing/2014/main" id="{6A709681-0FEF-44FA-A3F4-12885CB3D58B}"/>
+              </a:ext>
+            </a:extLst>
+          </p:cNvPr>
+          <p:cNvSpPr>
+            <a:spLocks noGrp="1"/>
+          </p:cNvSpPr>
+          <p:nvPr>
+            <p:ph idx="1"/>
+          </p:nvPr>
+        </p:nvSpPr>
+        <p:spPr/>
+        <p:txBody>
+          <a:bodyPr/>
+          <a:lstStyle/>
+          <a:p>
+            <a:endParaRPr lang="en-US"/>
+          </a:p>
+        </p:txBody>
+      </p:sp>
+    </p:spTree>
+    <p:extLst>
+      <p:ext uri="{BB962C8B-B14F-4D97-AF65-F5344CB8AC3E}">
+        <p14:creationId xmlns:p14="http://schemas.microsoft.com/office/powerpoint/2010/main" val="576569707"/>
+      </p:ext>
+    </p:extLst>
+  </p:cSld>
+  <p:clrMapOvr>
+    <a:masterClrMapping/>
+  </p:clrMapOvr>
+</p:sld>
+</file>
+
+<file path=ppt/slides/slide12.xml><?xml version="1.0" encoding="utf-8"?>
+<p:sld xmlns:a="http://schemas.openxmlformats.org/drawingml/2006/main" xmlns:r="http://schemas.openxmlformats.org/officeDocument/2006/relationships" xmlns:p="http://schemas.openxmlformats.org/presentationml/2006/main">
+  <p:cSld>
+    <p:spTree>
+      <p:nvGrpSpPr>
+        <p:cNvPr id="1" name=""/>
+        <p:cNvGrpSpPr/>
+        <p:nvPr/>
+      </p:nvGrpSpPr>
+      <p:grpSpPr>
+        <a:xfrm>
+          <a:off x="0" y="0"/>
+          <a:ext cx="0" cy="0"/>
+          <a:chOff x="0" y="0"/>
+          <a:chExt cx="0" cy="0"/>
+        </a:xfrm>
+      </p:grpSpPr>
+      <p:sp>
+        <p:nvSpPr>
+          <p:cNvPr id="2" name="Title 1">
+            <a:extLst>
+              <a:ext uri="{FF2B5EF4-FFF2-40B4-BE49-F238E27FC236}">
                 <a16:creationId xmlns:a16="http://schemas.microsoft.com/office/drawing/2014/main" id="{E58C9774-41DF-42DC-82F0-5987EF0208E5}"/>
               </a:ext>
             </a:extLst>
@@ -4827,7 +4995,7 @@
 </p:sld>
 </file>
 
-<file path=ppt/slides/slide11.xml><?xml version="1.0" encoding="utf-8"?>
+<file path=ppt/slides/slide13.xml><?xml version="1.0" encoding="utf-8"?>
 <p:sld xmlns:a="http://schemas.openxmlformats.org/drawingml/2006/main" xmlns:r="http://schemas.openxmlformats.org/officeDocument/2006/relationships" xmlns:p="http://schemas.openxmlformats.org/presentationml/2006/main">
   <p:cSld>
     <p:bg>
@@ -4969,7 +5137,7 @@
 </p:sld>
 </file>
 
-<file path=ppt/slides/slide12.xml><?xml version="1.0" encoding="utf-8"?>
+<file path=ppt/slides/slide14.xml><?xml version="1.0" encoding="utf-8"?>
 <p:sld xmlns:a="http://schemas.openxmlformats.org/drawingml/2006/main" xmlns:r="http://schemas.openxmlformats.org/officeDocument/2006/relationships" xmlns:p="http://schemas.openxmlformats.org/presentationml/2006/main">
   <p:cSld>
     <p:bg>
@@ -6336,6 +6504,14 @@
 <file path=ppt/slides/slide7.xml><?xml version="1.0" encoding="utf-8"?>
 <p:sld xmlns:a="http://schemas.openxmlformats.org/drawingml/2006/main" xmlns:r="http://schemas.openxmlformats.org/officeDocument/2006/relationships" xmlns:p="http://schemas.openxmlformats.org/presentationml/2006/main">
   <p:cSld>
+    <p:bg>
+      <p:bgPr>
+        <a:solidFill>
+          <a:schemeClr val="bg1"/>
+        </a:solidFill>
+        <a:effectLst/>
+      </p:bgPr>
+    </p:bg>
     <p:spTree>
       <p:nvGrpSpPr>
         <p:cNvPr id="1" name=""/>
@@ -6366,9 +6542,16 @@
             <p:ph type="title"/>
           </p:nvPr>
         </p:nvSpPr>
-        <p:spPr/>
-        <p:txBody>
-          <a:bodyPr/>
+        <p:spPr>
+          <a:xfrm>
+            <a:off x="1024127" y="585216"/>
+            <a:ext cx="7105745" cy="1499616"/>
+          </a:xfrm>
+        </p:spPr>
+        <p:txBody>
+          <a:bodyPr>
+            <a:normAutofit/>
+          </a:bodyPr>
           <a:lstStyle/>
           <a:p>
             <a:r>
@@ -6380,10 +6563,10 @@
       </p:sp>
       <p:sp>
         <p:nvSpPr>
-          <p:cNvPr id="3" name="Content Placeholder 2">
+          <p:cNvPr id="13" name="Content Placeholder 12">
             <a:extLst>
               <a:ext uri="{FF2B5EF4-FFF2-40B4-BE49-F238E27FC236}">
-                <a16:creationId xmlns:a16="http://schemas.microsoft.com/office/drawing/2014/main" id="{52756F33-6D5E-428F-9F09-5DF4EA1A2140}"/>
+                <a16:creationId xmlns:a16="http://schemas.microsoft.com/office/drawing/2014/main" id="{E63F2870-B863-498A-B52B-A7DD0D5A98B5}"/>
               </a:ext>
             </a:extLst>
           </p:cNvPr>
@@ -6394,11 +6577,205 @@
             <p:ph idx="1"/>
           </p:nvPr>
         </p:nvSpPr>
-        <p:spPr/>
-        <p:txBody>
-          <a:bodyPr/>
-          <a:lstStyle/>
-          <a:p>
+        <p:spPr>
+          <a:xfrm>
+            <a:off x="1024128" y="2286000"/>
+            <a:ext cx="7105744" cy="4023360"/>
+          </a:xfrm>
+        </p:spPr>
+        <p:txBody>
+          <a:bodyPr>
+            <a:normAutofit/>
+          </a:bodyPr>
+          <a:lstStyle/>
+          <a:p>
+            <a:pPr>
+              <a:buFont typeface="Wingdings" panose="05000000000000000000" pitchFamily="2" charset="2"/>
+              <a:buChar char="Ø"/>
+            </a:pPr>
+            <a:r>
+              <a:rPr lang="en-US" dirty="0"/>
+              <a:t> Starbucks stores/state vs Total Population/state</a:t>
+            </a:r>
+          </a:p>
+          <a:p>
+            <a:pPr marL="0" indent="0">
+              <a:buNone/>
+            </a:pPr>
+            <a:r>
+              <a:rPr lang="en-US" dirty="0"/>
+              <a:t>	Correlation = 0.9 </a:t>
+            </a:r>
+          </a:p>
+          <a:p>
+            <a:pPr>
+              <a:buFont typeface="Wingdings" panose="05000000000000000000" pitchFamily="2" charset="2"/>
+              <a:buChar char="Ø"/>
+            </a:pPr>
+            <a:r>
+              <a:rPr lang="en-US" dirty="0"/>
+              <a:t>Gender Diversity</a:t>
+            </a:r>
+          </a:p>
+          <a:p>
+            <a:pPr marL="0" indent="0">
+              <a:buNone/>
+            </a:pPr>
+            <a:r>
+              <a:rPr lang="en-US" dirty="0"/>
+              <a:t>	Follows the same pattern as Total Population</a:t>
+            </a:r>
+          </a:p>
+          <a:p>
+            <a:pPr marL="0" indent="0">
+              <a:buNone/>
+            </a:pPr>
+            <a:endParaRPr lang="en-US" dirty="0"/>
+          </a:p>
+          <a:p>
+            <a:pPr marL="0" indent="0">
+              <a:buNone/>
+            </a:pPr>
+            <a:r>
+              <a:rPr lang="en-US" dirty="0"/>
+              <a:t>Apparently good correlation &amp; with higher population /state has higher number of Starbucks stores. </a:t>
+            </a:r>
+          </a:p>
+        </p:txBody>
+      </p:sp>
+      <p:pic>
+        <p:nvPicPr>
+          <p:cNvPr id="5" name="Content Placeholder 4" descr="A close up of a map&#10;&#10;Description automatically generated">
+            <a:extLst>
+              <a:ext uri="{FF2B5EF4-FFF2-40B4-BE49-F238E27FC236}">
+                <a16:creationId xmlns:a16="http://schemas.microsoft.com/office/drawing/2014/main" id="{15C446BA-82F5-4C28-A969-20849E22CE44}"/>
+              </a:ext>
+            </a:extLst>
+          </p:cNvPr>
+          <p:cNvPicPr>
+            <a:picLocks noChangeAspect="1"/>
+          </p:cNvPicPr>
+          <p:nvPr/>
+        </p:nvPicPr>
+        <p:blipFill>
+          <a:blip r:embed="rId2"/>
+          <a:stretch>
+            <a:fillRect/>
+          </a:stretch>
+        </p:blipFill>
+        <p:spPr>
+          <a:xfrm>
+            <a:off x="8805096" y="662230"/>
+            <a:ext cx="2560321" cy="1706880"/>
+          </a:xfrm>
+          <a:prstGeom prst="rect">
+            <a:avLst/>
+          </a:prstGeom>
+        </p:spPr>
+      </p:pic>
+      <p:pic>
+        <p:nvPicPr>
+          <p:cNvPr id="7" name="Picture 6" descr="A close up of a map&#10;&#10;Description automatically generated">
+            <a:extLst>
+              <a:ext uri="{FF2B5EF4-FFF2-40B4-BE49-F238E27FC236}">
+                <a16:creationId xmlns:a16="http://schemas.microsoft.com/office/drawing/2014/main" id="{9F8027C9-8F7F-4269-A7AC-942D47196715}"/>
+              </a:ext>
+            </a:extLst>
+          </p:cNvPr>
+          <p:cNvPicPr>
+            <a:picLocks noChangeAspect="1"/>
+          </p:cNvPicPr>
+          <p:nvPr/>
+        </p:nvPicPr>
+        <p:blipFill>
+          <a:blip r:embed="rId3"/>
+          <a:stretch>
+            <a:fillRect/>
+          </a:stretch>
+        </p:blipFill>
+        <p:spPr>
+          <a:xfrm>
+            <a:off x="8805096" y="2574745"/>
+            <a:ext cx="2560322" cy="1706881"/>
+          </a:xfrm>
+          <a:prstGeom prst="rect">
+            <a:avLst/>
+          </a:prstGeom>
+        </p:spPr>
+      </p:pic>
+      <p:pic>
+        <p:nvPicPr>
+          <p:cNvPr id="9" name="Picture 8" descr="A close up of a map&#10;&#10;Description automatically generated">
+            <a:extLst>
+              <a:ext uri="{FF2B5EF4-FFF2-40B4-BE49-F238E27FC236}">
+                <a16:creationId xmlns:a16="http://schemas.microsoft.com/office/drawing/2014/main" id="{81400E30-7646-417A-97FE-1B31EF385E31}"/>
+              </a:ext>
+            </a:extLst>
+          </p:cNvPr>
+          <p:cNvPicPr>
+            <a:picLocks noChangeAspect="1"/>
+          </p:cNvPicPr>
+          <p:nvPr/>
+        </p:nvPicPr>
+        <p:blipFill>
+          <a:blip r:embed="rId4"/>
+          <a:stretch>
+            <a:fillRect/>
+          </a:stretch>
+        </p:blipFill>
+        <p:spPr>
+          <a:xfrm>
+            <a:off x="8805096" y="4488422"/>
+            <a:ext cx="2560322" cy="1706881"/>
+          </a:xfrm>
+          <a:prstGeom prst="rect">
+            <a:avLst/>
+          </a:prstGeom>
+        </p:spPr>
+      </p:pic>
+      <p:sp>
+        <p:nvSpPr>
+          <p:cNvPr id="3" name="Oval 2">
+            <a:extLst>
+              <a:ext uri="{FF2B5EF4-FFF2-40B4-BE49-F238E27FC236}">
+                <a16:creationId xmlns:a16="http://schemas.microsoft.com/office/drawing/2014/main" id="{E377EA1A-203D-4FEF-929A-F672B6F37F4D}"/>
+              </a:ext>
+            </a:extLst>
+          </p:cNvPr>
+          <p:cNvSpPr/>
+          <p:nvPr/>
+        </p:nvSpPr>
+        <p:spPr>
+          <a:xfrm>
+            <a:off x="8893908" y="5556738"/>
+            <a:ext cx="890954" cy="638565"/>
+          </a:xfrm>
+          <a:prstGeom prst="ellipse">
+            <a:avLst/>
+          </a:prstGeom>
+          <a:noFill/>
+        </p:spPr>
+        <p:style>
+          <a:lnRef idx="2">
+            <a:schemeClr val="accent1">
+              <a:shade val="50000"/>
+            </a:schemeClr>
+          </a:lnRef>
+          <a:fillRef idx="1">
+            <a:schemeClr val="accent1"/>
+          </a:fillRef>
+          <a:effectRef idx="0">
+            <a:schemeClr val="accent1"/>
+          </a:effectRef>
+          <a:fontRef idx="minor">
+            <a:schemeClr val="lt1"/>
+          </a:fontRef>
+        </p:style>
+        <p:txBody>
+          <a:bodyPr rtlCol="0" anchor="ctr"/>
+          <a:lstStyle/>
+          <a:p>
+            <a:pPr algn="ctr"/>
             <a:endParaRPr lang="en-US"/>
           </a:p>
         </p:txBody>
@@ -6406,7 +6783,7 @@
     </p:spTree>
     <p:extLst>
       <p:ext uri="{BB962C8B-B14F-4D97-AF65-F5344CB8AC3E}">
-        <p14:creationId xmlns:p14="http://schemas.microsoft.com/office/powerpoint/2010/main" val="2358015017"/>
+        <p14:creationId xmlns:p14="http://schemas.microsoft.com/office/powerpoint/2010/main" val="3656894859"/>
       </p:ext>
     </p:extLst>
   </p:cSld>
@@ -6419,6 +6796,14 @@
 <file path=ppt/slides/slide8.xml><?xml version="1.0" encoding="utf-8"?>
 <p:sld xmlns:a="http://schemas.openxmlformats.org/drawingml/2006/main" xmlns:r="http://schemas.openxmlformats.org/officeDocument/2006/relationships" xmlns:p="http://schemas.openxmlformats.org/presentationml/2006/main">
   <p:cSld>
+    <p:bg>
+      <p:bgPr>
+        <a:solidFill>
+          <a:schemeClr val="bg1"/>
+        </a:solidFill>
+        <a:effectLst/>
+      </p:bgPr>
+    </p:bg>
     <p:spTree>
       <p:nvGrpSpPr>
         <p:cNvPr id="1" name=""/>
@@ -6438,7 +6823,7 @@
           <p:cNvPr id="2" name="Title 1">
             <a:extLst>
               <a:ext uri="{FF2B5EF4-FFF2-40B4-BE49-F238E27FC236}">
-                <a16:creationId xmlns:a16="http://schemas.microsoft.com/office/drawing/2014/main" id="{16079B17-E0C3-4C21-A981-E4ACA0A7412B}"/>
+                <a16:creationId xmlns:a16="http://schemas.microsoft.com/office/drawing/2014/main" id="{AF914BDC-A786-4A80-99A2-934A1E7267A3}"/>
               </a:ext>
             </a:extLst>
           </p:cNvPr>
@@ -6449,39 +6834,443 @@
             <p:ph type="title"/>
           </p:nvPr>
         </p:nvSpPr>
-        <p:spPr/>
-        <p:txBody>
-          <a:bodyPr/>
+        <p:spPr>
+          <a:xfrm>
+            <a:off x="1024128" y="585216"/>
+            <a:ext cx="6066818" cy="1499616"/>
+          </a:xfrm>
+        </p:spPr>
+        <p:txBody>
+          <a:bodyPr>
+            <a:normAutofit/>
+          </a:bodyPr>
           <a:lstStyle/>
           <a:p>
             <a:r>
               <a:rPr lang="en-US" dirty="0"/>
-              <a:t>Pie Charts???</a:t>
-            </a:r>
-          </a:p>
-        </p:txBody>
-      </p:sp>
-      <p:sp>
-        <p:nvSpPr>
-          <p:cNvPr id="3" name="Content Placeholder 2">
+              <a:t>Scatter Plot Charts</a:t>
+            </a:r>
+          </a:p>
+        </p:txBody>
+      </p:sp>
+      <p:pic>
+        <p:nvPicPr>
+          <p:cNvPr id="22" name="Content Placeholder 21" descr="A close up of a map&#10;&#10;Description automatically generated">
             <a:extLst>
               <a:ext uri="{FF2B5EF4-FFF2-40B4-BE49-F238E27FC236}">
-                <a16:creationId xmlns:a16="http://schemas.microsoft.com/office/drawing/2014/main" id="{DD1DC79E-C3F2-48A1-B913-027D46554C11}"/>
+                <a16:creationId xmlns:a16="http://schemas.microsoft.com/office/drawing/2014/main" id="{B0BC4895-0489-42EB-B485-C49ED1518660}"/>
               </a:ext>
             </a:extLst>
           </p:cNvPr>
-          <p:cNvSpPr>
-            <a:spLocks noGrp="1"/>
-          </p:cNvSpPr>
-          <p:nvPr>
-            <p:ph idx="1"/>
-          </p:nvPr>
-        </p:nvSpPr>
-        <p:spPr/>
-        <p:txBody>
-          <a:bodyPr/>
-          <a:lstStyle/>
-          <a:p>
+          <p:cNvPicPr>
+            <a:picLocks noChangeAspect="1"/>
+          </p:cNvPicPr>
+          <p:nvPr/>
+        </p:nvPicPr>
+        <p:blipFill>
+          <a:blip r:embed="rId2"/>
+          <a:stretch>
+            <a:fillRect/>
+          </a:stretch>
+        </p:blipFill>
+        <p:spPr>
+          <a:xfrm>
+            <a:off x="7809653" y="3821430"/>
+            <a:ext cx="3942079" cy="2628053"/>
+          </a:xfrm>
+          <a:prstGeom prst="rect">
+            <a:avLst/>
+          </a:prstGeom>
+        </p:spPr>
+      </p:pic>
+      <p:pic>
+        <p:nvPicPr>
+          <p:cNvPr id="27" name="Picture 26" descr="A close up of a map&#10;&#10;Description automatically generated">
+            <a:extLst>
+              <a:ext uri="{FF2B5EF4-FFF2-40B4-BE49-F238E27FC236}">
+                <a16:creationId xmlns:a16="http://schemas.microsoft.com/office/drawing/2014/main" id="{CCE0B57E-1F97-41CE-A02E-D609565E025F}"/>
+              </a:ext>
+            </a:extLst>
+          </p:cNvPr>
+          <p:cNvPicPr>
+            <a:picLocks noChangeAspect="1"/>
+          </p:cNvPicPr>
+          <p:nvPr/>
+        </p:nvPicPr>
+        <p:blipFill>
+          <a:blip r:embed="rId3"/>
+          <a:stretch>
+            <a:fillRect/>
+          </a:stretch>
+        </p:blipFill>
+        <p:spPr>
+          <a:xfrm>
+            <a:off x="7809654" y="971973"/>
+            <a:ext cx="3942079" cy="2628053"/>
+          </a:xfrm>
+          <a:prstGeom prst="rect">
+            <a:avLst/>
+          </a:prstGeom>
+        </p:spPr>
+      </p:pic>
+      <p:sp>
+        <p:nvSpPr>
+          <p:cNvPr id="38" name="Content Placeholder 12">
+            <a:extLst>
+              <a:ext uri="{FF2B5EF4-FFF2-40B4-BE49-F238E27FC236}">
+                <a16:creationId xmlns:a16="http://schemas.microsoft.com/office/drawing/2014/main" id="{2A7C335B-98E9-4E5E-8827-35351A5050E7}"/>
+              </a:ext>
+            </a:extLst>
+          </p:cNvPr>
+          <p:cNvSpPr txBox="1">
+            <a:spLocks/>
+          </p:cNvSpPr>
+          <p:nvPr/>
+        </p:nvSpPr>
+        <p:spPr>
+          <a:xfrm>
+            <a:off x="829475" y="2128110"/>
+            <a:ext cx="7105744" cy="4023360"/>
+          </a:xfrm>
+          <a:prstGeom prst="rect">
+            <a:avLst/>
+          </a:prstGeom>
+        </p:spPr>
+        <p:txBody>
+          <a:bodyPr vert="horz" lIns="45720" tIns="45720" rIns="45720" bIns="45720" rtlCol="0">
+            <a:normAutofit lnSpcReduction="10000"/>
+          </a:bodyPr>
+          <a:lstStyle>
+            <a:lvl1pPr marL="91440" indent="-91440" algn="l" defTabSz="914400" rtl="0" eaLnBrk="1" latinLnBrk="0" hangingPunct="1">
+              <a:lnSpc>
+                <a:spcPct val="90000"/>
+              </a:lnSpc>
+              <a:spcBef>
+                <a:spcPts val="1200"/>
+              </a:spcBef>
+              <a:spcAft>
+                <a:spcPts val="200"/>
+              </a:spcAft>
+              <a:buClr>
+                <a:schemeClr val="accent2"/>
+              </a:buClr>
+              <a:buSzPct val="100000"/>
+              <a:buFont typeface="Tw Cen MT" panose="020B0602020104020603" pitchFamily="34" charset="0"/>
+              <a:buChar char=" "/>
+              <a:defRPr sz="2200" kern="1200">
+                <a:solidFill>
+                  <a:schemeClr val="tx1"/>
+                </a:solidFill>
+                <a:latin typeface="+mn-lt"/>
+                <a:ea typeface="+mn-ea"/>
+                <a:cs typeface="+mn-cs"/>
+              </a:defRPr>
+            </a:lvl1pPr>
+            <a:lvl2pPr marL="265176" indent="-137160" algn="l" defTabSz="914400" rtl="0" eaLnBrk="1" latinLnBrk="0" hangingPunct="1">
+              <a:lnSpc>
+                <a:spcPct val="90000"/>
+              </a:lnSpc>
+              <a:spcBef>
+                <a:spcPts val="200"/>
+              </a:spcBef>
+              <a:spcAft>
+                <a:spcPts val="400"/>
+              </a:spcAft>
+              <a:buClr>
+                <a:schemeClr val="accent2"/>
+              </a:buClr>
+              <a:buFont typeface="Wingdings 3" pitchFamily="18" charset="2"/>
+              <a:buChar char=""/>
+              <a:defRPr sz="1800" kern="1200">
+                <a:solidFill>
+                  <a:schemeClr val="tx1"/>
+                </a:solidFill>
+                <a:latin typeface="+mn-lt"/>
+                <a:ea typeface="+mn-ea"/>
+                <a:cs typeface="+mn-cs"/>
+              </a:defRPr>
+            </a:lvl2pPr>
+            <a:lvl3pPr marL="448056" indent="-137160" algn="l" defTabSz="914400" rtl="0" eaLnBrk="1" latinLnBrk="0" hangingPunct="1">
+              <a:lnSpc>
+                <a:spcPct val="90000"/>
+              </a:lnSpc>
+              <a:spcBef>
+                <a:spcPts val="200"/>
+              </a:spcBef>
+              <a:spcAft>
+                <a:spcPts val="400"/>
+              </a:spcAft>
+              <a:buClr>
+                <a:schemeClr val="accent2"/>
+              </a:buClr>
+              <a:buFont typeface="Wingdings 3" pitchFamily="18" charset="2"/>
+              <a:buChar char=""/>
+              <a:defRPr sz="1400" kern="1200">
+                <a:solidFill>
+                  <a:schemeClr val="tx1"/>
+                </a:solidFill>
+                <a:latin typeface="+mn-lt"/>
+                <a:ea typeface="+mn-ea"/>
+                <a:cs typeface="+mn-cs"/>
+              </a:defRPr>
+            </a:lvl3pPr>
+            <a:lvl4pPr marL="594360" indent="-137160" algn="l" defTabSz="914400" rtl="0" eaLnBrk="1" latinLnBrk="0" hangingPunct="1">
+              <a:lnSpc>
+                <a:spcPct val="90000"/>
+              </a:lnSpc>
+              <a:spcBef>
+                <a:spcPts val="200"/>
+              </a:spcBef>
+              <a:spcAft>
+                <a:spcPts val="400"/>
+              </a:spcAft>
+              <a:buClr>
+                <a:schemeClr val="accent2"/>
+              </a:buClr>
+              <a:buFont typeface="Wingdings 3" pitchFamily="18" charset="2"/>
+              <a:buChar char=""/>
+              <a:defRPr sz="1400" kern="1200">
+                <a:solidFill>
+                  <a:schemeClr val="tx1"/>
+                </a:solidFill>
+                <a:latin typeface="+mn-lt"/>
+                <a:ea typeface="+mn-ea"/>
+                <a:cs typeface="+mn-cs"/>
+              </a:defRPr>
+            </a:lvl4pPr>
+            <a:lvl5pPr marL="777240" indent="-137160" algn="l" defTabSz="914400" rtl="0" eaLnBrk="1" latinLnBrk="0" hangingPunct="1">
+              <a:lnSpc>
+                <a:spcPct val="90000"/>
+              </a:lnSpc>
+              <a:spcBef>
+                <a:spcPts val="200"/>
+              </a:spcBef>
+              <a:spcAft>
+                <a:spcPts val="400"/>
+              </a:spcAft>
+              <a:buClr>
+                <a:schemeClr val="accent2"/>
+              </a:buClr>
+              <a:buFont typeface="Wingdings 3" pitchFamily="18" charset="2"/>
+              <a:buChar char=""/>
+              <a:defRPr sz="1400" kern="1200">
+                <a:solidFill>
+                  <a:schemeClr val="tx1"/>
+                </a:solidFill>
+                <a:latin typeface="+mn-lt"/>
+                <a:ea typeface="+mn-ea"/>
+                <a:cs typeface="+mn-cs"/>
+              </a:defRPr>
+            </a:lvl5pPr>
+            <a:lvl6pPr marL="914400" indent="-137160" algn="l" defTabSz="914400" rtl="0" eaLnBrk="1" latinLnBrk="0" hangingPunct="1">
+              <a:lnSpc>
+                <a:spcPct val="90000"/>
+              </a:lnSpc>
+              <a:spcBef>
+                <a:spcPts val="200"/>
+              </a:spcBef>
+              <a:spcAft>
+                <a:spcPts val="400"/>
+              </a:spcAft>
+              <a:buClr>
+                <a:schemeClr val="accent2"/>
+              </a:buClr>
+              <a:buFont typeface="Wingdings 3" pitchFamily="18" charset="2"/>
+              <a:buChar char=""/>
+              <a:defRPr sz="1400" kern="1200">
+                <a:solidFill>
+                  <a:schemeClr val="tx1"/>
+                </a:solidFill>
+                <a:latin typeface="+mn-lt"/>
+                <a:ea typeface="+mn-ea"/>
+                <a:cs typeface="+mn-cs"/>
+              </a:defRPr>
+            </a:lvl6pPr>
+            <a:lvl7pPr marL="1060704" indent="-137160" algn="l" defTabSz="914400" rtl="0" eaLnBrk="1" latinLnBrk="0" hangingPunct="1">
+              <a:lnSpc>
+                <a:spcPct val="90000"/>
+              </a:lnSpc>
+              <a:spcBef>
+                <a:spcPts val="200"/>
+              </a:spcBef>
+              <a:spcAft>
+                <a:spcPts val="400"/>
+              </a:spcAft>
+              <a:buClr>
+                <a:schemeClr val="accent2"/>
+              </a:buClr>
+              <a:buFont typeface="Wingdings 3" pitchFamily="18" charset="2"/>
+              <a:buChar char=""/>
+              <a:defRPr sz="1400" kern="1200">
+                <a:solidFill>
+                  <a:schemeClr val="tx1"/>
+                </a:solidFill>
+                <a:latin typeface="+mn-lt"/>
+                <a:ea typeface="+mn-ea"/>
+                <a:cs typeface="+mn-cs"/>
+              </a:defRPr>
+            </a:lvl7pPr>
+            <a:lvl8pPr marL="1216152" indent="-137160" algn="l" defTabSz="914400" rtl="0" eaLnBrk="1" latinLnBrk="0" hangingPunct="1">
+              <a:lnSpc>
+                <a:spcPct val="90000"/>
+              </a:lnSpc>
+              <a:spcBef>
+                <a:spcPts val="200"/>
+              </a:spcBef>
+              <a:spcAft>
+                <a:spcPts val="400"/>
+              </a:spcAft>
+              <a:buClr>
+                <a:schemeClr val="accent2"/>
+              </a:buClr>
+              <a:buFont typeface="Wingdings 3" pitchFamily="18" charset="2"/>
+              <a:buChar char=""/>
+              <a:defRPr sz="1400" kern="1200">
+                <a:solidFill>
+                  <a:schemeClr val="tx1"/>
+                </a:solidFill>
+                <a:latin typeface="+mn-lt"/>
+                <a:ea typeface="+mn-ea"/>
+                <a:cs typeface="+mn-cs"/>
+              </a:defRPr>
+            </a:lvl8pPr>
+            <a:lvl9pPr marL="1362456" indent="-137160" algn="l" defTabSz="914400" rtl="0" eaLnBrk="1" latinLnBrk="0" hangingPunct="1">
+              <a:lnSpc>
+                <a:spcPct val="90000"/>
+              </a:lnSpc>
+              <a:spcBef>
+                <a:spcPts val="200"/>
+              </a:spcBef>
+              <a:spcAft>
+                <a:spcPts val="400"/>
+              </a:spcAft>
+              <a:buClr>
+                <a:schemeClr val="accent2"/>
+              </a:buClr>
+              <a:buFont typeface="Wingdings 3" pitchFamily="18" charset="2"/>
+              <a:buChar char=""/>
+              <a:defRPr sz="1400" kern="1200">
+                <a:solidFill>
+                  <a:schemeClr val="tx1"/>
+                </a:solidFill>
+                <a:latin typeface="+mn-lt"/>
+                <a:ea typeface="+mn-ea"/>
+                <a:cs typeface="+mn-cs"/>
+              </a:defRPr>
+            </a:lvl9pPr>
+          </a:lstStyle>
+          <a:p>
+            <a:pPr>
+              <a:buFont typeface="Wingdings" panose="05000000000000000000" pitchFamily="2" charset="2"/>
+              <a:buChar char="Ø"/>
+            </a:pPr>
+            <a:r>
+              <a:rPr lang="en-US" dirty="0"/>
+              <a:t> Starbucks stores in states vs Av. Income/state</a:t>
+            </a:r>
+          </a:p>
+          <a:p>
+            <a:pPr marL="0" indent="0">
+              <a:buFont typeface="Tw Cen MT" panose="020B0602020104020603" pitchFamily="34" charset="0"/>
+              <a:buNone/>
+            </a:pPr>
+            <a:r>
+              <a:rPr lang="en-US" dirty="0"/>
+              <a:t>	Correlation is very low (0.09)</a:t>
+            </a:r>
+          </a:p>
+          <a:p>
+            <a:pPr>
+              <a:buFont typeface="Wingdings" panose="05000000000000000000" pitchFamily="2" charset="2"/>
+              <a:buChar char="Ø"/>
+            </a:pPr>
+            <a:r>
+              <a:rPr lang="en-US" dirty="0"/>
+              <a:t>Starbucks stores/ state vs Av. Poverty/State</a:t>
+            </a:r>
+          </a:p>
+          <a:p>
+            <a:pPr marL="0" indent="0">
+              <a:buFont typeface="Tw Cen MT" panose="020B0602020104020603" pitchFamily="34" charset="0"/>
+              <a:buNone/>
+            </a:pPr>
+            <a:r>
+              <a:rPr lang="en-US" dirty="0"/>
+              <a:t>	</a:t>
+            </a:r>
+          </a:p>
+          <a:p>
+            <a:pPr marL="0" indent="0">
+              <a:buFont typeface="Tw Cen MT" panose="020B0602020104020603" pitchFamily="34" charset="0"/>
+              <a:buNone/>
+            </a:pPr>
+            <a:endParaRPr lang="en-US" dirty="0"/>
+          </a:p>
+          <a:p>
+            <a:pPr marL="0" indent="0">
+              <a:buFont typeface="Tw Cen MT" panose="020B0602020104020603" pitchFamily="34" charset="0"/>
+              <a:buNone/>
+            </a:pPr>
+            <a:r>
+              <a:rPr lang="en-US" dirty="0"/>
+              <a:t>It is evident that significant amount of dataset do not follow trend of higher the Ave Income /state – more the Starbucks stores</a:t>
+            </a:r>
+          </a:p>
+          <a:p>
+            <a:pPr marL="0" indent="0">
+              <a:buFont typeface="Tw Cen MT" panose="020B0602020104020603" pitchFamily="34" charset="0"/>
+              <a:buNone/>
+            </a:pPr>
+            <a:r>
+              <a:rPr lang="en-US" dirty="0"/>
+              <a:t>Similarly higher the poverty level /state do not reflect decrease in stores/state with increase in poverty% /state</a:t>
+            </a:r>
+          </a:p>
+        </p:txBody>
+      </p:sp>
+      <p:sp>
+        <p:nvSpPr>
+          <p:cNvPr id="3" name="Oval 2">
+            <a:extLst>
+              <a:ext uri="{FF2B5EF4-FFF2-40B4-BE49-F238E27FC236}">
+                <a16:creationId xmlns:a16="http://schemas.microsoft.com/office/drawing/2014/main" id="{FF733C57-1E49-494E-AD2D-78DC95F7E869}"/>
+              </a:ext>
+            </a:extLst>
+          </p:cNvPr>
+          <p:cNvSpPr/>
+          <p:nvPr/>
+        </p:nvSpPr>
+        <p:spPr>
+          <a:xfrm>
+            <a:off x="8253046" y="4064000"/>
+            <a:ext cx="476739" cy="2087470"/>
+          </a:xfrm>
+          <a:prstGeom prst="ellipse">
+            <a:avLst/>
+          </a:prstGeom>
+          <a:noFill/>
+        </p:spPr>
+        <p:style>
+          <a:lnRef idx="2">
+            <a:schemeClr val="accent1">
+              <a:shade val="50000"/>
+            </a:schemeClr>
+          </a:lnRef>
+          <a:fillRef idx="1">
+            <a:schemeClr val="accent1"/>
+          </a:fillRef>
+          <a:effectRef idx="0">
+            <a:schemeClr val="accent1"/>
+          </a:effectRef>
+          <a:fontRef idx="minor">
+            <a:schemeClr val="lt1"/>
+          </a:fontRef>
+        </p:style>
+        <p:txBody>
+          <a:bodyPr rtlCol="0" anchor="ctr"/>
+          <a:lstStyle/>
+          <a:p>
+            <a:pPr algn="ctr"/>
             <a:endParaRPr lang="en-US"/>
           </a:p>
         </p:txBody>
@@ -6489,7 +7278,7 @@
     </p:spTree>
     <p:extLst>
       <p:ext uri="{BB962C8B-B14F-4D97-AF65-F5344CB8AC3E}">
-        <p14:creationId xmlns:p14="http://schemas.microsoft.com/office/powerpoint/2010/main" val="2947838600"/>
+        <p14:creationId xmlns:p14="http://schemas.microsoft.com/office/powerpoint/2010/main" val="4245158311"/>
       </p:ext>
     </p:extLst>
   </p:cSld>
@@ -6521,7 +7310,7 @@
           <p:cNvPr id="2" name="Title 1">
             <a:extLst>
               <a:ext uri="{FF2B5EF4-FFF2-40B4-BE49-F238E27FC236}">
-                <a16:creationId xmlns:a16="http://schemas.microsoft.com/office/drawing/2014/main" id="{DFEF73C5-79B5-4B1C-AA88-3C8CB61C2DA8}"/>
+                <a16:creationId xmlns:a16="http://schemas.microsoft.com/office/drawing/2014/main" id="{AF914BDC-A786-4A80-99A2-934A1E7267A3}"/>
               </a:ext>
             </a:extLst>
           </p:cNvPr>
@@ -6539,7 +7328,7 @@
           <a:p>
             <a:r>
               <a:rPr lang="en-US" dirty="0"/>
-              <a:t>Correlation charts</a:t>
+              <a:t>Scatter Plot Charts</a:t>
             </a:r>
           </a:p>
         </p:txBody>
@@ -6549,7 +7338,7 @@
           <p:cNvPr id="3" name="Content Placeholder 2">
             <a:extLst>
               <a:ext uri="{FF2B5EF4-FFF2-40B4-BE49-F238E27FC236}">
-                <a16:creationId xmlns:a16="http://schemas.microsoft.com/office/drawing/2014/main" id="{6A709681-0FEF-44FA-A3F4-12885CB3D58B}"/>
+                <a16:creationId xmlns:a16="http://schemas.microsoft.com/office/drawing/2014/main" id="{52756F33-6D5E-428F-9F09-5DF4EA1A2140}"/>
               </a:ext>
             </a:extLst>
           </p:cNvPr>
@@ -6572,7 +7361,7 @@
     </p:spTree>
     <p:extLst>
       <p:ext uri="{BB962C8B-B14F-4D97-AF65-F5344CB8AC3E}">
-        <p14:creationId xmlns:p14="http://schemas.microsoft.com/office/powerpoint/2010/main" val="576569707"/>
+        <p14:creationId xmlns:p14="http://schemas.microsoft.com/office/powerpoint/2010/main" val="310644020"/>
       </p:ext>
     </p:extLst>
   </p:cSld>

--- a/Deeper dive and analysis of Starbucks locations.pptx
+++ b/Deeper dive and analysis of Starbucks locations.pptx
@@ -5,10 +5,10 @@
     <p:sldMasterId id="2147483852" r:id="rId4"/>
   </p:sldMasterIdLst>
   <p:notesMasterIdLst>
-    <p:notesMasterId r:id="rId19"/>
+    <p:notesMasterId r:id="rId16"/>
   </p:notesMasterIdLst>
   <p:handoutMasterIdLst>
-    <p:handoutMasterId r:id="rId20"/>
+    <p:handoutMasterId r:id="rId17"/>
   </p:handoutMasterIdLst>
   <p:sldIdLst>
     <p:sldId id="256" r:id="rId5"/>
@@ -19,12 +19,9 @@
     <p:sldId id="269" r:id="rId10"/>
     <p:sldId id="272" r:id="rId11"/>
     <p:sldId id="270" r:id="rId12"/>
-    <p:sldId id="271" r:id="rId13"/>
-    <p:sldId id="265" r:id="rId14"/>
-    <p:sldId id="266" r:id="rId15"/>
-    <p:sldId id="267" r:id="rId16"/>
-    <p:sldId id="259" r:id="rId17"/>
-    <p:sldId id="260" r:id="rId18"/>
+    <p:sldId id="273" r:id="rId13"/>
+    <p:sldId id="274" r:id="rId14"/>
+    <p:sldId id="259" r:id="rId15"/>
   </p:sldIdLst>
   <p:sldSz cx="12192000" cy="6858000"/>
   <p:notesSz cx="6858000" cy="9144000"/>
@@ -140,20 +137,6 @@
 </p:cmAuthorLst>
 </file>
 
-<file path=ppt/comments/comment1.xml><?xml version="1.0" encoding="utf-8"?>
-<p:cmLst xmlns:a="http://schemas.openxmlformats.org/drawingml/2006/main" xmlns:r="http://schemas.openxmlformats.org/officeDocument/2006/relationships" xmlns:p="http://schemas.openxmlformats.org/presentationml/2006/main">
-  <p:cm authorId="2" dt="2020-06-21T21:11:50.196" idx="1">
-    <p:pos x="10" y="10"/>
-    <p:text/>
-    <p:extLst>
-      <p:ext uri="{C676402C-5697-4E1C-873F-D02D1690AC5C}">
-        <p15:threadingInfo xmlns:p15="http://schemas.microsoft.com/office/powerpoint/2012/main" timeZoneBias="300"/>
-      </p:ext>
-    </p:extLst>
-  </p:cm>
-</p:cmLst>
-</file>
-
 <file path=ppt/handoutMasters/handoutMaster1.xml><?xml version="1.0" encoding="utf-8"?>
 <p:handoutMaster xmlns:a="http://schemas.openxmlformats.org/drawingml/2006/main" xmlns:r="http://schemas.openxmlformats.org/officeDocument/2006/relationships" xmlns:p="http://schemas.openxmlformats.org/presentationml/2006/main">
   <p:cSld>
@@ -248,7 +231,7 @@
           <a:p>
             <a:fld id="{3E35D1AD-E24C-4E82-BC85-28527A42DCE7}" type="datetimeFigureOut">
               <a:rPr lang="en-US" smtClean="0"/>
-              <a:t>6/22/2020</a:t>
+              <a:t>6/23/2020</a:t>
             </a:fld>
             <a:endParaRPr lang="en-US" dirty="0"/>
           </a:p>
@@ -425,7 +408,7 @@
           <a:p>
             <a:fld id="{7255EA34-3951-4B6D-8DDD-B157CE00471C}" type="datetimeFigureOut">
               <a:rPr lang="en-US" smtClean="0"/>
-              <a:t>6/22/2020</a:t>
+              <a:t>6/23/2020</a:t>
             </a:fld>
             <a:endParaRPr lang="en-US" dirty="0"/>
           </a:p>
@@ -1009,7 +992,7 @@
           <a:p>
             <a:fld id="{4AB3E965-974B-498D-B360-83DD1F9DEB55}" type="slidenum">
               <a:rPr lang="en-US" smtClean="0"/>
-              <a:t>13</a:t>
+              <a:t>11</a:t>
             </a:fld>
             <a:endParaRPr lang="en-US" dirty="0"/>
           </a:p>
@@ -1019,90 +1002,6 @@
     <p:extLst>
       <p:ext uri="{BB962C8B-B14F-4D97-AF65-F5344CB8AC3E}">
         <p14:creationId xmlns:p14="http://schemas.microsoft.com/office/powerpoint/2010/main" val="293586131"/>
-      </p:ext>
-    </p:extLst>
-  </p:cSld>
-  <p:clrMapOvr>
-    <a:masterClrMapping/>
-  </p:clrMapOvr>
-</p:notes>
-</file>
-
-<file path=ppt/notesSlides/notesSlide5.xml><?xml version="1.0" encoding="utf-8"?>
-<p:notes xmlns:a="http://schemas.openxmlformats.org/drawingml/2006/main" xmlns:r="http://schemas.openxmlformats.org/officeDocument/2006/relationships" xmlns:p="http://schemas.openxmlformats.org/presentationml/2006/main">
-  <p:cSld>
-    <p:spTree>
-      <p:nvGrpSpPr>
-        <p:cNvPr id="1" name=""/>
-        <p:cNvGrpSpPr/>
-        <p:nvPr/>
-      </p:nvGrpSpPr>
-      <p:grpSpPr>
-        <a:xfrm>
-          <a:off x="0" y="0"/>
-          <a:ext cx="0" cy="0"/>
-          <a:chOff x="0" y="0"/>
-          <a:chExt cx="0" cy="0"/>
-        </a:xfrm>
-      </p:grpSpPr>
-      <p:sp>
-        <p:nvSpPr>
-          <p:cNvPr id="2" name="Slide Image Placeholder 1"/>
-          <p:cNvSpPr>
-            <a:spLocks noGrp="1" noRot="1" noChangeAspect="1"/>
-          </p:cNvSpPr>
-          <p:nvPr>
-            <p:ph type="sldImg"/>
-          </p:nvPr>
-        </p:nvSpPr>
-        <p:spPr/>
-      </p:sp>
-      <p:sp>
-        <p:nvSpPr>
-          <p:cNvPr id="3" name="Notes Placeholder 2"/>
-          <p:cNvSpPr>
-            <a:spLocks noGrp="1"/>
-          </p:cNvSpPr>
-          <p:nvPr>
-            <p:ph type="body" idx="1"/>
-          </p:nvPr>
-        </p:nvSpPr>
-        <p:spPr/>
-        <p:txBody>
-          <a:bodyPr/>
-          <a:lstStyle/>
-          <a:p>
-            <a:endParaRPr lang="en-US" dirty="0"/>
-          </a:p>
-        </p:txBody>
-      </p:sp>
-      <p:sp>
-        <p:nvSpPr>
-          <p:cNvPr id="4" name="Slide Number Placeholder 3"/>
-          <p:cNvSpPr>
-            <a:spLocks noGrp="1"/>
-          </p:cNvSpPr>
-          <p:nvPr>
-            <p:ph type="sldNum" sz="quarter" idx="5"/>
-          </p:nvPr>
-        </p:nvSpPr>
-        <p:spPr/>
-        <p:txBody>
-          <a:bodyPr/>
-          <a:lstStyle/>
-          <a:p>
-            <a:fld id="{4AB3E965-974B-498D-B360-83DD1F9DEB55}" type="slidenum">
-              <a:rPr lang="en-US" smtClean="0"/>
-              <a:t>14</a:t>
-            </a:fld>
-            <a:endParaRPr lang="en-US" dirty="0"/>
-          </a:p>
-        </p:txBody>
-      </p:sp>
-    </p:spTree>
-    <p:extLst>
-      <p:ext uri="{BB962C8B-B14F-4D97-AF65-F5344CB8AC3E}">
-        <p14:creationId xmlns:p14="http://schemas.microsoft.com/office/powerpoint/2010/main" val="2452642985"/>
       </p:ext>
     </p:extLst>
   </p:cSld>
@@ -1262,7 +1161,7 @@
           <a:p>
             <a:fld id="{9AB3A824-1A51-4B26-AD58-A6D8E14F6C04}" type="datetimeFigureOut">
               <a:rPr lang="en-US" noProof="0" smtClean="0"/>
-              <a:t>6/22/2020</a:t>
+              <a:t>6/23/2020</a:t>
             </a:fld>
             <a:endParaRPr lang="en-US" noProof="0" dirty="0"/>
           </a:p>
@@ -1509,7 +1408,7 @@
           <a:p>
             <a:fld id="{D857E33E-8B18-4087-B112-809917729534}" type="datetimeFigureOut">
               <a:rPr lang="en-US" smtClean="0"/>
-              <a:t>6/22/2020</a:t>
+              <a:t>6/23/2020</a:t>
             </a:fld>
             <a:endParaRPr lang="en-US" dirty="0"/>
           </a:p>
@@ -1693,7 +1592,7 @@
           <a:p>
             <a:fld id="{D3FFE419-2371-464F-8239-3959401C3561}" type="datetimeFigureOut">
               <a:rPr lang="en-US" smtClean="0"/>
-              <a:t>6/22/2020</a:t>
+              <a:t>6/23/2020</a:t>
             </a:fld>
             <a:endParaRPr lang="en-US" dirty="0"/>
           </a:p>
@@ -1900,7 +1799,7 @@
           <a:p>
             <a:fld id="{97D162C4-EDD9-4389-A98B-B87ECEA2A816}" type="datetimeFigureOut">
               <a:rPr lang="en-US" noProof="0" smtClean="0"/>
-              <a:t>6/22/2020</a:t>
+              <a:t>6/23/2020</a:t>
             </a:fld>
             <a:endParaRPr lang="en-US" noProof="0" dirty="0"/>
           </a:p>
@@ -2160,7 +2059,7 @@
           <a:p>
             <a:fld id="{3E5059C3-6A89-4494-99FF-5A4D6FFD50EB}" type="datetimeFigureOut">
               <a:rPr lang="en-US" noProof="0" smtClean="0"/>
-              <a:t>6/22/2020</a:t>
+              <a:t>6/23/2020</a:t>
             </a:fld>
             <a:endParaRPr lang="en-US" noProof="0" dirty="0"/>
           </a:p>
@@ -2508,7 +2407,7 @@
           <a:p>
             <a:fld id="{CA954B2F-12DE-47F5-8894-472B206D2E1E}" type="datetimeFigureOut">
               <a:rPr lang="en-US" noProof="0" smtClean="0"/>
-              <a:t>6/22/2020</a:t>
+              <a:t>6/23/2020</a:t>
             </a:fld>
             <a:endParaRPr lang="en-US" noProof="0" dirty="0"/>
           </a:p>
@@ -2914,7 +2813,7 @@
           <a:p>
             <a:fld id="{3F30E46F-7819-4ACF-B48B-48222C2ACC88}" type="datetimeFigureOut">
               <a:rPr lang="en-US" smtClean="0"/>
-              <a:t>6/22/2020</a:t>
+              <a:t>6/23/2020</a:t>
             </a:fld>
             <a:endParaRPr lang="en-US" dirty="0"/>
           </a:p>
@@ -3036,7 +2935,7 @@
           <a:p>
             <a:fld id="{1FAF3416-4057-4DAA-829D-4CA07428D088}" type="datetimeFigureOut">
               <a:rPr lang="en-US" smtClean="0"/>
-              <a:t>6/22/2020</a:t>
+              <a:t>6/23/2020</a:t>
             </a:fld>
             <a:endParaRPr lang="en-US" dirty="0"/>
           </a:p>
@@ -3135,7 +3034,7 @@
           <a:p>
             <a:fld id="{921D9284-D300-4297-87F7-E791DCC15DB1}" type="datetimeFigureOut">
               <a:rPr lang="en-US" smtClean="0"/>
-              <a:t>6/22/2020</a:t>
+              <a:t>6/23/2020</a:t>
             </a:fld>
             <a:endParaRPr lang="en-US" dirty="0"/>
           </a:p>
@@ -3429,7 +3328,7 @@
           <a:p>
             <a:fld id="{37D525BB-DA17-4BA0-B3C8-3AC3ABC827E6}" type="datetimeFigureOut">
               <a:rPr lang="en-US" smtClean="0"/>
-              <a:t>6/22/2020</a:t>
+              <a:t>6/23/2020</a:t>
             </a:fld>
             <a:endParaRPr lang="en-US" dirty="0"/>
           </a:p>
@@ -3713,7 +3612,7 @@
           <a:p>
             <a:fld id="{B16C4C9A-3960-41CF-A4E9-2A8FB932454B}" type="datetimeFigureOut">
               <a:rPr lang="en-US" smtClean="0"/>
-              <a:t>6/22/2020</a:t>
+              <a:t>6/23/2020</a:t>
             </a:fld>
             <a:endParaRPr lang="en-US" dirty="0"/>
           </a:p>
@@ -3965,7 +3864,7 @@
           <a:p>
             <a:fld id="{3CBC1C18-307B-4F68-A007-B5B542270E8D}" type="datetimeFigureOut">
               <a:rPr lang="en-US" noProof="0" smtClean="0"/>
-              <a:t>6/22/2020</a:t>
+              <a:t>6/23/2020</a:t>
             </a:fld>
             <a:endParaRPr lang="en-US" noProof="0" dirty="0"/>
           </a:p>
@@ -4768,7 +4667,7 @@
           <p:cNvPr id="2" name="Title 1">
             <a:extLst>
               <a:ext uri="{FF2B5EF4-FFF2-40B4-BE49-F238E27FC236}">
-                <a16:creationId xmlns:a16="http://schemas.microsoft.com/office/drawing/2014/main" id="{16079B17-E0C3-4C21-A981-E4ACA0A7412B}"/>
+                <a16:creationId xmlns:a16="http://schemas.microsoft.com/office/drawing/2014/main" id="{F8AB5070-B80C-4CF7-830B-D649EE746C4D}"/>
               </a:ext>
             </a:extLst>
           </p:cNvPr>
@@ -4786,7 +4685,7 @@
           <a:p>
             <a:r>
               <a:rPr lang="en-US" dirty="0"/>
-              <a:t>Pie Charts???</a:t>
+              <a:t>Heat maps</a:t>
             </a:r>
           </a:p>
         </p:txBody>
@@ -4796,7 +4695,7 @@
           <p:cNvPr id="3" name="Content Placeholder 2">
             <a:extLst>
               <a:ext uri="{FF2B5EF4-FFF2-40B4-BE49-F238E27FC236}">
-                <a16:creationId xmlns:a16="http://schemas.microsoft.com/office/drawing/2014/main" id="{DD1DC79E-C3F2-48A1-B913-027D46554C11}"/>
+                <a16:creationId xmlns:a16="http://schemas.microsoft.com/office/drawing/2014/main" id="{A1FA00D6-F9E8-421E-9460-3C88C14EB180}"/>
               </a:ext>
             </a:extLst>
           </p:cNvPr>
@@ -4812,14 +4711,14 @@
           <a:bodyPr/>
           <a:lstStyle/>
           <a:p>
-            <a:endParaRPr lang="en-US"/>
+            <a:endParaRPr lang="en-US" dirty="0"/>
           </a:p>
         </p:txBody>
       </p:sp>
     </p:spTree>
     <p:extLst>
       <p:ext uri="{BB962C8B-B14F-4D97-AF65-F5344CB8AC3E}">
-        <p14:creationId xmlns:p14="http://schemas.microsoft.com/office/powerpoint/2010/main" val="2947838600"/>
+        <p14:creationId xmlns:p14="http://schemas.microsoft.com/office/powerpoint/2010/main" val="2731402024"/>
       </p:ext>
     </p:extLst>
   </p:cSld>
@@ -4830,172 +4729,6 @@
 </file>
 
 <file path=ppt/slides/slide11.xml><?xml version="1.0" encoding="utf-8"?>
-<p:sld xmlns:a="http://schemas.openxmlformats.org/drawingml/2006/main" xmlns:r="http://schemas.openxmlformats.org/officeDocument/2006/relationships" xmlns:p="http://schemas.openxmlformats.org/presentationml/2006/main">
-  <p:cSld>
-    <p:spTree>
-      <p:nvGrpSpPr>
-        <p:cNvPr id="1" name=""/>
-        <p:cNvGrpSpPr/>
-        <p:nvPr/>
-      </p:nvGrpSpPr>
-      <p:grpSpPr>
-        <a:xfrm>
-          <a:off x="0" y="0"/>
-          <a:ext cx="0" cy="0"/>
-          <a:chOff x="0" y="0"/>
-          <a:chExt cx="0" cy="0"/>
-        </a:xfrm>
-      </p:grpSpPr>
-      <p:sp>
-        <p:nvSpPr>
-          <p:cNvPr id="2" name="Title 1">
-            <a:extLst>
-              <a:ext uri="{FF2B5EF4-FFF2-40B4-BE49-F238E27FC236}">
-                <a16:creationId xmlns:a16="http://schemas.microsoft.com/office/drawing/2014/main" id="{DFEF73C5-79B5-4B1C-AA88-3C8CB61C2DA8}"/>
-              </a:ext>
-            </a:extLst>
-          </p:cNvPr>
-          <p:cNvSpPr>
-            <a:spLocks noGrp="1"/>
-          </p:cNvSpPr>
-          <p:nvPr>
-            <p:ph type="title"/>
-          </p:nvPr>
-        </p:nvSpPr>
-        <p:spPr/>
-        <p:txBody>
-          <a:bodyPr/>
-          <a:lstStyle/>
-          <a:p>
-            <a:r>
-              <a:rPr lang="en-US" dirty="0"/>
-              <a:t>Correlation charts</a:t>
-            </a:r>
-          </a:p>
-        </p:txBody>
-      </p:sp>
-      <p:sp>
-        <p:nvSpPr>
-          <p:cNvPr id="3" name="Content Placeholder 2">
-            <a:extLst>
-              <a:ext uri="{FF2B5EF4-FFF2-40B4-BE49-F238E27FC236}">
-                <a16:creationId xmlns:a16="http://schemas.microsoft.com/office/drawing/2014/main" id="{6A709681-0FEF-44FA-A3F4-12885CB3D58B}"/>
-              </a:ext>
-            </a:extLst>
-          </p:cNvPr>
-          <p:cNvSpPr>
-            <a:spLocks noGrp="1"/>
-          </p:cNvSpPr>
-          <p:nvPr>
-            <p:ph idx="1"/>
-          </p:nvPr>
-        </p:nvSpPr>
-        <p:spPr/>
-        <p:txBody>
-          <a:bodyPr/>
-          <a:lstStyle/>
-          <a:p>
-            <a:endParaRPr lang="en-US"/>
-          </a:p>
-        </p:txBody>
-      </p:sp>
-    </p:spTree>
-    <p:extLst>
-      <p:ext uri="{BB962C8B-B14F-4D97-AF65-F5344CB8AC3E}">
-        <p14:creationId xmlns:p14="http://schemas.microsoft.com/office/powerpoint/2010/main" val="576569707"/>
-      </p:ext>
-    </p:extLst>
-  </p:cSld>
-  <p:clrMapOvr>
-    <a:masterClrMapping/>
-  </p:clrMapOvr>
-</p:sld>
-</file>
-
-<file path=ppt/slides/slide12.xml><?xml version="1.0" encoding="utf-8"?>
-<p:sld xmlns:a="http://schemas.openxmlformats.org/drawingml/2006/main" xmlns:r="http://schemas.openxmlformats.org/officeDocument/2006/relationships" xmlns:p="http://schemas.openxmlformats.org/presentationml/2006/main">
-  <p:cSld>
-    <p:spTree>
-      <p:nvGrpSpPr>
-        <p:cNvPr id="1" name=""/>
-        <p:cNvGrpSpPr/>
-        <p:nvPr/>
-      </p:nvGrpSpPr>
-      <p:grpSpPr>
-        <a:xfrm>
-          <a:off x="0" y="0"/>
-          <a:ext cx="0" cy="0"/>
-          <a:chOff x="0" y="0"/>
-          <a:chExt cx="0" cy="0"/>
-        </a:xfrm>
-      </p:grpSpPr>
-      <p:sp>
-        <p:nvSpPr>
-          <p:cNvPr id="2" name="Title 1">
-            <a:extLst>
-              <a:ext uri="{FF2B5EF4-FFF2-40B4-BE49-F238E27FC236}">
-                <a16:creationId xmlns:a16="http://schemas.microsoft.com/office/drawing/2014/main" id="{E58C9774-41DF-42DC-82F0-5987EF0208E5}"/>
-              </a:ext>
-            </a:extLst>
-          </p:cNvPr>
-          <p:cNvSpPr>
-            <a:spLocks noGrp="1"/>
-          </p:cNvSpPr>
-          <p:nvPr>
-            <p:ph type="title"/>
-          </p:nvPr>
-        </p:nvSpPr>
-        <p:spPr/>
-        <p:txBody>
-          <a:bodyPr/>
-          <a:lstStyle/>
-          <a:p>
-            <a:r>
-              <a:rPr lang="en-US" dirty="0"/>
-              <a:t>Heat map</a:t>
-            </a:r>
-          </a:p>
-        </p:txBody>
-      </p:sp>
-      <p:sp>
-        <p:nvSpPr>
-          <p:cNvPr id="3" name="Content Placeholder 2">
-            <a:extLst>
-              <a:ext uri="{FF2B5EF4-FFF2-40B4-BE49-F238E27FC236}">
-                <a16:creationId xmlns:a16="http://schemas.microsoft.com/office/drawing/2014/main" id="{5E07E533-B478-4C43-81B0-E8BD124B9924}"/>
-              </a:ext>
-            </a:extLst>
-          </p:cNvPr>
-          <p:cNvSpPr>
-            <a:spLocks noGrp="1"/>
-          </p:cNvSpPr>
-          <p:nvPr>
-            <p:ph idx="1"/>
-          </p:nvPr>
-        </p:nvSpPr>
-        <p:spPr/>
-        <p:txBody>
-          <a:bodyPr/>
-          <a:lstStyle/>
-          <a:p>
-            <a:endParaRPr lang="en-US"/>
-          </a:p>
-        </p:txBody>
-      </p:sp>
-    </p:spTree>
-    <p:extLst>
-      <p:ext uri="{BB962C8B-B14F-4D97-AF65-F5344CB8AC3E}">
-        <p14:creationId xmlns:p14="http://schemas.microsoft.com/office/powerpoint/2010/main" val="427240729"/>
-      </p:ext>
-    </p:extLst>
-  </p:cSld>
-  <p:clrMapOvr>
-    <a:masterClrMapping/>
-  </p:clrMapOvr>
-</p:sld>
-</file>
-
-<file path=ppt/slides/slide13.xml><?xml version="1.0" encoding="utf-8"?>
 <p:sld xmlns:a="http://schemas.openxmlformats.org/drawingml/2006/main" xmlns:r="http://schemas.openxmlformats.org/officeDocument/2006/relationships" xmlns:p="http://schemas.openxmlformats.org/presentationml/2006/main">
   <p:cSld>
     <p:bg>
@@ -5084,7 +4817,13 @@
           </a:bodyPr>
           <a:lstStyle/>
           <a:p>
-            <a:endParaRPr lang="en-US" dirty="0"/>
+            <a:pPr marL="0" indent="0">
+              <a:buNone/>
+            </a:pPr>
+            <a:r>
+              <a:rPr lang="en-US" dirty="0"/>
+              <a:t>Overall this dataset </a:t>
+            </a:r>
           </a:p>
         </p:txBody>
       </p:sp>
@@ -5137,353 +4876,6 @@
 </p:sld>
 </file>
 
-<file path=ppt/slides/slide14.xml><?xml version="1.0" encoding="utf-8"?>
-<p:sld xmlns:a="http://schemas.openxmlformats.org/drawingml/2006/main" xmlns:r="http://schemas.openxmlformats.org/officeDocument/2006/relationships" xmlns:p="http://schemas.openxmlformats.org/presentationml/2006/main">
-  <p:cSld>
-    <p:bg>
-      <p:bgPr>
-        <a:solidFill>
-          <a:schemeClr val="bg1"/>
-        </a:solidFill>
-        <a:effectLst/>
-      </p:bgPr>
-    </p:bg>
-    <p:spTree>
-      <p:nvGrpSpPr>
-        <p:cNvPr id="1" name=""/>
-        <p:cNvGrpSpPr/>
-        <p:nvPr/>
-      </p:nvGrpSpPr>
-      <p:grpSpPr>
-        <a:xfrm>
-          <a:off x="0" y="0"/>
-          <a:ext cx="0" cy="0"/>
-          <a:chOff x="0" y="0"/>
-          <a:chExt cx="0" cy="0"/>
-        </a:xfrm>
-      </p:grpSpPr>
-      <p:sp>
-        <p:nvSpPr>
-          <p:cNvPr id="10" name="Rectangle 9">
-            <a:extLst>
-              <a:ext uri="{FF2B5EF4-FFF2-40B4-BE49-F238E27FC236}">
-                <a16:creationId xmlns:a16="http://schemas.microsoft.com/office/drawing/2014/main" id="{E1063F05-99EF-4DA3-B595-4E26670F29F9}"/>
-              </a:ext>
-              <a:ext uri="{C183D7F6-B498-43B3-948B-1728B52AA6E4}">
-                <adec:decorative xmlns:adec="http://schemas.microsoft.com/office/drawing/2017/decorative" val="1"/>
-              </a:ext>
-            </a:extLst>
-          </p:cNvPr>
-          <p:cNvSpPr>
-            <a:spLocks noGrp="1" noRot="1" noChangeAspect="1" noMove="1" noResize="1" noEditPoints="1" noAdjustHandles="1" noChangeArrowheads="1" noChangeShapeType="1" noTextEdit="1"/>
-          </p:cNvSpPr>
-          <p:nvPr>
-            <p:extLst>
-              <p:ext uri="{386F3935-93C4-4BCD-93E2-E3B085C9AB24}">
-                <p16:designElem xmlns:p16="http://schemas.microsoft.com/office/powerpoint/2015/main" val="1"/>
-              </p:ext>
-            </p:extLst>
-          </p:nvPr>
-        </p:nvSpPr>
-        <p:spPr>
-          <a:xfrm>
-            <a:off x="0" y="0"/>
-            <a:ext cx="5468548" cy="6858000"/>
-          </a:xfrm>
-          <a:prstGeom prst="rect">
-            <a:avLst/>
-          </a:prstGeom>
-          <a:gradFill>
-            <a:gsLst>
-              <a:gs pos="0">
-                <a:schemeClr val="accent6">
-                  <a:lumMod val="50000"/>
-                </a:schemeClr>
-              </a:gs>
-              <a:gs pos="100000">
-                <a:schemeClr val="bg1"/>
-              </a:gs>
-            </a:gsLst>
-            <a:lin ang="7800000" scaled="0"/>
-          </a:gradFill>
-          <a:ln>
-            <a:noFill/>
-          </a:ln>
-        </p:spPr>
-        <p:style>
-          <a:lnRef idx="2">
-            <a:schemeClr val="accent1">
-              <a:shade val="50000"/>
-            </a:schemeClr>
-          </a:lnRef>
-          <a:fillRef idx="1">
-            <a:schemeClr val="accent1"/>
-          </a:fillRef>
-          <a:effectRef idx="0">
-            <a:schemeClr val="accent1"/>
-          </a:effectRef>
-          <a:fontRef idx="minor">
-            <a:schemeClr val="lt1"/>
-          </a:fontRef>
-        </p:style>
-        <p:txBody>
-          <a:bodyPr rtlCol="0" anchor="ctr"/>
-          <a:lstStyle/>
-          <a:p>
-            <a:pPr algn="ctr"/>
-            <a:endParaRPr lang="en-US" dirty="0"/>
-          </a:p>
-        </p:txBody>
-      </p:sp>
-      <p:sp>
-        <p:nvSpPr>
-          <p:cNvPr id="2" name="Title 1">
-            <a:extLst>
-              <a:ext uri="{FF2B5EF4-FFF2-40B4-BE49-F238E27FC236}">
-                <a16:creationId xmlns:a16="http://schemas.microsoft.com/office/drawing/2014/main" id="{BD904461-E85A-43E7-AA0B-B7DF596CA62F}"/>
-              </a:ext>
-            </a:extLst>
-          </p:cNvPr>
-          <p:cNvSpPr>
-            <a:spLocks noGrp="1"/>
-          </p:cNvSpPr>
-          <p:nvPr>
-            <p:ph type="title"/>
-          </p:nvPr>
-        </p:nvSpPr>
-        <p:spPr>
-          <a:xfrm>
-            <a:off x="1024129" y="585216"/>
-            <a:ext cx="3779085" cy="1499616"/>
-          </a:xfrm>
-          <a:prstGeom prst="rect">
-            <a:avLst/>
-          </a:prstGeom>
-        </p:spPr>
-        <p:txBody>
-          <a:bodyPr lIns="0" tIns="108000">
-            <a:normAutofit/>
-          </a:bodyPr>
-          <a:lstStyle/>
-          <a:p>
-            <a:r>
-              <a:rPr lang="en-US" sz="5400" b="1" dirty="0">
-                <a:solidFill>
-                  <a:srgbClr val="FFFFFF"/>
-                </a:solidFill>
-              </a:rPr>
-              <a:t>Thank You</a:t>
-            </a:r>
-          </a:p>
-        </p:txBody>
-      </p:sp>
-      <p:cxnSp>
-        <p:nvCxnSpPr>
-          <p:cNvPr id="12" name="Straight Connector 11">
-            <a:extLst>
-              <a:ext uri="{FF2B5EF4-FFF2-40B4-BE49-F238E27FC236}">
-                <a16:creationId xmlns:a16="http://schemas.microsoft.com/office/drawing/2014/main" id="{E0A835C2-2B9B-4174-AA2C-60A4F1311908}"/>
-              </a:ext>
-              <a:ext uri="{C183D7F6-B498-43B3-948B-1728B52AA6E4}">
-                <adec:decorative xmlns:adec="http://schemas.microsoft.com/office/drawing/2017/decorative" val="1"/>
-              </a:ext>
-            </a:extLst>
-          </p:cNvPr>
-          <p:cNvCxnSpPr>
-            <a:cxnSpLocks noGrp="1" noRot="1" noChangeAspect="1" noMove="1" noResize="1" noEditPoints="1" noAdjustHandles="1" noChangeArrowheads="1" noChangeShapeType="1"/>
-          </p:cNvCxnSpPr>
-          <p:nvPr>
-            <p:extLst>
-              <p:ext uri="{386F3935-93C4-4BCD-93E2-E3B085C9AB24}">
-                <p16:designElem xmlns:p16="http://schemas.microsoft.com/office/powerpoint/2015/main" val="1"/>
-              </p:ext>
-            </p:extLst>
-          </p:nvPr>
-        </p:nvCxnSpPr>
-        <p:spPr>
-          <a:xfrm flipV="1">
-            <a:off x="762000" y="826324"/>
-            <a:ext cx="0" cy="914400"/>
-          </a:xfrm>
-          <a:prstGeom prst="line">
-            <a:avLst/>
-          </a:prstGeom>
-          <a:ln w="19050">
-            <a:solidFill>
-              <a:srgbClr val="D39F4A"/>
-            </a:solidFill>
-          </a:ln>
-        </p:spPr>
-        <p:style>
-          <a:lnRef idx="1">
-            <a:schemeClr val="accent1"/>
-          </a:lnRef>
-          <a:fillRef idx="0">
-            <a:schemeClr val="accent1"/>
-          </a:fillRef>
-          <a:effectRef idx="0">
-            <a:schemeClr val="accent1"/>
-          </a:effectRef>
-          <a:fontRef idx="minor">
-            <a:schemeClr val="tx1"/>
-          </a:fontRef>
-        </p:style>
-      </p:cxnSp>
-      <p:sp>
-        <p:nvSpPr>
-          <p:cNvPr id="3" name="Content Placeholder 2">
-            <a:extLst>
-              <a:ext uri="{FF2B5EF4-FFF2-40B4-BE49-F238E27FC236}">
-                <a16:creationId xmlns:a16="http://schemas.microsoft.com/office/drawing/2014/main" id="{9BBDDBE1-00CD-4A90-9BA9-5E79F6C6FDE0}"/>
-              </a:ext>
-            </a:extLst>
-          </p:cNvPr>
-          <p:cNvSpPr>
-            <a:spLocks noGrp="1"/>
-          </p:cNvSpPr>
-          <p:nvPr>
-            <p:ph idx="1"/>
-          </p:nvPr>
-        </p:nvSpPr>
-        <p:spPr>
-          <a:xfrm>
-            <a:off x="1466258" y="2286000"/>
-            <a:ext cx="3791711" cy="3931920"/>
-          </a:xfrm>
-          <a:prstGeom prst="rect">
-            <a:avLst/>
-          </a:prstGeom>
-        </p:spPr>
-        <p:txBody>
-          <a:bodyPr>
-            <a:normAutofit/>
-          </a:bodyPr>
-          <a:lstStyle/>
-          <a:p>
-            <a:r>
-              <a:rPr lang="en-US" dirty="0">
-                <a:solidFill>
-                  <a:srgbClr val="FFFFFF"/>
-                </a:solidFill>
-              </a:rPr>
-              <a:t>Email</a:t>
-            </a:r>
-            <a:br>
-              <a:rPr lang="en-US" dirty="0">
-                <a:solidFill>
-                  <a:srgbClr val="FFFFFF"/>
-                </a:solidFill>
-              </a:rPr>
-            </a:br>
-            <a:r>
-              <a:rPr lang="en-US" dirty="0"/>
-              <a:t>somesone@example.com</a:t>
-            </a:r>
-            <a:endParaRPr lang="en-US" b="1" dirty="0">
-              <a:solidFill>
-                <a:srgbClr val="FFFFFF"/>
-              </a:solidFill>
-            </a:endParaRPr>
-          </a:p>
-          <a:p>
-            <a:pPr marL="0" indent="0">
-              <a:buNone/>
-            </a:pPr>
-            <a:endParaRPr lang="en-US" dirty="0">
-              <a:solidFill>
-                <a:srgbClr val="FFFFFF"/>
-              </a:solidFill>
-            </a:endParaRPr>
-          </a:p>
-        </p:txBody>
-      </p:sp>
-      <p:pic>
-        <p:nvPicPr>
-          <p:cNvPr id="5" name="Picture 4" descr="Restaurant Open Sign">
-            <a:extLst>
-              <a:ext uri="{FF2B5EF4-FFF2-40B4-BE49-F238E27FC236}">
-                <a16:creationId xmlns:a16="http://schemas.microsoft.com/office/drawing/2014/main" id="{4BB88093-7048-42AA-9AFC-B007B4E797A0}"/>
-              </a:ext>
-            </a:extLst>
-          </p:cNvPr>
-          <p:cNvPicPr>
-            <a:picLocks noChangeAspect="1"/>
-          </p:cNvPicPr>
-          <p:nvPr/>
-        </p:nvPicPr>
-        <p:blipFill rotWithShape="1">
-          <a:blip r:embed="rId3" cstate="screen">
-            <a:extLst>
-              <a:ext uri="{28A0092B-C50C-407E-A947-70E740481C1C}">
-                <a14:useLocalDpi xmlns:a14="http://schemas.microsoft.com/office/drawing/2010/main"/>
-              </a:ext>
-            </a:extLst>
-          </a:blip>
-          <a:srcRect/>
-          <a:stretch/>
-        </p:blipFill>
-        <p:spPr>
-          <a:xfrm>
-            <a:off x="5468548" y="10"/>
-            <a:ext cx="6723452" cy="6857990"/>
-          </a:xfrm>
-          <a:prstGeom prst="rect">
-            <a:avLst/>
-          </a:prstGeom>
-        </p:spPr>
-      </p:pic>
-      <p:pic>
-        <p:nvPicPr>
-          <p:cNvPr id="7" name="Graphic 6" descr="Envelope">
-            <a:extLst>
-              <a:ext uri="{FF2B5EF4-FFF2-40B4-BE49-F238E27FC236}">
-                <a16:creationId xmlns:a16="http://schemas.microsoft.com/office/drawing/2014/main" id="{1BCFD98B-5534-433A-A8E6-4DE2A04C391B}"/>
-              </a:ext>
-            </a:extLst>
-          </p:cNvPr>
-          <p:cNvPicPr>
-            <a:picLocks noChangeAspect="1"/>
-          </p:cNvPicPr>
-          <p:nvPr/>
-        </p:nvPicPr>
-        <p:blipFill>
-          <a:blip r:embed="rId4" cstate="screen">
-            <a:extLst>
-              <a:ext uri="{28A0092B-C50C-407E-A947-70E740481C1C}">
-                <a14:useLocalDpi xmlns:a14="http://schemas.microsoft.com/office/drawing/2010/main"/>
-              </a:ext>
-              <a:ext uri="{96DAC541-7B7A-43D3-8B79-37D633B846F1}">
-                <asvg:svgBlip xmlns:asvg="http://schemas.microsoft.com/office/drawing/2016/SVG/main" r:embed="rId5"/>
-              </a:ext>
-            </a:extLst>
-          </a:blip>
-          <a:stretch>
-            <a:fillRect/>
-          </a:stretch>
-        </p:blipFill>
-        <p:spPr>
-          <a:xfrm>
-            <a:off x="1024129" y="2286000"/>
-            <a:ext cx="360000" cy="360000"/>
-          </a:xfrm>
-          <a:prstGeom prst="rect">
-            <a:avLst/>
-          </a:prstGeom>
-        </p:spPr>
-      </p:pic>
-    </p:spTree>
-    <p:extLst>
-      <p:ext uri="{BB962C8B-B14F-4D97-AF65-F5344CB8AC3E}">
-        <p14:creationId xmlns:p14="http://schemas.microsoft.com/office/powerpoint/2010/main" val="2157044452"/>
-      </p:ext>
-    </p:extLst>
-  </p:cSld>
-  <p:clrMapOvr>
-    <a:masterClrMapping/>
-  </p:clrMapOvr>
-</p:sld>
-</file>
-
 <file path=ppt/slides/slide2.xml><?xml version="1.0" encoding="utf-8"?>
 <p:sld xmlns:a="http://schemas.openxmlformats.org/drawingml/2006/main" xmlns:r="http://schemas.openxmlformats.org/officeDocument/2006/relationships" xmlns:p="http://schemas.openxmlformats.org/presentationml/2006/main">
   <p:cSld>
@@ -5899,14 +5291,14 @@
             <a:pPr lvl="1"/>
             <a:r>
               <a:rPr lang="en-US" sz="2400" dirty="0"/>
-              <a:t>What state has the most Starbucks locations?</a:t>
+              <a:t>What states have the most Starbucks locations?</a:t>
             </a:r>
           </a:p>
           <a:p>
             <a:pPr lvl="1"/>
             <a:r>
               <a:rPr lang="en-US" sz="2400" dirty="0"/>
-              <a:t>What states has more population per Starbucks location?</a:t>
+              <a:t>What states have more population per Starbucks location?</a:t>
             </a:r>
           </a:p>
           <a:p>
@@ -6135,24 +5527,31 @@
             </a:r>
           </a:p>
           <a:p>
+            <a:pPr lvl="2"/>
+            <a:r>
+              <a:rPr lang="en-US" sz="2000" dirty="0"/>
+              <a:t>Source of data - Kaggle</a:t>
+            </a:r>
+          </a:p>
+          <a:p>
             <a:pPr lvl="4"/>
             <a:r>
               <a:rPr lang="en-US" sz="2000" dirty="0"/>
-              <a:t>1) Starbucks store location – Directory of stores</a:t>
+              <a:t>1) Starbucks store location (February 2017) – Directory of stores</a:t>
             </a:r>
           </a:p>
           <a:p>
             <a:pPr lvl="4"/>
             <a:r>
               <a:rPr lang="en-US" sz="2000" dirty="0"/>
-              <a:t>2) US Census Demographics – County by County demographics data</a:t>
+              <a:t>2) US Census Demographics (2017) – County by County demographics data</a:t>
             </a:r>
           </a:p>
           <a:p>
             <a:pPr lvl="4"/>
             <a:r>
               <a:rPr lang="en-US" sz="2000" dirty="0"/>
-              <a:t>3) Zip codes – Complete list of Zip codes</a:t>
+              <a:t>3) Zip codes (2017) – Complete list of Zip codes</a:t>
             </a:r>
           </a:p>
           <a:p>
@@ -6192,7 +5591,7 @@
             <a:pPr lvl="1"/>
             <a:r>
               <a:rPr lang="en-US" sz="2400" dirty="0"/>
-              <a:t>Created a join key to consolidate all of the data in to a final data frame</a:t>
+              <a:t>Created a join key to consolidate all the data into a final data frame.</a:t>
             </a:r>
           </a:p>
           <a:p>
@@ -6271,7 +5670,7 @@
           <a:lstStyle/>
           <a:p>
             <a:r>
-              <a:rPr lang="en-US" sz="4000" b="1" dirty="0"/>
+              <a:rPr lang="en-US" dirty="0"/>
               <a:t>Bar Charts</a:t>
             </a:r>
           </a:p>
@@ -6300,7 +5699,7 @@
         <p:spPr>
           <a:xfrm>
             <a:off x="755679" y="1930400"/>
-            <a:ext cx="10757163" cy="3500581"/>
+            <a:ext cx="10757163" cy="3874782"/>
           </a:xfrm>
           <a:prstGeom prst="rect">
             <a:avLst/>
@@ -6396,14 +5795,15 @@
         </p:nvSpPr>
         <p:spPr/>
         <p:txBody>
-          <a:bodyPr/>
-          <a:lstStyle/>
-          <a:p>
-            <a:r>
-              <a:rPr lang="en-US" sz="5400" b="1" dirty="0"/>
+          <a:bodyPr>
+            <a:normAutofit/>
+          </a:bodyPr>
+          <a:lstStyle/>
+          <a:p>
+            <a:r>
+              <a:rPr lang="en-US" dirty="0"/>
               <a:t>Bar Charts</a:t>
             </a:r>
-            <a:endParaRPr lang="en-US" dirty="0"/>
           </a:p>
         </p:txBody>
       </p:sp>
@@ -6420,7 +5820,7 @@
             <a:picLocks noGrp="1" noChangeAspect="1"/>
           </p:cNvPicPr>
           <p:nvPr>
-            <p:ph idx="1"/>
+            <p:ph idx="4294967295"/>
           </p:nvPr>
         </p:nvPicPr>
         <p:blipFill>
@@ -6431,8 +5831,8 @@
         </p:blipFill>
         <p:spPr>
           <a:xfrm>
-            <a:off x="673513" y="1967345"/>
-            <a:ext cx="11066672" cy="3362037"/>
+            <a:off x="752932" y="1939203"/>
+            <a:ext cx="10884538" cy="3656254"/>
           </a:xfrm>
           <a:prstGeom prst="rect">
             <a:avLst/>
@@ -6579,8 +5979,8 @@
         </p:nvSpPr>
         <p:spPr>
           <a:xfrm>
-            <a:off x="1024128" y="2286000"/>
-            <a:ext cx="7105744" cy="4023360"/>
+            <a:off x="700886" y="1974476"/>
+            <a:ext cx="2968874" cy="1454524"/>
           </a:xfrm>
         </p:spPr>
         <p:txBody>
@@ -6595,7 +5995,11 @@
             </a:pPr>
             <a:r>
               <a:rPr lang="en-US" dirty="0"/>
-              <a:t> Starbucks stores/state vs Total Population/state</a:t>
+              <a:t> </a:t>
+            </a:r>
+            <a:r>
+              <a:rPr lang="en-US" sz="1800" dirty="0"/>
+              <a:t>Starbucks stores/state vs Total Population/state</a:t>
             </a:r>
           </a:p>
           <a:p>
@@ -6603,27 +6007,8 @@
               <a:buNone/>
             </a:pPr>
             <a:r>
-              <a:rPr lang="en-US" dirty="0"/>
+              <a:rPr lang="en-US" sz="1800" dirty="0"/>
               <a:t>	Correlation = 0.9 </a:t>
-            </a:r>
-          </a:p>
-          <a:p>
-            <a:pPr>
-              <a:buFont typeface="Wingdings" panose="05000000000000000000" pitchFamily="2" charset="2"/>
-              <a:buChar char="Ø"/>
-            </a:pPr>
-            <a:r>
-              <a:rPr lang="en-US" dirty="0"/>
-              <a:t>Gender Diversity</a:t>
-            </a:r>
-          </a:p>
-          <a:p>
-            <a:pPr marL="0" indent="0">
-              <a:buNone/>
-            </a:pPr>
-            <a:r>
-              <a:rPr lang="en-US" dirty="0"/>
-              <a:t>	Follows the same pattern as Total Population</a:t>
             </a:r>
           </a:p>
           <a:p>
@@ -6631,15 +6016,6 @@
               <a:buNone/>
             </a:pPr>
             <a:endParaRPr lang="en-US" dirty="0"/>
-          </a:p>
-          <a:p>
-            <a:pPr marL="0" indent="0">
-              <a:buNone/>
-            </a:pPr>
-            <a:r>
-              <a:rPr lang="en-US" dirty="0"/>
-              <a:t>Apparently good correlation &amp; with higher population /state has higher number of Starbucks stores. </a:t>
-            </a:r>
           </a:p>
         </p:txBody>
       </p:sp>
@@ -6665,8 +6041,8 @@
         </p:blipFill>
         <p:spPr>
           <a:xfrm>
-            <a:off x="8805096" y="662230"/>
-            <a:ext cx="2560321" cy="1706880"/>
+            <a:off x="4122475" y="3533396"/>
+            <a:ext cx="3848100" cy="3013745"/>
           </a:xfrm>
           <a:prstGeom prst="rect">
             <a:avLst/>
@@ -6695,8 +6071,8 @@
         </p:blipFill>
         <p:spPr>
           <a:xfrm>
-            <a:off x="8805096" y="2574745"/>
-            <a:ext cx="2560322" cy="1706881"/>
+            <a:off x="8069526" y="3533397"/>
+            <a:ext cx="3848099" cy="3013745"/>
           </a:xfrm>
           <a:prstGeom prst="rect">
             <a:avLst/>
@@ -6725,8 +6101,8 @@
         </p:blipFill>
         <p:spPr>
           <a:xfrm>
-            <a:off x="8805096" y="4488422"/>
-            <a:ext cx="2560322" cy="1706881"/>
+            <a:off x="175425" y="3533395"/>
+            <a:ext cx="3848099" cy="3013745"/>
           </a:xfrm>
           <a:prstGeom prst="rect">
             <a:avLst/>
@@ -6747,8 +6123,8 @@
         </p:nvSpPr>
         <p:spPr>
           <a:xfrm>
-            <a:off x="8893908" y="5556738"/>
-            <a:ext cx="890954" cy="638565"/>
+            <a:off x="616516" y="5385733"/>
+            <a:ext cx="1128394" cy="825926"/>
           </a:xfrm>
           <a:prstGeom prst="ellipse">
             <a:avLst/>
@@ -6777,6 +6153,128 @@
           <a:p>
             <a:pPr algn="ctr"/>
             <a:endParaRPr lang="en-US"/>
+          </a:p>
+        </p:txBody>
+      </p:sp>
+      <p:sp>
+        <p:nvSpPr>
+          <p:cNvPr id="4" name="TextBox 3">
+            <a:extLst>
+              <a:ext uri="{FF2B5EF4-FFF2-40B4-BE49-F238E27FC236}">
+                <a16:creationId xmlns:a16="http://schemas.microsoft.com/office/drawing/2014/main" id="{86A9D858-AFA3-47C6-BDD3-E72F0A9FC3C3}"/>
+              </a:ext>
+            </a:extLst>
+          </p:cNvPr>
+          <p:cNvSpPr txBox="1"/>
+          <p:nvPr/>
+        </p:nvSpPr>
+        <p:spPr>
+          <a:xfrm>
+            <a:off x="4435852" y="1967783"/>
+            <a:ext cx="2927928" cy="1200329"/>
+          </a:xfrm>
+          <a:prstGeom prst="rect">
+            <a:avLst/>
+          </a:prstGeom>
+          <a:noFill/>
+        </p:spPr>
+        <p:txBody>
+          <a:bodyPr wrap="square" rtlCol="0">
+            <a:spAutoFit/>
+          </a:bodyPr>
+          <a:lstStyle/>
+          <a:p>
+            <a:pPr>
+              <a:buFont typeface="Wingdings" panose="05000000000000000000" pitchFamily="2" charset="2"/>
+              <a:buChar char="Ø"/>
+            </a:pPr>
+            <a:r>
+              <a:rPr lang="en-US" dirty="0"/>
+              <a:t> Gender Diversity</a:t>
+            </a:r>
+          </a:p>
+          <a:p>
+            <a:r>
+              <a:rPr lang="en-US" dirty="0"/>
+              <a:t>	Follows the same pattern as Total Population</a:t>
+            </a:r>
+          </a:p>
+          <a:p>
+            <a:endParaRPr lang="en-US" dirty="0"/>
+          </a:p>
+        </p:txBody>
+      </p:sp>
+      <p:sp>
+        <p:nvSpPr>
+          <p:cNvPr id="6" name="TextBox 5">
+            <a:extLst>
+              <a:ext uri="{FF2B5EF4-FFF2-40B4-BE49-F238E27FC236}">
+                <a16:creationId xmlns:a16="http://schemas.microsoft.com/office/drawing/2014/main" id="{DFC54E5B-35FA-4950-9001-5663556FC1DD}"/>
+              </a:ext>
+            </a:extLst>
+          </p:cNvPr>
+          <p:cNvSpPr txBox="1"/>
+          <p:nvPr/>
+        </p:nvSpPr>
+        <p:spPr>
+          <a:xfrm>
+            <a:off x="9367094" y="2084832"/>
+            <a:ext cx="1841726" cy="593713"/>
+          </a:xfrm>
+          <a:prstGeom prst="rect">
+            <a:avLst/>
+          </a:prstGeom>
+          <a:noFill/>
+        </p:spPr>
+        <p:txBody>
+          <a:bodyPr wrap="square" rtlCol="0">
+            <a:spAutoFit/>
+          </a:bodyPr>
+          <a:lstStyle/>
+          <a:p>
+            <a:endParaRPr lang="en-US" dirty="0"/>
+          </a:p>
+        </p:txBody>
+      </p:sp>
+      <p:sp>
+        <p:nvSpPr>
+          <p:cNvPr id="17" name="TextBox 16">
+            <a:extLst>
+              <a:ext uri="{FF2B5EF4-FFF2-40B4-BE49-F238E27FC236}">
+                <a16:creationId xmlns:a16="http://schemas.microsoft.com/office/drawing/2014/main" id="{7C51B5E7-60F9-4419-89AB-22EF83C94DC4}"/>
+              </a:ext>
+            </a:extLst>
+          </p:cNvPr>
+          <p:cNvSpPr txBox="1"/>
+          <p:nvPr/>
+        </p:nvSpPr>
+        <p:spPr>
+          <a:xfrm>
+            <a:off x="8239945" y="1939881"/>
+            <a:ext cx="2927928" cy="1754326"/>
+          </a:xfrm>
+          <a:prstGeom prst="rect">
+            <a:avLst/>
+          </a:prstGeom>
+          <a:noFill/>
+        </p:spPr>
+        <p:txBody>
+          <a:bodyPr wrap="square" rtlCol="0">
+            <a:spAutoFit/>
+          </a:bodyPr>
+          <a:lstStyle/>
+          <a:p>
+            <a:pPr marL="285750" indent="-285750">
+              <a:buFont typeface="Wingdings" panose="05000000000000000000" pitchFamily="2" charset="2"/>
+              <a:buChar char="Ø"/>
+            </a:pPr>
+            <a:r>
+              <a:rPr lang="en-US" dirty="0"/>
+              <a:t>Apparently good correlation &amp; with higher population /state has higher number of Starbucks stores. </a:t>
+            </a:r>
+          </a:p>
+          <a:p>
+            <a:endParaRPr lang="en-US" dirty="0"/>
           </a:p>
         </p:txBody>
       </p:sp>
@@ -7310,7 +6808,7 @@
           <p:cNvPr id="2" name="Title 1">
             <a:extLst>
               <a:ext uri="{FF2B5EF4-FFF2-40B4-BE49-F238E27FC236}">
-                <a16:creationId xmlns:a16="http://schemas.microsoft.com/office/drawing/2014/main" id="{AF914BDC-A786-4A80-99A2-934A1E7267A3}"/>
+                <a16:creationId xmlns:a16="http://schemas.microsoft.com/office/drawing/2014/main" id="{D74AE70B-556E-470E-B902-8659082899C7}"/>
               </a:ext>
             </a:extLst>
           </p:cNvPr>
@@ -7328,17 +6826,17 @@
           <a:p>
             <a:r>
               <a:rPr lang="en-US" dirty="0"/>
-              <a:t>Scatter Plot Charts</a:t>
-            </a:r>
-          </a:p>
-        </p:txBody>
-      </p:sp>
-      <p:sp>
-        <p:nvSpPr>
-          <p:cNvPr id="3" name="Content Placeholder 2">
+              <a:t>Heat maps</a:t>
+            </a:r>
+          </a:p>
+        </p:txBody>
+      </p:sp>
+      <p:sp>
+        <p:nvSpPr>
+          <p:cNvPr id="7" name="Content Placeholder 6">
             <a:extLst>
               <a:ext uri="{FF2B5EF4-FFF2-40B4-BE49-F238E27FC236}">
-                <a16:creationId xmlns:a16="http://schemas.microsoft.com/office/drawing/2014/main" id="{52756F33-6D5E-428F-9F09-5DF4EA1A2140}"/>
+                <a16:creationId xmlns:a16="http://schemas.microsoft.com/office/drawing/2014/main" id="{F1DF5444-B871-4990-8669-B896B70EEB03}"/>
               </a:ext>
             </a:extLst>
           </p:cNvPr>
@@ -7361,7 +6859,7 @@
     </p:spTree>
     <p:extLst>
       <p:ext uri="{BB962C8B-B14F-4D97-AF65-F5344CB8AC3E}">
-        <p14:creationId xmlns:p14="http://schemas.microsoft.com/office/powerpoint/2010/main" val="310644020"/>
+        <p14:creationId xmlns:p14="http://schemas.microsoft.com/office/powerpoint/2010/main" val="2629708822"/>
       </p:ext>
     </p:extLst>
   </p:cSld>

--- a/Deeper dive and analysis of Starbucks locations.pptx
+++ b/Deeper dive and analysis of Starbucks locations.pptx
@@ -19,8 +19,8 @@
     <p:sldId id="269" r:id="rId10"/>
     <p:sldId id="272" r:id="rId11"/>
     <p:sldId id="270" r:id="rId12"/>
-    <p:sldId id="273" r:id="rId13"/>
-    <p:sldId id="274" r:id="rId14"/>
+    <p:sldId id="278" r:id="rId13"/>
+    <p:sldId id="267" r:id="rId14"/>
     <p:sldId id="259" r:id="rId15"/>
   </p:sldIdLst>
   <p:sldSz cx="12192000" cy="6858000"/>
@@ -4667,7 +4667,7 @@
           <p:cNvPr id="2" name="Title 1">
             <a:extLst>
               <a:ext uri="{FF2B5EF4-FFF2-40B4-BE49-F238E27FC236}">
-                <a16:creationId xmlns:a16="http://schemas.microsoft.com/office/drawing/2014/main" id="{F8AB5070-B80C-4CF7-830B-D649EE746C4D}"/>
+                <a16:creationId xmlns:a16="http://schemas.microsoft.com/office/drawing/2014/main" id="{E58C9774-41DF-42DC-82F0-5987EF0208E5}"/>
               </a:ext>
             </a:extLst>
           </p:cNvPr>
@@ -4678,27 +4678,65 @@
             <p:ph type="title"/>
           </p:nvPr>
         </p:nvSpPr>
-        <p:spPr/>
-        <p:txBody>
-          <a:bodyPr/>
-          <a:lstStyle/>
-          <a:p>
-            <a:r>
-              <a:rPr lang="en-US" dirty="0"/>
-              <a:t>Heat maps</a:t>
-            </a:r>
-          </a:p>
-        </p:txBody>
-      </p:sp>
-      <p:sp>
-        <p:nvSpPr>
-          <p:cNvPr id="3" name="Content Placeholder 2">
+        <p:spPr>
+          <a:xfrm>
+            <a:off x="1024128" y="585216"/>
+            <a:ext cx="5867061" cy="1499616"/>
+          </a:xfrm>
+        </p:spPr>
+        <p:txBody>
+          <a:bodyPr>
+            <a:normAutofit/>
+          </a:bodyPr>
+          <a:lstStyle/>
+          <a:p>
+            <a:r>
+              <a:rPr lang="en-US"/>
+              <a:t>Heat map</a:t>
+            </a:r>
+            <a:endParaRPr lang="en-US" dirty="0"/>
+          </a:p>
+        </p:txBody>
+      </p:sp>
+      <p:pic>
+        <p:nvPicPr>
+          <p:cNvPr id="4" name="Content Placeholder 3">
             <a:extLst>
               <a:ext uri="{FF2B5EF4-FFF2-40B4-BE49-F238E27FC236}">
-                <a16:creationId xmlns:a16="http://schemas.microsoft.com/office/drawing/2014/main" id="{A1FA00D6-F9E8-421E-9460-3C88C14EB180}"/>
+                <a16:creationId xmlns:a16="http://schemas.microsoft.com/office/drawing/2014/main" id="{517222C2-02F6-4B36-A2A5-6CCC5F0F70AE}"/>
               </a:ext>
             </a:extLst>
           </p:cNvPr>
+          <p:cNvPicPr>
+            <a:picLocks noChangeAspect="1"/>
+          </p:cNvPicPr>
+          <p:nvPr/>
+        </p:nvPicPr>
+        <p:blipFill>
+          <a:blip r:embed="rId2"/>
+          <a:stretch>
+            <a:fillRect/>
+          </a:stretch>
+        </p:blipFill>
+        <p:spPr>
+          <a:xfrm>
+            <a:off x="1024128" y="2578989"/>
+            <a:ext cx="5867061" cy="3300221"/>
+          </a:xfrm>
+          <a:prstGeom prst="rect">
+            <a:avLst/>
+          </a:prstGeom>
+        </p:spPr>
+      </p:pic>
+      <p:sp>
+        <p:nvSpPr>
+          <p:cNvPr id="23" name="Content Placeholder 7">
+            <a:extLst>
+              <a:ext uri="{FF2B5EF4-FFF2-40B4-BE49-F238E27FC236}">
+                <a16:creationId xmlns:a16="http://schemas.microsoft.com/office/drawing/2014/main" id="{4E1E0B17-3C63-40EF-8203-41A60F3B8CF3}"/>
+              </a:ext>
+            </a:extLst>
+          </p:cNvPr>
           <p:cNvSpPr>
             <a:spLocks noGrp="1"/>
           </p:cNvSpPr>
@@ -4706,19 +4744,33 @@
             <p:ph idx="1"/>
           </p:nvPr>
         </p:nvSpPr>
-        <p:spPr/>
-        <p:txBody>
-          <a:bodyPr/>
-          <a:lstStyle/>
-          <a:p>
-            <a:endParaRPr lang="en-US" dirty="0"/>
+        <p:spPr>
+          <a:xfrm>
+            <a:off x="8021490" y="585216"/>
+            <a:ext cx="3527043" cy="5586984"/>
+          </a:xfrm>
+        </p:spPr>
+        <p:txBody>
+          <a:bodyPr anchor="ctr">
+            <a:normAutofit/>
+          </a:bodyPr>
+          <a:lstStyle/>
+          <a:p>
+            <a:r>
+              <a:rPr lang="en-US" sz="2000" dirty="0">
+                <a:solidFill>
+                  <a:srgbClr val="FFFFFF"/>
+                </a:solidFill>
+              </a:rPr>
+              <a:t>Starbucks </a:t>
+            </a:r>
           </a:p>
         </p:txBody>
       </p:sp>
     </p:spTree>
     <p:extLst>
       <p:ext uri="{BB962C8B-B14F-4D97-AF65-F5344CB8AC3E}">
-        <p14:creationId xmlns:p14="http://schemas.microsoft.com/office/powerpoint/2010/main" val="2731402024"/>
+        <p14:creationId xmlns:p14="http://schemas.microsoft.com/office/powerpoint/2010/main" val="427240729"/>
       </p:ext>
     </p:extLst>
   </p:cSld>
@@ -6808,7 +6860,7 @@
           <p:cNvPr id="2" name="Title 1">
             <a:extLst>
               <a:ext uri="{FF2B5EF4-FFF2-40B4-BE49-F238E27FC236}">
-                <a16:creationId xmlns:a16="http://schemas.microsoft.com/office/drawing/2014/main" id="{D74AE70B-556E-470E-B902-8659082899C7}"/>
+                <a16:creationId xmlns:a16="http://schemas.microsoft.com/office/drawing/2014/main" id="{3A94BE3C-099A-4DE5-A4DD-BD4D24B1B689}"/>
               </a:ext>
             </a:extLst>
           </p:cNvPr>
@@ -6819,24 +6871,31 @@
             <p:ph type="title"/>
           </p:nvPr>
         </p:nvSpPr>
-        <p:spPr/>
-        <p:txBody>
-          <a:bodyPr/>
-          <a:lstStyle/>
-          <a:p>
-            <a:r>
-              <a:rPr lang="en-US" dirty="0"/>
-              <a:t>Heat maps</a:t>
-            </a:r>
-          </a:p>
-        </p:txBody>
-      </p:sp>
-      <p:sp>
-        <p:nvSpPr>
-          <p:cNvPr id="7" name="Content Placeholder 6">
+        <p:spPr>
+          <a:xfrm>
+            <a:off x="1024128" y="585216"/>
+            <a:ext cx="3133581" cy="1499616"/>
+          </a:xfrm>
+        </p:spPr>
+        <p:txBody>
+          <a:bodyPr>
+            <a:normAutofit/>
+          </a:bodyPr>
+          <a:lstStyle/>
+          <a:p>
+            <a:r>
+              <a:rPr lang="en-US" sz="4000" dirty="0"/>
+              <a:t>Heat map</a:t>
+            </a:r>
+          </a:p>
+        </p:txBody>
+      </p:sp>
+      <p:sp>
+        <p:nvSpPr>
+          <p:cNvPr id="3" name="Content Placeholder 2">
             <a:extLst>
               <a:ext uri="{FF2B5EF4-FFF2-40B4-BE49-F238E27FC236}">
-                <a16:creationId xmlns:a16="http://schemas.microsoft.com/office/drawing/2014/main" id="{F1DF5444-B871-4990-8669-B896B70EEB03}"/>
+                <a16:creationId xmlns:a16="http://schemas.microsoft.com/office/drawing/2014/main" id="{45E0F7D1-7A38-4DD3-B4D8-5C3413E1FF92}"/>
               </a:ext>
             </a:extLst>
           </p:cNvPr>
@@ -6847,19 +6906,62 @@
             <p:ph idx="1"/>
           </p:nvPr>
         </p:nvSpPr>
-        <p:spPr/>
-        <p:txBody>
-          <a:bodyPr/>
-          <a:lstStyle/>
-          <a:p>
-            <a:endParaRPr lang="en-US"/>
-          </a:p>
-        </p:txBody>
-      </p:sp>
+        <p:spPr>
+          <a:xfrm>
+            <a:off x="1024128" y="2286000"/>
+            <a:ext cx="3133580" cy="3931920"/>
+          </a:xfrm>
+        </p:spPr>
+        <p:txBody>
+          <a:bodyPr>
+            <a:normAutofit/>
+          </a:bodyPr>
+          <a:lstStyle/>
+          <a:p>
+            <a:r>
+              <a:rPr lang="en-US" sz="1600" dirty="0"/>
+              <a:t>Starbucks</a:t>
+            </a:r>
+          </a:p>
+          <a:p>
+            <a:endParaRPr lang="en-US" sz="1600" dirty="0"/>
+          </a:p>
+        </p:txBody>
+      </p:sp>
+      <p:pic>
+        <p:nvPicPr>
+          <p:cNvPr id="4" name="Picture 3">
+            <a:extLst>
+              <a:ext uri="{FF2B5EF4-FFF2-40B4-BE49-F238E27FC236}">
+                <a16:creationId xmlns:a16="http://schemas.microsoft.com/office/drawing/2014/main" id="{B388163E-9B8E-419F-9C00-10AC2A17500A}"/>
+              </a:ext>
+            </a:extLst>
+          </p:cNvPr>
+          <p:cNvPicPr>
+            <a:picLocks noChangeAspect="1"/>
+          </p:cNvPicPr>
+          <p:nvPr/>
+        </p:nvPicPr>
+        <p:blipFill>
+          <a:blip r:embed="rId2"/>
+          <a:stretch>
+            <a:fillRect/>
+          </a:stretch>
+        </p:blipFill>
+        <p:spPr>
+          <a:xfrm>
+            <a:off x="4642341" y="1485682"/>
+            <a:ext cx="7498080" cy="4217669"/>
+          </a:xfrm>
+          <a:prstGeom prst="rect">
+            <a:avLst/>
+          </a:prstGeom>
+        </p:spPr>
+      </p:pic>
     </p:spTree>
     <p:extLst>
       <p:ext uri="{BB962C8B-B14F-4D97-AF65-F5344CB8AC3E}">
-        <p14:creationId xmlns:p14="http://schemas.microsoft.com/office/powerpoint/2010/main" val="2629708822"/>
+        <p14:creationId xmlns:p14="http://schemas.microsoft.com/office/powerpoint/2010/main" val="55436685"/>
       </p:ext>
     </p:extLst>
   </p:cSld>
@@ -7728,12 +7830,12 @@
 </file>
 
 <file path=customXml/item1.xml><?xml version="1.0" encoding="utf-8"?>
-<?mso-contentType ?>
-<FormTemplates xmlns="http://schemas.microsoft.com/sharepoint/v3/contenttype/forms">
-  <Display>DocumentLibraryForm</Display>
-  <Edit>DocumentLibraryForm</Edit>
-  <New>DocumentLibraryForm</New>
-</FormTemplates>
+<p:properties xmlns:p="http://schemas.microsoft.com/office/2006/metadata/properties" xmlns:xsi="http://www.w3.org/2001/XMLSchema-instance" xmlns:pc="http://schemas.microsoft.com/office/infopath/2007/PartnerControls">
+  <documentManagement>
+    <Status xmlns="71af3243-3dd4-4a8d-8c0d-dd76da1f02a5">Not started</Status>
+    <MediaServiceKeyPoints xmlns="71af3243-3dd4-4a8d-8c0d-dd76da1f02a5" xsi:nil="true"/>
+  </documentManagement>
+</p:properties>
 </file>
 
 <file path=customXml/item2.xml><?xml version="1.0" encoding="utf-8"?>
@@ -7958,18 +8060,20 @@
 </file>
 
 <file path=customXml/item3.xml><?xml version="1.0" encoding="utf-8"?>
-<p:properties xmlns:p="http://schemas.microsoft.com/office/2006/metadata/properties" xmlns:xsi="http://www.w3.org/2001/XMLSchema-instance" xmlns:pc="http://schemas.microsoft.com/office/infopath/2007/PartnerControls">
-  <documentManagement>
-    <Status xmlns="71af3243-3dd4-4a8d-8c0d-dd76da1f02a5">Not started</Status>
-    <MediaServiceKeyPoints xmlns="71af3243-3dd4-4a8d-8c0d-dd76da1f02a5" xsi:nil="true"/>
-  </documentManagement>
-</p:properties>
+<?mso-contentType ?>
+<FormTemplates xmlns="http://schemas.microsoft.com/sharepoint/v3/contenttype/forms">
+  <Display>DocumentLibraryForm</Display>
+  <Edit>DocumentLibraryForm</Edit>
+  <New>DocumentLibraryForm</New>
+</FormTemplates>
 </file>
 
 <file path=customXml/itemProps1.xml><?xml version="1.0" encoding="utf-8"?>
-<ds:datastoreItem xmlns:ds="http://schemas.openxmlformats.org/officeDocument/2006/customXml" ds:itemID="{07A7C301-87CC-4EB1-AF40-15075522FC58}">
+<ds:datastoreItem xmlns:ds="http://schemas.openxmlformats.org/officeDocument/2006/customXml" ds:itemID="{45231547-F69E-41A9-93A9-B70B5E3064F1}">
   <ds:schemaRefs>
-    <ds:schemaRef ds:uri="http://schemas.microsoft.com/sharepoint/v3/contenttype/forms"/>
+    <ds:schemaRef ds:uri="http://schemas.microsoft.com/office/2006/metadata/properties"/>
+    <ds:schemaRef ds:uri="http://schemas.microsoft.com/office/infopath/2007/PartnerControls"/>
+    <ds:schemaRef ds:uri="71af3243-3dd4-4a8d-8c0d-dd76da1f02a5"/>
   </ds:schemaRefs>
 </ds:datastoreItem>
 </file>
@@ -7994,11 +8098,9 @@
 </file>
 
 <file path=customXml/itemProps3.xml><?xml version="1.0" encoding="utf-8"?>
-<ds:datastoreItem xmlns:ds="http://schemas.openxmlformats.org/officeDocument/2006/customXml" ds:itemID="{45231547-F69E-41A9-93A9-B70B5E3064F1}">
+<ds:datastoreItem xmlns:ds="http://schemas.openxmlformats.org/officeDocument/2006/customXml" ds:itemID="{07A7C301-87CC-4EB1-AF40-15075522FC58}">
   <ds:schemaRefs>
-    <ds:schemaRef ds:uri="http://schemas.microsoft.com/office/2006/metadata/properties"/>
-    <ds:schemaRef ds:uri="http://schemas.microsoft.com/office/infopath/2007/PartnerControls"/>
-    <ds:schemaRef ds:uri="71af3243-3dd4-4a8d-8c0d-dd76da1f02a5"/>
+    <ds:schemaRef ds:uri="http://schemas.microsoft.com/sharepoint/v3/contenttype/forms"/>
   </ds:schemaRefs>
 </ds:datastoreItem>
 </file>
--- a/Deeper dive and analysis of Starbucks locations.pptx
+++ b/Deeper dive and analysis of Starbucks locations.pptx
@@ -17,7 +17,7 @@
     <p:sldId id="268" r:id="rId8"/>
     <p:sldId id="258" r:id="rId9"/>
     <p:sldId id="269" r:id="rId10"/>
-    <p:sldId id="272" r:id="rId11"/>
+    <p:sldId id="279" r:id="rId11"/>
     <p:sldId id="270" r:id="rId12"/>
     <p:sldId id="278" r:id="rId13"/>
     <p:sldId id="267" r:id="rId14"/>
@@ -5956,14 +5956,6 @@
 <file path=ppt/slides/slide7.xml><?xml version="1.0" encoding="utf-8"?>
 <p:sld xmlns:a="http://schemas.openxmlformats.org/drawingml/2006/main" xmlns:r="http://schemas.openxmlformats.org/officeDocument/2006/relationships" xmlns:p="http://schemas.openxmlformats.org/presentationml/2006/main">
   <p:cSld>
-    <p:bg>
-      <p:bgPr>
-        <a:solidFill>
-          <a:schemeClr val="bg1"/>
-        </a:solidFill>
-        <a:effectLst/>
-      </p:bgPr>
-    </p:bg>
     <p:spTree>
       <p:nvGrpSpPr>
         <p:cNvPr id="1" name=""/>
@@ -6071,12 +6063,134 @@
           </a:p>
         </p:txBody>
       </p:sp>
+      <p:sp>
+        <p:nvSpPr>
+          <p:cNvPr id="4" name="TextBox 3">
+            <a:extLst>
+              <a:ext uri="{FF2B5EF4-FFF2-40B4-BE49-F238E27FC236}">
+                <a16:creationId xmlns:a16="http://schemas.microsoft.com/office/drawing/2014/main" id="{86A9D858-AFA3-47C6-BDD3-E72F0A9FC3C3}"/>
+              </a:ext>
+            </a:extLst>
+          </p:cNvPr>
+          <p:cNvSpPr txBox="1"/>
+          <p:nvPr/>
+        </p:nvSpPr>
+        <p:spPr>
+          <a:xfrm>
+            <a:off x="4435852" y="1967783"/>
+            <a:ext cx="2927928" cy="1200329"/>
+          </a:xfrm>
+          <a:prstGeom prst="rect">
+            <a:avLst/>
+          </a:prstGeom>
+          <a:noFill/>
+        </p:spPr>
+        <p:txBody>
+          <a:bodyPr wrap="square" rtlCol="0">
+            <a:spAutoFit/>
+          </a:bodyPr>
+          <a:lstStyle/>
+          <a:p>
+            <a:pPr>
+              <a:buFont typeface="Wingdings" panose="05000000000000000000" pitchFamily="2" charset="2"/>
+              <a:buChar char="Ø"/>
+            </a:pPr>
+            <a:r>
+              <a:rPr lang="en-US" dirty="0"/>
+              <a:t> Gender Diversity</a:t>
+            </a:r>
+          </a:p>
+          <a:p>
+            <a:r>
+              <a:rPr lang="en-US" dirty="0"/>
+              <a:t>	Follows the same pattern as Total Population</a:t>
+            </a:r>
+          </a:p>
+          <a:p>
+            <a:endParaRPr lang="en-US" dirty="0"/>
+          </a:p>
+        </p:txBody>
+      </p:sp>
+      <p:sp>
+        <p:nvSpPr>
+          <p:cNvPr id="6" name="TextBox 5">
+            <a:extLst>
+              <a:ext uri="{FF2B5EF4-FFF2-40B4-BE49-F238E27FC236}">
+                <a16:creationId xmlns:a16="http://schemas.microsoft.com/office/drawing/2014/main" id="{DFC54E5B-35FA-4950-9001-5663556FC1DD}"/>
+              </a:ext>
+            </a:extLst>
+          </p:cNvPr>
+          <p:cNvSpPr txBox="1"/>
+          <p:nvPr/>
+        </p:nvSpPr>
+        <p:spPr>
+          <a:xfrm>
+            <a:off x="9367094" y="2084832"/>
+            <a:ext cx="1841726" cy="593713"/>
+          </a:xfrm>
+          <a:prstGeom prst="rect">
+            <a:avLst/>
+          </a:prstGeom>
+          <a:noFill/>
+        </p:spPr>
+        <p:txBody>
+          <a:bodyPr wrap="square" rtlCol="0">
+            <a:spAutoFit/>
+          </a:bodyPr>
+          <a:lstStyle/>
+          <a:p>
+            <a:endParaRPr lang="en-US" dirty="0"/>
+          </a:p>
+        </p:txBody>
+      </p:sp>
+      <p:sp>
+        <p:nvSpPr>
+          <p:cNvPr id="17" name="TextBox 16">
+            <a:extLst>
+              <a:ext uri="{FF2B5EF4-FFF2-40B4-BE49-F238E27FC236}">
+                <a16:creationId xmlns:a16="http://schemas.microsoft.com/office/drawing/2014/main" id="{7C51B5E7-60F9-4419-89AB-22EF83C94DC4}"/>
+              </a:ext>
+            </a:extLst>
+          </p:cNvPr>
+          <p:cNvSpPr txBox="1"/>
+          <p:nvPr/>
+        </p:nvSpPr>
+        <p:spPr>
+          <a:xfrm>
+            <a:off x="8239945" y="1939881"/>
+            <a:ext cx="2927928" cy="1754326"/>
+          </a:xfrm>
+          <a:prstGeom prst="rect">
+            <a:avLst/>
+          </a:prstGeom>
+          <a:noFill/>
+        </p:spPr>
+        <p:txBody>
+          <a:bodyPr wrap="square" rtlCol="0">
+            <a:spAutoFit/>
+          </a:bodyPr>
+          <a:lstStyle/>
+          <a:p>
+            <a:pPr marL="285750" indent="-285750">
+              <a:buFont typeface="Wingdings" panose="05000000000000000000" pitchFamily="2" charset="2"/>
+              <a:buChar char="Ø"/>
+            </a:pPr>
+            <a:r>
+              <a:rPr lang="en-US" dirty="0"/>
+              <a:t>Apparently good correlation &amp; with higher population /state has higher number of Starbucks stores. </a:t>
+            </a:r>
+          </a:p>
+          <a:p>
+            <a:endParaRPr lang="en-US" dirty="0"/>
+          </a:p>
+        </p:txBody>
+      </p:sp>
       <p:pic>
         <p:nvPicPr>
-          <p:cNvPr id="5" name="Content Placeholder 4" descr="A close up of a map&#10;&#10;Description automatically generated">
+          <p:cNvPr id="10" name="Picture 9" descr="A close up of a map&#10;&#10;Description automatically generated">
             <a:extLst>
               <a:ext uri="{FF2B5EF4-FFF2-40B4-BE49-F238E27FC236}">
-                <a16:creationId xmlns:a16="http://schemas.microsoft.com/office/drawing/2014/main" id="{15C446BA-82F5-4C28-A969-20849E22CE44}"/>
+                <a16:creationId xmlns:a16="http://schemas.microsoft.com/office/drawing/2014/main" id="{0F9F7712-0374-4DB2-8EC0-3F83909B2A9C}"/>
               </a:ext>
             </a:extLst>
           </p:cNvPr>
@@ -6093,68 +6207,8 @@
         </p:blipFill>
         <p:spPr>
           <a:xfrm>
-            <a:off x="4122475" y="3533396"/>
-            <a:ext cx="3848100" cy="3013745"/>
-          </a:xfrm>
-          <a:prstGeom prst="rect">
-            <a:avLst/>
-          </a:prstGeom>
-        </p:spPr>
-      </p:pic>
-      <p:pic>
-        <p:nvPicPr>
-          <p:cNvPr id="7" name="Picture 6" descr="A close up of a map&#10;&#10;Description automatically generated">
-            <a:extLst>
-              <a:ext uri="{FF2B5EF4-FFF2-40B4-BE49-F238E27FC236}">
-                <a16:creationId xmlns:a16="http://schemas.microsoft.com/office/drawing/2014/main" id="{9F8027C9-8F7F-4269-A7AC-942D47196715}"/>
-              </a:ext>
-            </a:extLst>
-          </p:cNvPr>
-          <p:cNvPicPr>
-            <a:picLocks noChangeAspect="1"/>
-          </p:cNvPicPr>
-          <p:nvPr/>
-        </p:nvPicPr>
-        <p:blipFill>
-          <a:blip r:embed="rId3"/>
-          <a:stretch>
-            <a:fillRect/>
-          </a:stretch>
-        </p:blipFill>
-        <p:spPr>
-          <a:xfrm>
-            <a:off x="8069526" y="3533397"/>
-            <a:ext cx="3848099" cy="3013745"/>
-          </a:xfrm>
-          <a:prstGeom prst="rect">
-            <a:avLst/>
-          </a:prstGeom>
-        </p:spPr>
-      </p:pic>
-      <p:pic>
-        <p:nvPicPr>
-          <p:cNvPr id="9" name="Picture 8" descr="A close up of a map&#10;&#10;Description automatically generated">
-            <a:extLst>
-              <a:ext uri="{FF2B5EF4-FFF2-40B4-BE49-F238E27FC236}">
-                <a16:creationId xmlns:a16="http://schemas.microsoft.com/office/drawing/2014/main" id="{81400E30-7646-417A-97FE-1B31EF385E31}"/>
-              </a:ext>
-            </a:extLst>
-          </p:cNvPr>
-          <p:cNvPicPr>
-            <a:picLocks noChangeAspect="1"/>
-          </p:cNvPicPr>
-          <p:nvPr/>
-        </p:nvPicPr>
-        <p:blipFill>
-          <a:blip r:embed="rId4"/>
-          <a:stretch>
-            <a:fillRect/>
-          </a:stretch>
-        </p:blipFill>
-        <p:spPr>
-          <a:xfrm>
-            <a:off x="175425" y="3533395"/>
-            <a:ext cx="3848099" cy="3013745"/>
+            <a:off x="189164" y="3533395"/>
+            <a:ext cx="3848101" cy="3013745"/>
           </a:xfrm>
           <a:prstGeom prst="rect">
             <a:avLst/>
@@ -6175,7 +6229,7 @@
         </p:nvSpPr>
         <p:spPr>
           <a:xfrm>
-            <a:off x="616516" y="5385733"/>
+            <a:off x="600556" y="5287116"/>
             <a:ext cx="1128394" cy="825926"/>
           </a:xfrm>
           <a:prstGeom prst="ellipse">
@@ -6208,132 +6262,70 @@
           </a:p>
         </p:txBody>
       </p:sp>
-      <p:sp>
-        <p:nvSpPr>
-          <p:cNvPr id="4" name="TextBox 3">
+      <p:pic>
+        <p:nvPicPr>
+          <p:cNvPr id="12" name="Picture 11" descr="A close up of a map&#10;&#10;Description automatically generated">
             <a:extLst>
               <a:ext uri="{FF2B5EF4-FFF2-40B4-BE49-F238E27FC236}">
-                <a16:creationId xmlns:a16="http://schemas.microsoft.com/office/drawing/2014/main" id="{86A9D858-AFA3-47C6-BDD3-E72F0A9FC3C3}"/>
+                <a16:creationId xmlns:a16="http://schemas.microsoft.com/office/drawing/2014/main" id="{3E29070C-B27E-4E93-BC11-EDD89E159F9B}"/>
               </a:ext>
             </a:extLst>
           </p:cNvPr>
-          <p:cNvSpPr txBox="1"/>
+          <p:cNvPicPr>
+            <a:picLocks noChangeAspect="1"/>
+          </p:cNvPicPr>
           <p:nvPr/>
-        </p:nvSpPr>
+        </p:nvPicPr>
+        <p:blipFill>
+          <a:blip r:embed="rId3"/>
+          <a:stretch>
+            <a:fillRect/>
+          </a:stretch>
+        </p:blipFill>
         <p:spPr>
           <a:xfrm>
-            <a:off x="4435852" y="1967783"/>
-            <a:ext cx="2927928" cy="1200329"/>
+            <a:off x="4147338" y="3533395"/>
+            <a:ext cx="3848099" cy="3013745"/>
           </a:xfrm>
           <a:prstGeom prst="rect">
             <a:avLst/>
           </a:prstGeom>
-          <a:noFill/>
-        </p:spPr>
-        <p:txBody>
-          <a:bodyPr wrap="square" rtlCol="0">
-            <a:spAutoFit/>
-          </a:bodyPr>
-          <a:lstStyle/>
-          <a:p>
-            <a:pPr>
-              <a:buFont typeface="Wingdings" panose="05000000000000000000" pitchFamily="2" charset="2"/>
-              <a:buChar char="Ø"/>
-            </a:pPr>
-            <a:r>
-              <a:rPr lang="en-US" dirty="0"/>
-              <a:t> Gender Diversity</a:t>
-            </a:r>
-          </a:p>
-          <a:p>
-            <a:r>
-              <a:rPr lang="en-US" dirty="0"/>
-              <a:t>	Follows the same pattern as Total Population</a:t>
-            </a:r>
-          </a:p>
-          <a:p>
-            <a:endParaRPr lang="en-US" dirty="0"/>
-          </a:p>
-        </p:txBody>
-      </p:sp>
-      <p:sp>
-        <p:nvSpPr>
-          <p:cNvPr id="6" name="TextBox 5">
+        </p:spPr>
+      </p:pic>
+      <p:pic>
+        <p:nvPicPr>
+          <p:cNvPr id="15" name="Picture 14" descr="A close up of a map&#10;&#10;Description automatically generated">
             <a:extLst>
               <a:ext uri="{FF2B5EF4-FFF2-40B4-BE49-F238E27FC236}">
-                <a16:creationId xmlns:a16="http://schemas.microsoft.com/office/drawing/2014/main" id="{DFC54E5B-35FA-4950-9001-5663556FC1DD}"/>
+                <a16:creationId xmlns:a16="http://schemas.microsoft.com/office/drawing/2014/main" id="{43928B42-2F21-40DC-B961-428696513654}"/>
               </a:ext>
             </a:extLst>
           </p:cNvPr>
-          <p:cNvSpPr txBox="1"/>
+          <p:cNvPicPr>
+            <a:picLocks noChangeAspect="1"/>
+          </p:cNvPicPr>
           <p:nvPr/>
-        </p:nvSpPr>
+        </p:nvPicPr>
+        <p:blipFill>
+          <a:blip r:embed="rId4"/>
+          <a:stretch>
+            <a:fillRect/>
+          </a:stretch>
+        </p:blipFill>
         <p:spPr>
           <a:xfrm>
-            <a:off x="9367094" y="2084832"/>
-            <a:ext cx="1841726" cy="593713"/>
+            <a:off x="8105510" y="3533395"/>
+            <a:ext cx="3848099" cy="3013745"/>
           </a:xfrm>
           <a:prstGeom prst="rect">
             <a:avLst/>
           </a:prstGeom>
-          <a:noFill/>
-        </p:spPr>
-        <p:txBody>
-          <a:bodyPr wrap="square" rtlCol="0">
-            <a:spAutoFit/>
-          </a:bodyPr>
-          <a:lstStyle/>
-          <a:p>
-            <a:endParaRPr lang="en-US" dirty="0"/>
-          </a:p>
-        </p:txBody>
-      </p:sp>
-      <p:sp>
-        <p:nvSpPr>
-          <p:cNvPr id="17" name="TextBox 16">
-            <a:extLst>
-              <a:ext uri="{FF2B5EF4-FFF2-40B4-BE49-F238E27FC236}">
-                <a16:creationId xmlns:a16="http://schemas.microsoft.com/office/drawing/2014/main" id="{7C51B5E7-60F9-4419-89AB-22EF83C94DC4}"/>
-              </a:ext>
-            </a:extLst>
-          </p:cNvPr>
-          <p:cNvSpPr txBox="1"/>
-          <p:nvPr/>
-        </p:nvSpPr>
-        <p:spPr>
-          <a:xfrm>
-            <a:off x="8239945" y="1939881"/>
-            <a:ext cx="2927928" cy="1754326"/>
-          </a:xfrm>
-          <a:prstGeom prst="rect">
-            <a:avLst/>
-          </a:prstGeom>
-          <a:noFill/>
-        </p:spPr>
-        <p:txBody>
-          <a:bodyPr wrap="square" rtlCol="0">
-            <a:spAutoFit/>
-          </a:bodyPr>
-          <a:lstStyle/>
-          <a:p>
-            <a:pPr marL="285750" indent="-285750">
-              <a:buFont typeface="Wingdings" panose="05000000000000000000" pitchFamily="2" charset="2"/>
-              <a:buChar char="Ø"/>
-            </a:pPr>
-            <a:r>
-              <a:rPr lang="en-US" dirty="0"/>
-              <a:t>Apparently good correlation &amp; with higher population /state has higher number of Starbucks stores. </a:t>
-            </a:r>
-          </a:p>
-          <a:p>
-            <a:endParaRPr lang="en-US" dirty="0"/>
-          </a:p>
-        </p:txBody>
-      </p:sp>
+        </p:spPr>
+      </p:pic>
     </p:spTree>
     <p:extLst>
       <p:ext uri="{BB962C8B-B14F-4D97-AF65-F5344CB8AC3E}">
-        <p14:creationId xmlns:p14="http://schemas.microsoft.com/office/powerpoint/2010/main" val="3656894859"/>
+        <p14:creationId xmlns:p14="http://schemas.microsoft.com/office/powerpoint/2010/main" val="1152937414"/>
       </p:ext>
     </p:extLst>
   </p:cSld>
@@ -6346,14 +6338,6 @@
 <file path=ppt/slides/slide8.xml><?xml version="1.0" encoding="utf-8"?>
 <p:sld xmlns:a="http://schemas.openxmlformats.org/drawingml/2006/main" xmlns:r="http://schemas.openxmlformats.org/officeDocument/2006/relationships" xmlns:p="http://schemas.openxmlformats.org/presentationml/2006/main">
   <p:cSld>
-    <p:bg>
-      <p:bgPr>
-        <a:solidFill>
-          <a:schemeClr val="bg1"/>
-        </a:solidFill>
-        <a:effectLst/>
-      </p:bgPr>
-    </p:bg>
     <p:spTree>
       <p:nvGrpSpPr>
         <p:cNvPr id="1" name=""/>
@@ -6368,47 +6352,12 @@
           <a:chExt cx="0" cy="0"/>
         </a:xfrm>
       </p:grpSpPr>
-      <p:sp>
-        <p:nvSpPr>
-          <p:cNvPr id="2" name="Title 1">
+      <p:pic>
+        <p:nvPicPr>
+          <p:cNvPr id="7" name="Picture 6" descr="A close up of a map&#10;&#10;Description automatically generated">
             <a:extLst>
               <a:ext uri="{FF2B5EF4-FFF2-40B4-BE49-F238E27FC236}">
-                <a16:creationId xmlns:a16="http://schemas.microsoft.com/office/drawing/2014/main" id="{AF914BDC-A786-4A80-99A2-934A1E7267A3}"/>
-              </a:ext>
-            </a:extLst>
-          </p:cNvPr>
-          <p:cNvSpPr>
-            <a:spLocks noGrp="1"/>
-          </p:cNvSpPr>
-          <p:nvPr>
-            <p:ph type="title"/>
-          </p:nvPr>
-        </p:nvSpPr>
-        <p:spPr>
-          <a:xfrm>
-            <a:off x="1024128" y="585216"/>
-            <a:ext cx="6066818" cy="1499616"/>
-          </a:xfrm>
-        </p:spPr>
-        <p:txBody>
-          <a:bodyPr>
-            <a:normAutofit/>
-          </a:bodyPr>
-          <a:lstStyle/>
-          <a:p>
-            <a:r>
-              <a:rPr lang="en-US" dirty="0"/>
-              <a:t>Scatter Plot Charts</a:t>
-            </a:r>
-          </a:p>
-        </p:txBody>
-      </p:sp>
-      <p:pic>
-        <p:nvPicPr>
-          <p:cNvPr id="22" name="Content Placeholder 21" descr="A close up of a map&#10;&#10;Description automatically generated">
-            <a:extLst>
-              <a:ext uri="{FF2B5EF4-FFF2-40B4-BE49-F238E27FC236}">
-                <a16:creationId xmlns:a16="http://schemas.microsoft.com/office/drawing/2014/main" id="{B0BC4895-0489-42EB-B485-C49ED1518660}"/>
+                <a16:creationId xmlns:a16="http://schemas.microsoft.com/office/drawing/2014/main" id="{19F9DAC6-9377-4219-80BD-122DC97AEA67}"/>
               </a:ext>
             </a:extLst>
           </p:cNvPr>
@@ -6425,44 +6374,49 @@
         </p:blipFill>
         <p:spPr>
           <a:xfrm>
-            <a:off x="7809653" y="3821430"/>
-            <a:ext cx="3942079" cy="2628053"/>
+            <a:off x="7800562" y="3862184"/>
+            <a:ext cx="3951169" cy="2628053"/>
           </a:xfrm>
           <a:prstGeom prst="rect">
             <a:avLst/>
           </a:prstGeom>
         </p:spPr>
       </p:pic>
-      <p:pic>
-        <p:nvPicPr>
-          <p:cNvPr id="27" name="Picture 26" descr="A close up of a map&#10;&#10;Description automatically generated">
+      <p:sp>
+        <p:nvSpPr>
+          <p:cNvPr id="2" name="Title 1">
             <a:extLst>
               <a:ext uri="{FF2B5EF4-FFF2-40B4-BE49-F238E27FC236}">
-                <a16:creationId xmlns:a16="http://schemas.microsoft.com/office/drawing/2014/main" id="{CCE0B57E-1F97-41CE-A02E-D609565E025F}"/>
+                <a16:creationId xmlns:a16="http://schemas.microsoft.com/office/drawing/2014/main" id="{AF914BDC-A786-4A80-99A2-934A1E7267A3}"/>
               </a:ext>
             </a:extLst>
           </p:cNvPr>
-          <p:cNvPicPr>
-            <a:picLocks noChangeAspect="1"/>
-          </p:cNvPicPr>
-          <p:nvPr/>
-        </p:nvPicPr>
-        <p:blipFill>
-          <a:blip r:embed="rId3"/>
-          <a:stretch>
-            <a:fillRect/>
-          </a:stretch>
-        </p:blipFill>
+          <p:cNvSpPr>
+            <a:spLocks noGrp="1"/>
+          </p:cNvSpPr>
+          <p:nvPr>
+            <p:ph type="title"/>
+          </p:nvPr>
+        </p:nvSpPr>
         <p:spPr>
           <a:xfrm>
-            <a:off x="7809654" y="971973"/>
-            <a:ext cx="3942079" cy="2628053"/>
-          </a:xfrm>
-          <a:prstGeom prst="rect">
-            <a:avLst/>
-          </a:prstGeom>
-        </p:spPr>
-      </p:pic>
+            <a:off x="1024128" y="585216"/>
+            <a:ext cx="6066818" cy="1499616"/>
+          </a:xfrm>
+        </p:spPr>
+        <p:txBody>
+          <a:bodyPr>
+            <a:normAutofit/>
+          </a:bodyPr>
+          <a:lstStyle/>
+          <a:p>
+            <a:r>
+              <a:rPr lang="en-US" dirty="0"/>
+              <a:t>Scatter Plot Charts</a:t>
+            </a:r>
+          </a:p>
+        </p:txBody>
+      </p:sp>
       <p:sp>
         <p:nvSpPr>
           <p:cNvPr id="38" name="Content Placeholder 12">
@@ -6792,7 +6746,7 @@
         </p:nvSpPr>
         <p:spPr>
           <a:xfrm>
-            <a:off x="8253046" y="4064000"/>
+            <a:off x="8344248" y="4132475"/>
             <a:ext cx="476739" cy="2087470"/>
           </a:xfrm>
           <a:prstGeom prst="ellipse">
@@ -6825,6 +6779,36 @@
           </a:p>
         </p:txBody>
       </p:sp>
+      <p:pic>
+        <p:nvPicPr>
+          <p:cNvPr id="5" name="Picture 4" descr="A close up of a map&#10;&#10;Description automatically generated">
+            <a:extLst>
+              <a:ext uri="{FF2B5EF4-FFF2-40B4-BE49-F238E27FC236}">
+                <a16:creationId xmlns:a16="http://schemas.microsoft.com/office/drawing/2014/main" id="{97D6B534-D435-4CBE-A2F9-E754B45CA228}"/>
+              </a:ext>
+            </a:extLst>
+          </p:cNvPr>
+          <p:cNvPicPr>
+            <a:picLocks noChangeAspect="1"/>
+          </p:cNvPicPr>
+          <p:nvPr/>
+        </p:nvPicPr>
+        <p:blipFill>
+          <a:blip r:embed="rId3"/>
+          <a:stretch>
+            <a:fillRect/>
+          </a:stretch>
+        </p:blipFill>
+        <p:spPr>
+          <a:xfrm>
+            <a:off x="7809652" y="1072092"/>
+            <a:ext cx="3942079" cy="2628053"/>
+          </a:xfrm>
+          <a:prstGeom prst="rect">
+            <a:avLst/>
+          </a:prstGeom>
+        </p:spPr>
+      </p:pic>
     </p:spTree>
     <p:extLst>
       <p:ext uri="{BB962C8B-B14F-4D97-AF65-F5344CB8AC3E}">
@@ -7839,6 +7823,15 @@
 </file>
 
 <file path=customXml/item2.xml><?xml version="1.0" encoding="utf-8"?>
+<?mso-contentType ?>
+<FormTemplates xmlns="http://schemas.microsoft.com/sharepoint/v3/contenttype/forms">
+  <Display>DocumentLibraryForm</Display>
+  <Edit>DocumentLibraryForm</Edit>
+  <New>DocumentLibraryForm</New>
+</FormTemplates>
+</file>
+
+<file path=customXml/item3.xml><?xml version="1.0" encoding="utf-8"?>
 <ct:contentTypeSchema xmlns:ct="http://schemas.microsoft.com/office/2006/metadata/contentType" xmlns:ma="http://schemas.microsoft.com/office/2006/metadata/properties/metaAttributes" ct:_="" ma:_="" ma:contentTypeName="Document" ma:contentTypeID="0x01010079F111ED35F8CC479449609E8A0923A6" ma:contentTypeVersion="12" ma:contentTypeDescription="Create a new document." ma:contentTypeScope="" ma:versionID="93813dd7ca6ad654711aa0ab317e03a3">
   <xsd:schema xmlns:xsd="http://www.w3.org/2001/XMLSchema" xmlns:xs="http://www.w3.org/2001/XMLSchema" xmlns:p="http://schemas.microsoft.com/office/2006/metadata/properties" xmlns:ns2="71af3243-3dd4-4a8d-8c0d-dd76da1f02a5" xmlns:ns3="16c05727-aa75-4e4a-9b5f-8a80a1165891" targetNamespace="http://schemas.microsoft.com/office/2006/metadata/properties" ma:root="true" ma:fieldsID="f11dc0ce689dd3925e84e4e35398c6e7" ns2:_="" ns3:_="">
     <xsd:import namespace="71af3243-3dd4-4a8d-8c0d-dd76da1f02a5"/>
@@ -8059,15 +8052,6 @@
 </ct:contentTypeSchema>
 </file>
 
-<file path=customXml/item3.xml><?xml version="1.0" encoding="utf-8"?>
-<?mso-contentType ?>
-<FormTemplates xmlns="http://schemas.microsoft.com/sharepoint/v3/contenttype/forms">
-  <Display>DocumentLibraryForm</Display>
-  <Edit>DocumentLibraryForm</Edit>
-  <New>DocumentLibraryForm</New>
-</FormTemplates>
-</file>
-
 <file path=customXml/itemProps1.xml><?xml version="1.0" encoding="utf-8"?>
 <ds:datastoreItem xmlns:ds="http://schemas.openxmlformats.org/officeDocument/2006/customXml" ds:itemID="{45231547-F69E-41A9-93A9-B70B5E3064F1}">
   <ds:schemaRefs>
@@ -8079,6 +8063,14 @@
 </file>
 
 <file path=customXml/itemProps2.xml><?xml version="1.0" encoding="utf-8"?>
+<ds:datastoreItem xmlns:ds="http://schemas.openxmlformats.org/officeDocument/2006/customXml" ds:itemID="{07A7C301-87CC-4EB1-AF40-15075522FC58}">
+  <ds:schemaRefs>
+    <ds:schemaRef ds:uri="http://schemas.microsoft.com/sharepoint/v3/contenttype/forms"/>
+  </ds:schemaRefs>
+</ds:datastoreItem>
+</file>
+
+<file path=customXml/itemProps3.xml><?xml version="1.0" encoding="utf-8"?>
 <ds:datastoreItem xmlns:ds="http://schemas.openxmlformats.org/officeDocument/2006/customXml" ds:itemID="{6EA402E5-52EF-430B-8CCB-B4AAA8C467AD}">
   <ds:schemaRefs>
     <ds:schemaRef ds:uri="http://schemas.microsoft.com/office/2006/metadata/contentType"/>
@@ -8095,12 +8087,4 @@
     <ds:schemaRef ds:uri="http://schemas.microsoft.com/internal/obd"/>
   </ds:schemaRefs>
 </ds:datastoreItem>
-</file>
-
-<file path=customXml/itemProps3.xml><?xml version="1.0" encoding="utf-8"?>
-<ds:datastoreItem xmlns:ds="http://schemas.openxmlformats.org/officeDocument/2006/customXml" ds:itemID="{07A7C301-87CC-4EB1-AF40-15075522FC58}">
-  <ds:schemaRefs>
-    <ds:schemaRef ds:uri="http://schemas.microsoft.com/sharepoint/v3/contenttype/forms"/>
-  </ds:schemaRefs>
-</ds:datastoreItem>
 </file>
--- a/Deeper dive and analysis of Starbucks locations.pptx
+++ b/Deeper dive and analysis of Starbucks locations.pptx
@@ -4869,12 +4869,15 @@
           </a:bodyPr>
           <a:lstStyle/>
           <a:p>
-            <a:pPr marL="0" indent="0">
-              <a:buNone/>
-            </a:pPr>
             <a:r>
               <a:rPr lang="en-US" dirty="0"/>
-              <a:t>Overall this dataset </a:t>
+              <a:t>Our data tells us that Starbucks locations are not correlated to state size, population, gender or income. </a:t>
+            </a:r>
+          </a:p>
+          <a:p>
+            <a:r>
+              <a:rPr lang="en-US" dirty="0"/>
+              <a:t>We believe that Starbucks has its own strategy to add stores across the country. This strategy may be based on locations where there is more transit of people, work offices or buildings, other stores, etc. </a:t>
             </a:r>
           </a:p>
         </p:txBody>
@@ -7823,15 +7826,6 @@
 </file>
 
 <file path=customXml/item2.xml><?xml version="1.0" encoding="utf-8"?>
-<?mso-contentType ?>
-<FormTemplates xmlns="http://schemas.microsoft.com/sharepoint/v3/contenttype/forms">
-  <Display>DocumentLibraryForm</Display>
-  <Edit>DocumentLibraryForm</Edit>
-  <New>DocumentLibraryForm</New>
-</FormTemplates>
-</file>
-
-<file path=customXml/item3.xml><?xml version="1.0" encoding="utf-8"?>
 <ct:contentTypeSchema xmlns:ct="http://schemas.microsoft.com/office/2006/metadata/contentType" xmlns:ma="http://schemas.microsoft.com/office/2006/metadata/properties/metaAttributes" ct:_="" ma:_="" ma:contentTypeName="Document" ma:contentTypeID="0x01010079F111ED35F8CC479449609E8A0923A6" ma:contentTypeVersion="12" ma:contentTypeDescription="Create a new document." ma:contentTypeScope="" ma:versionID="93813dd7ca6ad654711aa0ab317e03a3">
   <xsd:schema xmlns:xsd="http://www.w3.org/2001/XMLSchema" xmlns:xs="http://www.w3.org/2001/XMLSchema" xmlns:p="http://schemas.microsoft.com/office/2006/metadata/properties" xmlns:ns2="71af3243-3dd4-4a8d-8c0d-dd76da1f02a5" xmlns:ns3="16c05727-aa75-4e4a-9b5f-8a80a1165891" targetNamespace="http://schemas.microsoft.com/office/2006/metadata/properties" ma:root="true" ma:fieldsID="f11dc0ce689dd3925e84e4e35398c6e7" ns2:_="" ns3:_="">
     <xsd:import namespace="71af3243-3dd4-4a8d-8c0d-dd76da1f02a5"/>
@@ -8052,6 +8046,15 @@
 </ct:contentTypeSchema>
 </file>
 
+<file path=customXml/item3.xml><?xml version="1.0" encoding="utf-8"?>
+<?mso-contentType ?>
+<FormTemplates xmlns="http://schemas.microsoft.com/sharepoint/v3/contenttype/forms">
+  <Display>DocumentLibraryForm</Display>
+  <Edit>DocumentLibraryForm</Edit>
+  <New>DocumentLibraryForm</New>
+</FormTemplates>
+</file>
+
 <file path=customXml/itemProps1.xml><?xml version="1.0" encoding="utf-8"?>
 <ds:datastoreItem xmlns:ds="http://schemas.openxmlformats.org/officeDocument/2006/customXml" ds:itemID="{45231547-F69E-41A9-93A9-B70B5E3064F1}">
   <ds:schemaRefs>
@@ -8063,14 +8066,6 @@
 </file>
 
 <file path=customXml/itemProps2.xml><?xml version="1.0" encoding="utf-8"?>
-<ds:datastoreItem xmlns:ds="http://schemas.openxmlformats.org/officeDocument/2006/customXml" ds:itemID="{07A7C301-87CC-4EB1-AF40-15075522FC58}">
-  <ds:schemaRefs>
-    <ds:schemaRef ds:uri="http://schemas.microsoft.com/sharepoint/v3/contenttype/forms"/>
-  </ds:schemaRefs>
-</ds:datastoreItem>
-</file>
-
-<file path=customXml/itemProps3.xml><?xml version="1.0" encoding="utf-8"?>
 <ds:datastoreItem xmlns:ds="http://schemas.openxmlformats.org/officeDocument/2006/customXml" ds:itemID="{6EA402E5-52EF-430B-8CCB-B4AAA8C467AD}">
   <ds:schemaRefs>
     <ds:schemaRef ds:uri="http://schemas.microsoft.com/office/2006/metadata/contentType"/>
@@ -8087,4 +8082,12 @@
     <ds:schemaRef ds:uri="http://schemas.microsoft.com/internal/obd"/>
   </ds:schemaRefs>
 </ds:datastoreItem>
+</file>
+
+<file path=customXml/itemProps3.xml><?xml version="1.0" encoding="utf-8"?>
+<ds:datastoreItem xmlns:ds="http://schemas.openxmlformats.org/officeDocument/2006/customXml" ds:itemID="{07A7C301-87CC-4EB1-AF40-15075522FC58}">
+  <ds:schemaRefs>
+    <ds:schemaRef ds:uri="http://schemas.microsoft.com/sharepoint/v3/contenttype/forms"/>
+  </ds:schemaRefs>
+</ds:datastoreItem>
 </file>